--- a/PPTs/Ziyarat Nahiya.pptx
+++ b/PPTs/Ziyarat Nahiya.pptx
@@ -654,13 +654,13 @@
   <p:clrMapOvr>
     <a:masterClrMapping/>
   </p:clrMapOvr>
-  <mc:AlternateContent xmlns:mc="http://schemas.openxmlformats.org/markup-compatibility/2006" xmlns:p14="http://schemas.microsoft.com/office/powerpoint/2010/main">
-    <mc:Choice Requires="p14">
+  <mc:AlternateContent xmlns:mc="http://schemas.openxmlformats.org/markup-compatibility/2006">
+    <mc:Choice xmlns:p14="http://schemas.microsoft.com/office/powerpoint/2010/main" Requires="p14">
       <p:transition p14:dur="300">
         <p:fade/>
       </p:transition>
     </mc:Choice>
-    <mc:Fallback xmlns="">
+    <mc:Fallback>
       <p:transition>
         <p:fade/>
       </p:transition>
@@ -761,13 +761,13 @@
   <p:clrMapOvr>
     <a:masterClrMapping/>
   </p:clrMapOvr>
-  <mc:AlternateContent xmlns:mc="http://schemas.openxmlformats.org/markup-compatibility/2006" xmlns:p14="http://schemas.microsoft.com/office/powerpoint/2010/main">
-    <mc:Choice Requires="p14">
+  <mc:AlternateContent xmlns:mc="http://schemas.openxmlformats.org/markup-compatibility/2006">
+    <mc:Choice xmlns:p14="http://schemas.microsoft.com/office/powerpoint/2010/main" Requires="p14">
       <p:transition p14:dur="300">
         <p:fade/>
       </p:transition>
     </mc:Choice>
-    <mc:Fallback xmlns="">
+    <mc:Fallback>
       <p:transition>
         <p:fade/>
       </p:transition>
@@ -939,13 +939,13 @@
   <p:clrMapOvr>
     <a:masterClrMapping/>
   </p:clrMapOvr>
-  <mc:AlternateContent xmlns:mc="http://schemas.openxmlformats.org/markup-compatibility/2006" xmlns:p14="http://schemas.microsoft.com/office/powerpoint/2010/main">
-    <mc:Choice Requires="p14">
+  <mc:AlternateContent xmlns:mc="http://schemas.openxmlformats.org/markup-compatibility/2006">
+    <mc:Choice xmlns:p14="http://schemas.microsoft.com/office/powerpoint/2010/main" Requires="p14">
       <p:transition p14:dur="300">
         <p:fade/>
       </p:transition>
     </mc:Choice>
-    <mc:Fallback xmlns="">
+    <mc:Fallback>
       <p:transition>
         <p:fade/>
       </p:transition>
@@ -1200,13 +1200,13 @@
     <p:sldLayoutId id="2147483662" r:id="rId2"/>
     <p:sldLayoutId id="2147483663" r:id="rId3"/>
   </p:sldLayoutIdLst>
-  <mc:AlternateContent xmlns:mc="http://schemas.openxmlformats.org/markup-compatibility/2006" xmlns:p14="http://schemas.microsoft.com/office/powerpoint/2010/main">
-    <mc:Choice Requires="p14">
+  <mc:AlternateContent xmlns:mc="http://schemas.openxmlformats.org/markup-compatibility/2006">
+    <mc:Choice xmlns:p14="http://schemas.microsoft.com/office/powerpoint/2010/main" Requires="p14">
       <p:transition p14:dur="300">
         <p:fade/>
       </p:transition>
     </mc:Choice>
-    <mc:Fallback xmlns="">
+    <mc:Fallback>
       <p:transition>
         <p:fade/>
       </p:transition>
@@ -2149,13 +2149,13 @@
   <p:clrMapOvr>
     <a:masterClrMapping/>
   </p:clrMapOvr>
-  <mc:AlternateContent xmlns:mc="http://schemas.openxmlformats.org/markup-compatibility/2006" xmlns:p14="http://schemas.microsoft.com/office/powerpoint/2010/main">
-    <mc:Choice Requires="p14">
+  <mc:AlternateContent xmlns:mc="http://schemas.openxmlformats.org/markup-compatibility/2006">
+    <mc:Choice xmlns:p14="http://schemas.microsoft.com/office/powerpoint/2010/main" Requires="p14">
       <p:transition p14:dur="300">
         <p:fade/>
       </p:transition>
     </mc:Choice>
-    <mc:Fallback xmlns="">
+    <mc:Fallback>
       <p:transition>
         <p:fade/>
       </p:transition>
@@ -2241,13 +2241,13 @@
   <p:clrMapOvr>
     <a:masterClrMapping/>
   </p:clrMapOvr>
-  <mc:AlternateContent xmlns:mc="http://schemas.openxmlformats.org/markup-compatibility/2006" xmlns:p14="http://schemas.microsoft.com/office/powerpoint/2010/main">
-    <mc:Choice Requires="p14">
+  <mc:AlternateContent xmlns:mc="http://schemas.openxmlformats.org/markup-compatibility/2006">
+    <mc:Choice xmlns:p14="http://schemas.microsoft.com/office/powerpoint/2010/main" Requires="p14">
       <p:transition p14:dur="300">
         <p:fade/>
       </p:transition>
     </mc:Choice>
-    <mc:Fallback xmlns="">
+    <mc:Fallback>
       <p:transition>
         <p:fade/>
       </p:transition>
@@ -2333,13 +2333,13 @@
   <p:clrMapOvr>
     <a:masterClrMapping/>
   </p:clrMapOvr>
-  <mc:AlternateContent xmlns:mc="http://schemas.openxmlformats.org/markup-compatibility/2006" xmlns:p14="http://schemas.microsoft.com/office/powerpoint/2010/main">
-    <mc:Choice Requires="p14">
+  <mc:AlternateContent xmlns:mc="http://schemas.openxmlformats.org/markup-compatibility/2006">
+    <mc:Choice xmlns:p14="http://schemas.microsoft.com/office/powerpoint/2010/main" Requires="p14">
       <p:transition p14:dur="300">
         <p:fade/>
       </p:transition>
     </mc:Choice>
-    <mc:Fallback xmlns="">
+    <mc:Fallback>
       <p:transition>
         <p:fade/>
       </p:transition>
@@ -2432,13 +2432,13 @@
   <p:clrMapOvr>
     <a:masterClrMapping/>
   </p:clrMapOvr>
-  <mc:AlternateContent xmlns:mc="http://schemas.openxmlformats.org/markup-compatibility/2006" xmlns:p14="http://schemas.microsoft.com/office/powerpoint/2010/main">
-    <mc:Choice Requires="p14">
+  <mc:AlternateContent xmlns:mc="http://schemas.openxmlformats.org/markup-compatibility/2006">
+    <mc:Choice xmlns:p14="http://schemas.microsoft.com/office/powerpoint/2010/main" Requires="p14">
       <p:transition p14:dur="300">
         <p:fade/>
       </p:transition>
     </mc:Choice>
-    <mc:Fallback xmlns="">
+    <mc:Fallback>
       <p:transition>
         <p:fade/>
       </p:transition>
@@ -2531,13 +2531,13 @@
   <p:clrMapOvr>
     <a:masterClrMapping/>
   </p:clrMapOvr>
-  <mc:AlternateContent xmlns:mc="http://schemas.openxmlformats.org/markup-compatibility/2006" xmlns:p14="http://schemas.microsoft.com/office/powerpoint/2010/main">
-    <mc:Choice Requires="p14">
+  <mc:AlternateContent xmlns:mc="http://schemas.openxmlformats.org/markup-compatibility/2006">
+    <mc:Choice xmlns:p14="http://schemas.microsoft.com/office/powerpoint/2010/main" Requires="p14">
       <p:transition p14:dur="300">
         <p:fade/>
       </p:transition>
     </mc:Choice>
-    <mc:Fallback xmlns="">
+    <mc:Fallback>
       <p:transition>
         <p:fade/>
       </p:transition>
@@ -2630,13 +2630,13 @@
   <p:clrMapOvr>
     <a:masterClrMapping/>
   </p:clrMapOvr>
-  <mc:AlternateContent xmlns:mc="http://schemas.openxmlformats.org/markup-compatibility/2006" xmlns:p14="http://schemas.microsoft.com/office/powerpoint/2010/main">
-    <mc:Choice Requires="p14">
+  <mc:AlternateContent xmlns:mc="http://schemas.openxmlformats.org/markup-compatibility/2006">
+    <mc:Choice xmlns:p14="http://schemas.microsoft.com/office/powerpoint/2010/main" Requires="p14">
       <p:transition p14:dur="300">
         <p:fade/>
       </p:transition>
     </mc:Choice>
-    <mc:Fallback xmlns="">
+    <mc:Fallback>
       <p:transition>
         <p:fade/>
       </p:transition>
@@ -2729,13 +2729,13 @@
   <p:clrMapOvr>
     <a:masterClrMapping/>
   </p:clrMapOvr>
-  <mc:AlternateContent xmlns:mc="http://schemas.openxmlformats.org/markup-compatibility/2006" xmlns:p14="http://schemas.microsoft.com/office/powerpoint/2010/main">
-    <mc:Choice Requires="p14">
+  <mc:AlternateContent xmlns:mc="http://schemas.openxmlformats.org/markup-compatibility/2006">
+    <mc:Choice xmlns:p14="http://schemas.microsoft.com/office/powerpoint/2010/main" Requires="p14">
       <p:transition p14:dur="300">
         <p:fade/>
       </p:transition>
     </mc:Choice>
-    <mc:Fallback xmlns="">
+    <mc:Fallback>
       <p:transition>
         <p:fade/>
       </p:transition>
@@ -2821,13 +2821,13 @@
   <p:clrMapOvr>
     <a:masterClrMapping/>
   </p:clrMapOvr>
-  <mc:AlternateContent xmlns:mc="http://schemas.openxmlformats.org/markup-compatibility/2006" xmlns:p14="http://schemas.microsoft.com/office/powerpoint/2010/main">
-    <mc:Choice Requires="p14">
+  <mc:AlternateContent xmlns:mc="http://schemas.openxmlformats.org/markup-compatibility/2006">
+    <mc:Choice xmlns:p14="http://schemas.microsoft.com/office/powerpoint/2010/main" Requires="p14">
       <p:transition p14:dur="300">
         <p:fade/>
       </p:transition>
     </mc:Choice>
-    <mc:Fallback xmlns="">
+    <mc:Fallback>
       <p:transition>
         <p:fade/>
       </p:transition>
@@ -2913,13 +2913,13 @@
   <p:clrMapOvr>
     <a:masterClrMapping/>
   </p:clrMapOvr>
-  <mc:AlternateContent xmlns:mc="http://schemas.openxmlformats.org/markup-compatibility/2006" xmlns:p14="http://schemas.microsoft.com/office/powerpoint/2010/main">
-    <mc:Choice Requires="p14">
+  <mc:AlternateContent xmlns:mc="http://schemas.openxmlformats.org/markup-compatibility/2006">
+    <mc:Choice xmlns:p14="http://schemas.microsoft.com/office/powerpoint/2010/main" Requires="p14">
       <p:transition p14:dur="300">
         <p:fade/>
       </p:transition>
     </mc:Choice>
-    <mc:Fallback xmlns="">
+    <mc:Fallback>
       <p:transition>
         <p:fade/>
       </p:transition>
@@ -3005,13 +3005,13 @@
   <p:clrMapOvr>
     <a:masterClrMapping/>
   </p:clrMapOvr>
-  <mc:AlternateContent xmlns:mc="http://schemas.openxmlformats.org/markup-compatibility/2006" xmlns:p14="http://schemas.microsoft.com/office/powerpoint/2010/main">
-    <mc:Choice Requires="p14">
+  <mc:AlternateContent xmlns:mc="http://schemas.openxmlformats.org/markup-compatibility/2006">
+    <mc:Choice xmlns:p14="http://schemas.microsoft.com/office/powerpoint/2010/main" Requires="p14">
       <p:transition p14:dur="300">
         <p:fade/>
       </p:transition>
     </mc:Choice>
-    <mc:Fallback xmlns="">
+    <mc:Fallback>
       <p:transition>
         <p:fade/>
       </p:transition>
@@ -3097,13 +3097,13 @@
   <p:clrMapOvr>
     <a:masterClrMapping/>
   </p:clrMapOvr>
-  <mc:AlternateContent xmlns:mc="http://schemas.openxmlformats.org/markup-compatibility/2006" xmlns:p14="http://schemas.microsoft.com/office/powerpoint/2010/main">
-    <mc:Choice Requires="p14">
+  <mc:AlternateContent xmlns:mc="http://schemas.openxmlformats.org/markup-compatibility/2006">
+    <mc:Choice xmlns:p14="http://schemas.microsoft.com/office/powerpoint/2010/main" Requires="p14">
       <p:transition p14:dur="300">
         <p:fade/>
       </p:transition>
     </mc:Choice>
-    <mc:Fallback xmlns="">
+    <mc:Fallback>
       <p:transition>
         <p:fade/>
       </p:transition>
@@ -3189,13 +3189,13 @@
   <p:clrMapOvr>
     <a:masterClrMapping/>
   </p:clrMapOvr>
-  <mc:AlternateContent xmlns:mc="http://schemas.openxmlformats.org/markup-compatibility/2006" xmlns:p14="http://schemas.microsoft.com/office/powerpoint/2010/main">
-    <mc:Choice Requires="p14">
+  <mc:AlternateContent xmlns:mc="http://schemas.openxmlformats.org/markup-compatibility/2006">
+    <mc:Choice xmlns:p14="http://schemas.microsoft.com/office/powerpoint/2010/main" Requires="p14">
       <p:transition p14:dur="300">
         <p:fade/>
       </p:transition>
     </mc:Choice>
-    <mc:Fallback xmlns="">
+    <mc:Fallback>
       <p:transition>
         <p:fade/>
       </p:transition>
@@ -3296,13 +3296,13 @@
   <p:clrMapOvr>
     <a:masterClrMapping/>
   </p:clrMapOvr>
-  <mc:AlternateContent xmlns:mc="http://schemas.openxmlformats.org/markup-compatibility/2006" xmlns:p14="http://schemas.microsoft.com/office/powerpoint/2010/main">
-    <mc:Choice Requires="p14">
+  <mc:AlternateContent xmlns:mc="http://schemas.openxmlformats.org/markup-compatibility/2006">
+    <mc:Choice xmlns:p14="http://schemas.microsoft.com/office/powerpoint/2010/main" Requires="p14">
       <p:transition p14:dur="300">
         <p:fade/>
       </p:transition>
     </mc:Choice>
-    <mc:Fallback xmlns="">
+    <mc:Fallback>
       <p:transition>
         <p:fade/>
       </p:transition>
@@ -3388,13 +3388,13 @@
   <p:clrMapOvr>
     <a:masterClrMapping/>
   </p:clrMapOvr>
-  <mc:AlternateContent xmlns:mc="http://schemas.openxmlformats.org/markup-compatibility/2006" xmlns:p14="http://schemas.microsoft.com/office/powerpoint/2010/main">
-    <mc:Choice Requires="p14">
+  <mc:AlternateContent xmlns:mc="http://schemas.openxmlformats.org/markup-compatibility/2006">
+    <mc:Choice xmlns:p14="http://schemas.microsoft.com/office/powerpoint/2010/main" Requires="p14">
       <p:transition p14:dur="300">
         <p:fade/>
       </p:transition>
     </mc:Choice>
-    <mc:Fallback xmlns="">
+    <mc:Fallback>
       <p:transition>
         <p:fade/>
       </p:transition>
@@ -3487,13 +3487,13 @@
   <p:clrMapOvr>
     <a:masterClrMapping/>
   </p:clrMapOvr>
-  <mc:AlternateContent xmlns:mc="http://schemas.openxmlformats.org/markup-compatibility/2006" xmlns:p14="http://schemas.microsoft.com/office/powerpoint/2010/main">
-    <mc:Choice Requires="p14">
+  <mc:AlternateContent xmlns:mc="http://schemas.openxmlformats.org/markup-compatibility/2006">
+    <mc:Choice xmlns:p14="http://schemas.microsoft.com/office/powerpoint/2010/main" Requires="p14">
       <p:transition p14:dur="300">
         <p:fade/>
       </p:transition>
     </mc:Choice>
-    <mc:Fallback xmlns="">
+    <mc:Fallback>
       <p:transition>
         <p:fade/>
       </p:transition>
@@ -3587,13 +3587,13 @@
   <p:clrMapOvr>
     <a:masterClrMapping/>
   </p:clrMapOvr>
-  <mc:AlternateContent xmlns:mc="http://schemas.openxmlformats.org/markup-compatibility/2006" xmlns:p14="http://schemas.microsoft.com/office/powerpoint/2010/main">
-    <mc:Choice Requires="p14">
+  <mc:AlternateContent xmlns:mc="http://schemas.openxmlformats.org/markup-compatibility/2006">
+    <mc:Choice xmlns:p14="http://schemas.microsoft.com/office/powerpoint/2010/main" Requires="p14">
       <p:transition p14:dur="300">
         <p:fade/>
       </p:transition>
     </mc:Choice>
-    <mc:Fallback xmlns="">
+    <mc:Fallback>
       <p:transition>
         <p:fade/>
       </p:transition>
@@ -3686,13 +3686,13 @@
   <p:clrMapOvr>
     <a:masterClrMapping/>
   </p:clrMapOvr>
-  <mc:AlternateContent xmlns:mc="http://schemas.openxmlformats.org/markup-compatibility/2006" xmlns:p14="http://schemas.microsoft.com/office/powerpoint/2010/main">
-    <mc:Choice Requires="p14">
+  <mc:AlternateContent xmlns:mc="http://schemas.openxmlformats.org/markup-compatibility/2006">
+    <mc:Choice xmlns:p14="http://schemas.microsoft.com/office/powerpoint/2010/main" Requires="p14">
       <p:transition p14:dur="300">
         <p:fade/>
       </p:transition>
     </mc:Choice>
-    <mc:Fallback xmlns="">
+    <mc:Fallback>
       <p:transition>
         <p:fade/>
       </p:transition>
@@ -3778,13 +3778,13 @@
   <p:clrMapOvr>
     <a:masterClrMapping/>
   </p:clrMapOvr>
-  <mc:AlternateContent xmlns:mc="http://schemas.openxmlformats.org/markup-compatibility/2006" xmlns:p14="http://schemas.microsoft.com/office/powerpoint/2010/main">
-    <mc:Choice Requires="p14">
+  <mc:AlternateContent xmlns:mc="http://schemas.openxmlformats.org/markup-compatibility/2006">
+    <mc:Choice xmlns:p14="http://schemas.microsoft.com/office/powerpoint/2010/main" Requires="p14">
       <p:transition p14:dur="300">
         <p:fade/>
       </p:transition>
     </mc:Choice>
-    <mc:Fallback xmlns="">
+    <mc:Fallback>
       <p:transition>
         <p:fade/>
       </p:transition>
@@ -3870,13 +3870,13 @@
   <p:clrMapOvr>
     <a:masterClrMapping/>
   </p:clrMapOvr>
-  <mc:AlternateContent xmlns:mc="http://schemas.openxmlformats.org/markup-compatibility/2006" xmlns:p14="http://schemas.microsoft.com/office/powerpoint/2010/main">
-    <mc:Choice Requires="p14">
+  <mc:AlternateContent xmlns:mc="http://schemas.openxmlformats.org/markup-compatibility/2006">
+    <mc:Choice xmlns:p14="http://schemas.microsoft.com/office/powerpoint/2010/main" Requires="p14">
       <p:transition p14:dur="300">
         <p:fade/>
       </p:transition>
     </mc:Choice>
-    <mc:Fallback xmlns="">
+    <mc:Fallback>
       <p:transition>
         <p:fade/>
       </p:transition>
@@ -3962,13 +3962,13 @@
   <p:clrMapOvr>
     <a:masterClrMapping/>
   </p:clrMapOvr>
-  <mc:AlternateContent xmlns:mc="http://schemas.openxmlformats.org/markup-compatibility/2006" xmlns:p14="http://schemas.microsoft.com/office/powerpoint/2010/main">
-    <mc:Choice Requires="p14">
+  <mc:AlternateContent xmlns:mc="http://schemas.openxmlformats.org/markup-compatibility/2006">
+    <mc:Choice xmlns:p14="http://schemas.microsoft.com/office/powerpoint/2010/main" Requires="p14">
       <p:transition p14:dur="300">
         <p:fade/>
       </p:transition>
     </mc:Choice>
-    <mc:Fallback xmlns="">
+    <mc:Fallback>
       <p:transition>
         <p:fade/>
       </p:transition>
@@ -4061,13 +4061,13 @@
   <p:clrMapOvr>
     <a:masterClrMapping/>
   </p:clrMapOvr>
-  <mc:AlternateContent xmlns:mc="http://schemas.openxmlformats.org/markup-compatibility/2006" xmlns:p14="http://schemas.microsoft.com/office/powerpoint/2010/main">
-    <mc:Choice Requires="p14">
+  <mc:AlternateContent xmlns:mc="http://schemas.openxmlformats.org/markup-compatibility/2006">
+    <mc:Choice xmlns:p14="http://schemas.microsoft.com/office/powerpoint/2010/main" Requires="p14">
       <p:transition p14:dur="300">
         <p:fade/>
       </p:transition>
     </mc:Choice>
-    <mc:Fallback xmlns="">
+    <mc:Fallback>
       <p:transition>
         <p:fade/>
       </p:transition>
@@ -4153,13 +4153,13 @@
   <p:clrMapOvr>
     <a:masterClrMapping/>
   </p:clrMapOvr>
-  <mc:AlternateContent xmlns:mc="http://schemas.openxmlformats.org/markup-compatibility/2006" xmlns:p14="http://schemas.microsoft.com/office/powerpoint/2010/main">
-    <mc:Choice Requires="p14">
+  <mc:AlternateContent xmlns:mc="http://schemas.openxmlformats.org/markup-compatibility/2006">
+    <mc:Choice xmlns:p14="http://schemas.microsoft.com/office/powerpoint/2010/main" Requires="p14">
       <p:transition p14:dur="300">
         <p:fade/>
       </p:transition>
     </mc:Choice>
-    <mc:Fallback xmlns="">
+    <mc:Fallback>
       <p:transition>
         <p:fade/>
       </p:transition>
@@ -4245,13 +4245,13 @@
   <p:clrMapOvr>
     <a:masterClrMapping/>
   </p:clrMapOvr>
-  <mc:AlternateContent xmlns:mc="http://schemas.openxmlformats.org/markup-compatibility/2006" xmlns:p14="http://schemas.microsoft.com/office/powerpoint/2010/main">
-    <mc:Choice Requires="p14">
+  <mc:AlternateContent xmlns:mc="http://schemas.openxmlformats.org/markup-compatibility/2006">
+    <mc:Choice xmlns:p14="http://schemas.microsoft.com/office/powerpoint/2010/main" Requires="p14">
       <p:transition p14:dur="300">
         <p:fade/>
       </p:transition>
     </mc:Choice>
-    <mc:Fallback xmlns="">
+    <mc:Fallback>
       <p:transition>
         <p:fade/>
       </p:transition>
@@ -4353,13 +4353,13 @@
   <p:clrMapOvr>
     <a:masterClrMapping/>
   </p:clrMapOvr>
-  <mc:AlternateContent xmlns:mc="http://schemas.openxmlformats.org/markup-compatibility/2006" xmlns:p14="http://schemas.microsoft.com/office/powerpoint/2010/main">
-    <mc:Choice Requires="p14">
+  <mc:AlternateContent xmlns:mc="http://schemas.openxmlformats.org/markup-compatibility/2006">
+    <mc:Choice xmlns:p14="http://schemas.microsoft.com/office/powerpoint/2010/main" Requires="p14">
       <p:transition p14:dur="300">
         <p:fade/>
       </p:transition>
     </mc:Choice>
-    <mc:Fallback xmlns="">
+    <mc:Fallback>
       <p:transition>
         <p:fade/>
       </p:transition>
@@ -4460,13 +4460,13 @@
   <p:clrMapOvr>
     <a:masterClrMapping/>
   </p:clrMapOvr>
-  <mc:AlternateContent xmlns:mc="http://schemas.openxmlformats.org/markup-compatibility/2006" xmlns:p14="http://schemas.microsoft.com/office/powerpoint/2010/main">
-    <mc:Choice Requires="p14">
+  <mc:AlternateContent xmlns:mc="http://schemas.openxmlformats.org/markup-compatibility/2006">
+    <mc:Choice xmlns:p14="http://schemas.microsoft.com/office/powerpoint/2010/main" Requires="p14">
       <p:transition p14:dur="300">
         <p:fade/>
       </p:transition>
     </mc:Choice>
-    <mc:Fallback xmlns="">
+    <mc:Fallback>
       <p:transition>
         <p:fade/>
       </p:transition>
@@ -4552,13 +4552,13 @@
   <p:clrMapOvr>
     <a:masterClrMapping/>
   </p:clrMapOvr>
-  <mc:AlternateContent xmlns:mc="http://schemas.openxmlformats.org/markup-compatibility/2006" xmlns:p14="http://schemas.microsoft.com/office/powerpoint/2010/main">
-    <mc:Choice Requires="p14">
+  <mc:AlternateContent xmlns:mc="http://schemas.openxmlformats.org/markup-compatibility/2006">
+    <mc:Choice xmlns:p14="http://schemas.microsoft.com/office/powerpoint/2010/main" Requires="p14">
       <p:transition p14:dur="300">
         <p:fade/>
       </p:transition>
     </mc:Choice>
-    <mc:Fallback xmlns="">
+    <mc:Fallback>
       <p:transition>
         <p:fade/>
       </p:transition>
@@ -4648,13 +4648,13 @@
   <p:clrMapOvr>
     <a:masterClrMapping/>
   </p:clrMapOvr>
-  <mc:AlternateContent xmlns:mc="http://schemas.openxmlformats.org/markup-compatibility/2006" xmlns:p14="http://schemas.microsoft.com/office/powerpoint/2010/main">
-    <mc:Choice Requires="p14">
+  <mc:AlternateContent xmlns:mc="http://schemas.openxmlformats.org/markup-compatibility/2006">
+    <mc:Choice xmlns:p14="http://schemas.microsoft.com/office/powerpoint/2010/main" Requires="p14">
       <p:transition p14:dur="300">
         <p:fade/>
       </p:transition>
     </mc:Choice>
-    <mc:Fallback xmlns="">
+    <mc:Fallback>
       <p:transition>
         <p:fade/>
       </p:transition>
@@ -4759,13 +4759,13 @@
   <p:clrMapOvr>
     <a:masterClrMapping/>
   </p:clrMapOvr>
-  <mc:AlternateContent xmlns:mc="http://schemas.openxmlformats.org/markup-compatibility/2006" xmlns:p14="http://schemas.microsoft.com/office/powerpoint/2010/main">
-    <mc:Choice Requires="p14">
+  <mc:AlternateContent xmlns:mc="http://schemas.openxmlformats.org/markup-compatibility/2006">
+    <mc:Choice xmlns:p14="http://schemas.microsoft.com/office/powerpoint/2010/main" Requires="p14">
       <p:transition p14:dur="300">
         <p:fade/>
       </p:transition>
     </mc:Choice>
-    <mc:Fallback xmlns="">
+    <mc:Fallback>
       <p:transition>
         <p:fade/>
       </p:transition>
@@ -4858,13 +4858,13 @@
   <p:clrMapOvr>
     <a:masterClrMapping/>
   </p:clrMapOvr>
-  <mc:AlternateContent xmlns:mc="http://schemas.openxmlformats.org/markup-compatibility/2006" xmlns:p14="http://schemas.microsoft.com/office/powerpoint/2010/main">
-    <mc:Choice Requires="p14">
+  <mc:AlternateContent xmlns:mc="http://schemas.openxmlformats.org/markup-compatibility/2006">
+    <mc:Choice xmlns:p14="http://schemas.microsoft.com/office/powerpoint/2010/main" Requires="p14">
       <p:transition p14:dur="300">
         <p:fade/>
       </p:transition>
     </mc:Choice>
-    <mc:Fallback xmlns="">
+    <mc:Fallback>
       <p:transition>
         <p:fade/>
       </p:transition>
@@ -4957,13 +4957,13 @@
   <p:clrMapOvr>
     <a:masterClrMapping/>
   </p:clrMapOvr>
-  <mc:AlternateContent xmlns:mc="http://schemas.openxmlformats.org/markup-compatibility/2006" xmlns:p14="http://schemas.microsoft.com/office/powerpoint/2010/main">
-    <mc:Choice Requires="p14">
+  <mc:AlternateContent xmlns:mc="http://schemas.openxmlformats.org/markup-compatibility/2006">
+    <mc:Choice xmlns:p14="http://schemas.microsoft.com/office/powerpoint/2010/main" Requires="p14">
       <p:transition p14:dur="300">
         <p:fade/>
       </p:transition>
     </mc:Choice>
-    <mc:Fallback xmlns="">
+    <mc:Fallback>
       <p:transition>
         <p:fade/>
       </p:transition>
@@ -5053,13 +5053,13 @@
   <p:clrMapOvr>
     <a:masterClrMapping/>
   </p:clrMapOvr>
-  <mc:AlternateContent xmlns:mc="http://schemas.openxmlformats.org/markup-compatibility/2006" xmlns:p14="http://schemas.microsoft.com/office/powerpoint/2010/main">
-    <mc:Choice Requires="p14">
+  <mc:AlternateContent xmlns:mc="http://schemas.openxmlformats.org/markup-compatibility/2006">
+    <mc:Choice xmlns:p14="http://schemas.microsoft.com/office/powerpoint/2010/main" Requires="p14">
       <p:transition p14:dur="300">
         <p:fade/>
       </p:transition>
     </mc:Choice>
-    <mc:Fallback xmlns="">
+    <mc:Fallback>
       <p:transition>
         <p:fade/>
       </p:transition>
@@ -5152,13 +5152,13 @@
   <p:clrMapOvr>
     <a:masterClrMapping/>
   </p:clrMapOvr>
-  <mc:AlternateContent xmlns:mc="http://schemas.openxmlformats.org/markup-compatibility/2006" xmlns:p14="http://schemas.microsoft.com/office/powerpoint/2010/main">
-    <mc:Choice Requires="p14">
+  <mc:AlternateContent xmlns:mc="http://schemas.openxmlformats.org/markup-compatibility/2006">
+    <mc:Choice xmlns:p14="http://schemas.microsoft.com/office/powerpoint/2010/main" Requires="p14">
       <p:transition p14:dur="300">
         <p:fade/>
       </p:transition>
     </mc:Choice>
-    <mc:Fallback xmlns="">
+    <mc:Fallback>
       <p:transition>
         <p:fade/>
       </p:transition>
@@ -5251,13 +5251,13 @@
   <p:clrMapOvr>
     <a:masterClrMapping/>
   </p:clrMapOvr>
-  <mc:AlternateContent xmlns:mc="http://schemas.openxmlformats.org/markup-compatibility/2006" xmlns:p14="http://schemas.microsoft.com/office/powerpoint/2010/main">
-    <mc:Choice Requires="p14">
+  <mc:AlternateContent xmlns:mc="http://schemas.openxmlformats.org/markup-compatibility/2006">
+    <mc:Choice xmlns:p14="http://schemas.microsoft.com/office/powerpoint/2010/main" Requires="p14">
       <p:transition p14:dur="300">
         <p:fade/>
       </p:transition>
     </mc:Choice>
-    <mc:Fallback xmlns="">
+    <mc:Fallback>
       <p:transition>
         <p:fade/>
       </p:transition>
@@ -5343,13 +5343,13 @@
   <p:clrMapOvr>
     <a:masterClrMapping/>
   </p:clrMapOvr>
-  <mc:AlternateContent xmlns:mc="http://schemas.openxmlformats.org/markup-compatibility/2006" xmlns:p14="http://schemas.microsoft.com/office/powerpoint/2010/main">
-    <mc:Choice Requires="p14">
+  <mc:AlternateContent xmlns:mc="http://schemas.openxmlformats.org/markup-compatibility/2006">
+    <mc:Choice xmlns:p14="http://schemas.microsoft.com/office/powerpoint/2010/main" Requires="p14">
       <p:transition p14:dur="300">
         <p:fade/>
       </p:transition>
     </mc:Choice>
-    <mc:Fallback xmlns="">
+    <mc:Fallback>
       <p:transition>
         <p:fade/>
       </p:transition>
@@ -5443,13 +5443,13 @@
   <p:clrMapOvr>
     <a:masterClrMapping/>
   </p:clrMapOvr>
-  <mc:AlternateContent xmlns:mc="http://schemas.openxmlformats.org/markup-compatibility/2006" xmlns:p14="http://schemas.microsoft.com/office/powerpoint/2010/main">
-    <mc:Choice Requires="p14">
+  <mc:AlternateContent xmlns:mc="http://schemas.openxmlformats.org/markup-compatibility/2006">
+    <mc:Choice xmlns:p14="http://schemas.microsoft.com/office/powerpoint/2010/main" Requires="p14">
       <p:transition p14:dur="300">
         <p:fade/>
       </p:transition>
     </mc:Choice>
-    <mc:Fallback xmlns="">
+    <mc:Fallback>
       <p:transition>
         <p:fade/>
       </p:transition>
@@ -5535,13 +5535,13 @@
   <p:clrMapOvr>
     <a:masterClrMapping/>
   </p:clrMapOvr>
-  <mc:AlternateContent xmlns:mc="http://schemas.openxmlformats.org/markup-compatibility/2006" xmlns:p14="http://schemas.microsoft.com/office/powerpoint/2010/main">
-    <mc:Choice Requires="p14">
+  <mc:AlternateContent xmlns:mc="http://schemas.openxmlformats.org/markup-compatibility/2006">
+    <mc:Choice xmlns:p14="http://schemas.microsoft.com/office/powerpoint/2010/main" Requires="p14">
       <p:transition p14:dur="300">
         <p:fade/>
       </p:transition>
     </mc:Choice>
-    <mc:Fallback xmlns="">
+    <mc:Fallback>
       <p:transition>
         <p:fade/>
       </p:transition>
@@ -5635,13 +5635,13 @@
   <p:clrMapOvr>
     <a:masterClrMapping/>
   </p:clrMapOvr>
-  <mc:AlternateContent xmlns:mc="http://schemas.openxmlformats.org/markup-compatibility/2006" xmlns:p14="http://schemas.microsoft.com/office/powerpoint/2010/main">
-    <mc:Choice Requires="p14">
+  <mc:AlternateContent xmlns:mc="http://schemas.openxmlformats.org/markup-compatibility/2006">
+    <mc:Choice xmlns:p14="http://schemas.microsoft.com/office/powerpoint/2010/main" Requires="p14">
       <p:transition p14:dur="300">
         <p:fade/>
       </p:transition>
     </mc:Choice>
-    <mc:Fallback xmlns="">
+    <mc:Fallback>
       <p:transition>
         <p:fade/>
       </p:transition>
@@ -5727,13 +5727,13 @@
   <p:clrMapOvr>
     <a:masterClrMapping/>
   </p:clrMapOvr>
-  <mc:AlternateContent xmlns:mc="http://schemas.openxmlformats.org/markup-compatibility/2006" xmlns:p14="http://schemas.microsoft.com/office/powerpoint/2010/main">
-    <mc:Choice Requires="p14">
+  <mc:AlternateContent xmlns:mc="http://schemas.openxmlformats.org/markup-compatibility/2006">
+    <mc:Choice xmlns:p14="http://schemas.microsoft.com/office/powerpoint/2010/main" Requires="p14">
       <p:transition p14:dur="300">
         <p:fade/>
       </p:transition>
     </mc:Choice>
-    <mc:Fallback xmlns="">
+    <mc:Fallback>
       <p:transition>
         <p:fade/>
       </p:transition>
@@ -5819,13 +5819,13 @@
   <p:clrMapOvr>
     <a:masterClrMapping/>
   </p:clrMapOvr>
-  <mc:AlternateContent xmlns:mc="http://schemas.openxmlformats.org/markup-compatibility/2006" xmlns:p14="http://schemas.microsoft.com/office/powerpoint/2010/main">
-    <mc:Choice Requires="p14">
+  <mc:AlternateContent xmlns:mc="http://schemas.openxmlformats.org/markup-compatibility/2006">
+    <mc:Choice xmlns:p14="http://schemas.microsoft.com/office/powerpoint/2010/main" Requires="p14">
       <p:transition p14:dur="300">
         <p:fade/>
       </p:transition>
     </mc:Choice>
-    <mc:Fallback xmlns="">
+    <mc:Fallback>
       <p:transition>
         <p:fade/>
       </p:transition>
@@ -5918,13 +5918,13 @@
   <p:clrMapOvr>
     <a:masterClrMapping/>
   </p:clrMapOvr>
-  <mc:AlternateContent xmlns:mc="http://schemas.openxmlformats.org/markup-compatibility/2006" xmlns:p14="http://schemas.microsoft.com/office/powerpoint/2010/main">
-    <mc:Choice Requires="p14">
+  <mc:AlternateContent xmlns:mc="http://schemas.openxmlformats.org/markup-compatibility/2006">
+    <mc:Choice xmlns:p14="http://schemas.microsoft.com/office/powerpoint/2010/main" Requires="p14">
       <p:transition p14:dur="300">
         <p:fade/>
       </p:transition>
     </mc:Choice>
-    <mc:Fallback xmlns="">
+    <mc:Fallback>
       <p:transition>
         <p:fade/>
       </p:transition>
@@ -6017,13 +6017,13 @@
   <p:clrMapOvr>
     <a:masterClrMapping/>
   </p:clrMapOvr>
-  <mc:AlternateContent xmlns:mc="http://schemas.openxmlformats.org/markup-compatibility/2006" xmlns:p14="http://schemas.microsoft.com/office/powerpoint/2010/main">
-    <mc:Choice Requires="p14">
+  <mc:AlternateContent xmlns:mc="http://schemas.openxmlformats.org/markup-compatibility/2006">
+    <mc:Choice xmlns:p14="http://schemas.microsoft.com/office/powerpoint/2010/main" Requires="p14">
       <p:transition p14:dur="300">
         <p:fade/>
       </p:transition>
     </mc:Choice>
-    <mc:Fallback xmlns="">
+    <mc:Fallback>
       <p:transition>
         <p:fade/>
       </p:transition>
@@ -6109,13 +6109,13 @@
   <p:clrMapOvr>
     <a:masterClrMapping/>
   </p:clrMapOvr>
-  <mc:AlternateContent xmlns:mc="http://schemas.openxmlformats.org/markup-compatibility/2006" xmlns:p14="http://schemas.microsoft.com/office/powerpoint/2010/main">
-    <mc:Choice Requires="p14">
+  <mc:AlternateContent xmlns:mc="http://schemas.openxmlformats.org/markup-compatibility/2006">
+    <mc:Choice xmlns:p14="http://schemas.microsoft.com/office/powerpoint/2010/main" Requires="p14">
       <p:transition p14:dur="300">
         <p:fade/>
       </p:transition>
     </mc:Choice>
-    <mc:Fallback xmlns="">
+    <mc:Fallback>
       <p:transition>
         <p:fade/>
       </p:transition>
@@ -6208,13 +6208,13 @@
   <p:clrMapOvr>
     <a:masterClrMapping/>
   </p:clrMapOvr>
-  <mc:AlternateContent xmlns:mc="http://schemas.openxmlformats.org/markup-compatibility/2006" xmlns:p14="http://schemas.microsoft.com/office/powerpoint/2010/main">
-    <mc:Choice Requires="p14">
+  <mc:AlternateContent xmlns:mc="http://schemas.openxmlformats.org/markup-compatibility/2006">
+    <mc:Choice xmlns:p14="http://schemas.microsoft.com/office/powerpoint/2010/main" Requires="p14">
       <p:transition p14:dur="300">
         <p:fade/>
       </p:transition>
     </mc:Choice>
-    <mc:Fallback xmlns="">
+    <mc:Fallback>
       <p:transition>
         <p:fade/>
       </p:transition>
@@ -6300,13 +6300,13 @@
   <p:clrMapOvr>
     <a:masterClrMapping/>
   </p:clrMapOvr>
-  <mc:AlternateContent xmlns:mc="http://schemas.openxmlformats.org/markup-compatibility/2006" xmlns:p14="http://schemas.microsoft.com/office/powerpoint/2010/main">
-    <mc:Choice Requires="p14">
+  <mc:AlternateContent xmlns:mc="http://schemas.openxmlformats.org/markup-compatibility/2006">
+    <mc:Choice xmlns:p14="http://schemas.microsoft.com/office/powerpoint/2010/main" Requires="p14">
       <p:transition p14:dur="300">
         <p:fade/>
       </p:transition>
     </mc:Choice>
-    <mc:Fallback xmlns="">
+    <mc:Fallback>
       <p:transition>
         <p:fade/>
       </p:transition>
@@ -6399,13 +6399,13 @@
   <p:clrMapOvr>
     <a:masterClrMapping/>
   </p:clrMapOvr>
-  <mc:AlternateContent xmlns:mc="http://schemas.openxmlformats.org/markup-compatibility/2006" xmlns:p14="http://schemas.microsoft.com/office/powerpoint/2010/main">
-    <mc:Choice Requires="p14">
+  <mc:AlternateContent xmlns:mc="http://schemas.openxmlformats.org/markup-compatibility/2006">
+    <mc:Choice xmlns:p14="http://schemas.microsoft.com/office/powerpoint/2010/main" Requires="p14">
       <p:transition p14:dur="300">
         <p:fade/>
       </p:transition>
     </mc:Choice>
-    <mc:Fallback xmlns="">
+    <mc:Fallback>
       <p:transition>
         <p:fade/>
       </p:transition>
@@ -6491,13 +6491,13 @@
   <p:clrMapOvr>
     <a:masterClrMapping/>
   </p:clrMapOvr>
-  <mc:AlternateContent xmlns:mc="http://schemas.openxmlformats.org/markup-compatibility/2006" xmlns:p14="http://schemas.microsoft.com/office/powerpoint/2010/main">
-    <mc:Choice Requires="p14">
+  <mc:AlternateContent xmlns:mc="http://schemas.openxmlformats.org/markup-compatibility/2006">
+    <mc:Choice xmlns:p14="http://schemas.microsoft.com/office/powerpoint/2010/main" Requires="p14">
       <p:transition p14:dur="300">
         <p:fade/>
       </p:transition>
     </mc:Choice>
-    <mc:Fallback xmlns="">
+    <mc:Fallback>
       <p:transition>
         <p:fade/>
       </p:transition>
@@ -6598,13 +6598,13 @@
   <p:clrMapOvr>
     <a:masterClrMapping/>
   </p:clrMapOvr>
-  <mc:AlternateContent xmlns:mc="http://schemas.openxmlformats.org/markup-compatibility/2006" xmlns:p14="http://schemas.microsoft.com/office/powerpoint/2010/main">
-    <mc:Choice Requires="p14">
+  <mc:AlternateContent xmlns:mc="http://schemas.openxmlformats.org/markup-compatibility/2006">
+    <mc:Choice xmlns:p14="http://schemas.microsoft.com/office/powerpoint/2010/main" Requires="p14">
       <p:transition p14:dur="300">
         <p:fade/>
       </p:transition>
     </mc:Choice>
-    <mc:Fallback xmlns="">
+    <mc:Fallback>
       <p:transition>
         <p:fade/>
       </p:transition>
@@ -6690,13 +6690,13 @@
   <p:clrMapOvr>
     <a:masterClrMapping/>
   </p:clrMapOvr>
-  <mc:AlternateContent xmlns:mc="http://schemas.openxmlformats.org/markup-compatibility/2006" xmlns:p14="http://schemas.microsoft.com/office/powerpoint/2010/main">
-    <mc:Choice Requires="p14">
+  <mc:AlternateContent xmlns:mc="http://schemas.openxmlformats.org/markup-compatibility/2006">
+    <mc:Choice xmlns:p14="http://schemas.microsoft.com/office/powerpoint/2010/main" Requires="p14">
       <p:transition p14:dur="300">
         <p:fade/>
       </p:transition>
     </mc:Choice>
-    <mc:Fallback xmlns="">
+    <mc:Fallback>
       <p:transition>
         <p:fade/>
       </p:transition>
@@ -6782,13 +6782,13 @@
   <p:clrMapOvr>
     <a:masterClrMapping/>
   </p:clrMapOvr>
-  <mc:AlternateContent xmlns:mc="http://schemas.openxmlformats.org/markup-compatibility/2006" xmlns:p14="http://schemas.microsoft.com/office/powerpoint/2010/main">
-    <mc:Choice Requires="p14">
+  <mc:AlternateContent xmlns:mc="http://schemas.openxmlformats.org/markup-compatibility/2006">
+    <mc:Choice xmlns:p14="http://schemas.microsoft.com/office/powerpoint/2010/main" Requires="p14">
       <p:transition p14:dur="300">
         <p:fade/>
       </p:transition>
     </mc:Choice>
-    <mc:Fallback xmlns="">
+    <mc:Fallback>
       <p:transition>
         <p:fade/>
       </p:transition>
@@ -6874,13 +6874,13 @@
   <p:clrMapOvr>
     <a:masterClrMapping/>
   </p:clrMapOvr>
-  <mc:AlternateContent xmlns:mc="http://schemas.openxmlformats.org/markup-compatibility/2006" xmlns:p14="http://schemas.microsoft.com/office/powerpoint/2010/main">
-    <mc:Choice Requires="p14">
+  <mc:AlternateContent xmlns:mc="http://schemas.openxmlformats.org/markup-compatibility/2006">
+    <mc:Choice xmlns:p14="http://schemas.microsoft.com/office/powerpoint/2010/main" Requires="p14">
       <p:transition p14:dur="300">
         <p:fade/>
       </p:transition>
     </mc:Choice>
-    <mc:Fallback xmlns="">
+    <mc:Fallback>
       <p:transition>
         <p:fade/>
       </p:transition>
@@ -6966,13 +6966,13 @@
   <p:clrMapOvr>
     <a:masterClrMapping/>
   </p:clrMapOvr>
-  <mc:AlternateContent xmlns:mc="http://schemas.openxmlformats.org/markup-compatibility/2006" xmlns:p14="http://schemas.microsoft.com/office/powerpoint/2010/main">
-    <mc:Choice Requires="p14">
+  <mc:AlternateContent xmlns:mc="http://schemas.openxmlformats.org/markup-compatibility/2006">
+    <mc:Choice xmlns:p14="http://schemas.microsoft.com/office/powerpoint/2010/main" Requires="p14">
       <p:transition p14:dur="300">
         <p:fade/>
       </p:transition>
     </mc:Choice>
-    <mc:Fallback xmlns="">
+    <mc:Fallback>
       <p:transition>
         <p:fade/>
       </p:transition>
@@ -7058,13 +7058,13 @@
   <p:clrMapOvr>
     <a:masterClrMapping/>
   </p:clrMapOvr>
-  <mc:AlternateContent xmlns:mc="http://schemas.openxmlformats.org/markup-compatibility/2006" xmlns:p14="http://schemas.microsoft.com/office/powerpoint/2010/main">
-    <mc:Choice Requires="p14">
+  <mc:AlternateContent xmlns:mc="http://schemas.openxmlformats.org/markup-compatibility/2006">
+    <mc:Choice xmlns:p14="http://schemas.microsoft.com/office/powerpoint/2010/main" Requires="p14">
       <p:transition p14:dur="300">
         <p:fade/>
       </p:transition>
     </mc:Choice>
-    <mc:Fallback xmlns="">
+    <mc:Fallback>
       <p:transition>
         <p:fade/>
       </p:transition>
@@ -7150,13 +7150,13 @@
   <p:clrMapOvr>
     <a:masterClrMapping/>
   </p:clrMapOvr>
-  <mc:AlternateContent xmlns:mc="http://schemas.openxmlformats.org/markup-compatibility/2006" xmlns:p14="http://schemas.microsoft.com/office/powerpoint/2010/main">
-    <mc:Choice Requires="p14">
+  <mc:AlternateContent xmlns:mc="http://schemas.openxmlformats.org/markup-compatibility/2006">
+    <mc:Choice xmlns:p14="http://schemas.microsoft.com/office/powerpoint/2010/main" Requires="p14">
       <p:transition p14:dur="300">
         <p:fade/>
       </p:transition>
     </mc:Choice>
-    <mc:Fallback xmlns="">
+    <mc:Fallback>
       <p:transition>
         <p:fade/>
       </p:transition>
@@ -7249,13 +7249,13 @@
   <p:clrMapOvr>
     <a:masterClrMapping/>
   </p:clrMapOvr>
-  <mc:AlternateContent xmlns:mc="http://schemas.openxmlformats.org/markup-compatibility/2006" xmlns:p14="http://schemas.microsoft.com/office/powerpoint/2010/main">
-    <mc:Choice Requires="p14">
+  <mc:AlternateContent xmlns:mc="http://schemas.openxmlformats.org/markup-compatibility/2006">
+    <mc:Choice xmlns:p14="http://schemas.microsoft.com/office/powerpoint/2010/main" Requires="p14">
       <p:transition p14:dur="300">
         <p:fade/>
       </p:transition>
     </mc:Choice>
-    <mc:Fallback xmlns="">
+    <mc:Fallback>
       <p:transition>
         <p:fade/>
       </p:transition>
@@ -7348,13 +7348,13 @@
   <p:clrMapOvr>
     <a:masterClrMapping/>
   </p:clrMapOvr>
-  <mc:AlternateContent xmlns:mc="http://schemas.openxmlformats.org/markup-compatibility/2006" xmlns:p14="http://schemas.microsoft.com/office/powerpoint/2010/main">
-    <mc:Choice Requires="p14">
+  <mc:AlternateContent xmlns:mc="http://schemas.openxmlformats.org/markup-compatibility/2006">
+    <mc:Choice xmlns:p14="http://schemas.microsoft.com/office/powerpoint/2010/main" Requires="p14">
       <p:transition p14:dur="300">
         <p:fade/>
       </p:transition>
     </mc:Choice>
-    <mc:Fallback xmlns="">
+    <mc:Fallback>
       <p:transition>
         <p:fade/>
       </p:transition>
@@ -7440,13 +7440,13 @@
   <p:clrMapOvr>
     <a:masterClrMapping/>
   </p:clrMapOvr>
-  <mc:AlternateContent xmlns:mc="http://schemas.openxmlformats.org/markup-compatibility/2006" xmlns:p14="http://schemas.microsoft.com/office/powerpoint/2010/main">
-    <mc:Choice Requires="p14">
+  <mc:AlternateContent xmlns:mc="http://schemas.openxmlformats.org/markup-compatibility/2006">
+    <mc:Choice xmlns:p14="http://schemas.microsoft.com/office/powerpoint/2010/main" Requires="p14">
       <p:transition p14:dur="300">
         <p:fade/>
       </p:transition>
     </mc:Choice>
-    <mc:Fallback xmlns="">
+    <mc:Fallback>
       <p:transition>
         <p:fade/>
       </p:transition>
@@ -7532,13 +7532,13 @@
   <p:clrMapOvr>
     <a:masterClrMapping/>
   </p:clrMapOvr>
-  <mc:AlternateContent xmlns:mc="http://schemas.openxmlformats.org/markup-compatibility/2006" xmlns:p14="http://schemas.microsoft.com/office/powerpoint/2010/main">
-    <mc:Choice Requires="p14">
+  <mc:AlternateContent xmlns:mc="http://schemas.openxmlformats.org/markup-compatibility/2006">
+    <mc:Choice xmlns:p14="http://schemas.microsoft.com/office/powerpoint/2010/main" Requires="p14">
       <p:transition p14:dur="300">
         <p:fade/>
       </p:transition>
     </mc:Choice>
-    <mc:Fallback xmlns="">
+    <mc:Fallback>
       <p:transition>
         <p:fade/>
       </p:transition>
@@ -7624,13 +7624,13 @@
   <p:clrMapOvr>
     <a:masterClrMapping/>
   </p:clrMapOvr>
-  <mc:AlternateContent xmlns:mc="http://schemas.openxmlformats.org/markup-compatibility/2006" xmlns:p14="http://schemas.microsoft.com/office/powerpoint/2010/main">
-    <mc:Choice Requires="p14">
+  <mc:AlternateContent xmlns:mc="http://schemas.openxmlformats.org/markup-compatibility/2006">
+    <mc:Choice xmlns:p14="http://schemas.microsoft.com/office/powerpoint/2010/main" Requires="p14">
       <p:transition p14:dur="300">
         <p:fade/>
       </p:transition>
     </mc:Choice>
-    <mc:Fallback xmlns="">
+    <mc:Fallback>
       <p:transition>
         <p:fade/>
       </p:transition>
@@ -7716,13 +7716,13 @@
   <p:clrMapOvr>
     <a:masterClrMapping/>
   </p:clrMapOvr>
-  <mc:AlternateContent xmlns:mc="http://schemas.openxmlformats.org/markup-compatibility/2006" xmlns:p14="http://schemas.microsoft.com/office/powerpoint/2010/main">
-    <mc:Choice Requires="p14">
+  <mc:AlternateContent xmlns:mc="http://schemas.openxmlformats.org/markup-compatibility/2006">
+    <mc:Choice xmlns:p14="http://schemas.microsoft.com/office/powerpoint/2010/main" Requires="p14">
       <p:transition p14:dur="300">
         <p:fade/>
       </p:transition>
     </mc:Choice>
-    <mc:Fallback xmlns="">
+    <mc:Fallback>
       <p:transition>
         <p:fade/>
       </p:transition>
@@ -7808,13 +7808,13 @@
   <p:clrMapOvr>
     <a:masterClrMapping/>
   </p:clrMapOvr>
-  <mc:AlternateContent xmlns:mc="http://schemas.openxmlformats.org/markup-compatibility/2006" xmlns:p14="http://schemas.microsoft.com/office/powerpoint/2010/main">
-    <mc:Choice Requires="p14">
+  <mc:AlternateContent xmlns:mc="http://schemas.openxmlformats.org/markup-compatibility/2006">
+    <mc:Choice xmlns:p14="http://schemas.microsoft.com/office/powerpoint/2010/main" Requires="p14">
       <p:transition p14:dur="300">
         <p:fade/>
       </p:transition>
     </mc:Choice>
-    <mc:Fallback xmlns="">
+    <mc:Fallback>
       <p:transition>
         <p:fade/>
       </p:transition>
@@ -7900,13 +7900,13 @@
   <p:clrMapOvr>
     <a:masterClrMapping/>
   </p:clrMapOvr>
-  <mc:AlternateContent xmlns:mc="http://schemas.openxmlformats.org/markup-compatibility/2006" xmlns:p14="http://schemas.microsoft.com/office/powerpoint/2010/main">
-    <mc:Choice Requires="p14">
+  <mc:AlternateContent xmlns:mc="http://schemas.openxmlformats.org/markup-compatibility/2006">
+    <mc:Choice xmlns:p14="http://schemas.microsoft.com/office/powerpoint/2010/main" Requires="p14">
       <p:transition p14:dur="300">
         <p:fade/>
       </p:transition>
     </mc:Choice>
-    <mc:Fallback xmlns="">
+    <mc:Fallback>
       <p:transition>
         <p:fade/>
       </p:transition>
@@ -7992,13 +7992,13 @@
   <p:clrMapOvr>
     <a:masterClrMapping/>
   </p:clrMapOvr>
-  <mc:AlternateContent xmlns:mc="http://schemas.openxmlformats.org/markup-compatibility/2006" xmlns:p14="http://schemas.microsoft.com/office/powerpoint/2010/main">
-    <mc:Choice Requires="p14">
+  <mc:AlternateContent xmlns:mc="http://schemas.openxmlformats.org/markup-compatibility/2006">
+    <mc:Choice xmlns:p14="http://schemas.microsoft.com/office/powerpoint/2010/main" Requires="p14">
       <p:transition p14:dur="300">
         <p:fade/>
       </p:transition>
     </mc:Choice>
-    <mc:Fallback xmlns="">
+    <mc:Fallback>
       <p:transition>
         <p:fade/>
       </p:transition>
@@ -8084,13 +8084,13 @@
   <p:clrMapOvr>
     <a:masterClrMapping/>
   </p:clrMapOvr>
-  <mc:AlternateContent xmlns:mc="http://schemas.openxmlformats.org/markup-compatibility/2006" xmlns:p14="http://schemas.microsoft.com/office/powerpoint/2010/main">
-    <mc:Choice Requires="p14">
+  <mc:AlternateContent xmlns:mc="http://schemas.openxmlformats.org/markup-compatibility/2006">
+    <mc:Choice xmlns:p14="http://schemas.microsoft.com/office/powerpoint/2010/main" Requires="p14">
       <p:transition p14:dur="300">
         <p:fade/>
       </p:transition>
     </mc:Choice>
-    <mc:Fallback xmlns="">
+    <mc:Fallback>
       <p:transition>
         <p:fade/>
       </p:transition>
@@ -8176,13 +8176,13 @@
   <p:clrMapOvr>
     <a:masterClrMapping/>
   </p:clrMapOvr>
-  <mc:AlternateContent xmlns:mc="http://schemas.openxmlformats.org/markup-compatibility/2006" xmlns:p14="http://schemas.microsoft.com/office/powerpoint/2010/main">
-    <mc:Choice Requires="p14">
+  <mc:AlternateContent xmlns:mc="http://schemas.openxmlformats.org/markup-compatibility/2006">
+    <mc:Choice xmlns:p14="http://schemas.microsoft.com/office/powerpoint/2010/main" Requires="p14">
       <p:transition p14:dur="300">
         <p:fade/>
       </p:transition>
     </mc:Choice>
-    <mc:Fallback xmlns="">
+    <mc:Fallback>
       <p:transition>
         <p:fade/>
       </p:transition>
@@ -8268,13 +8268,13 @@
   <p:clrMapOvr>
     <a:masterClrMapping/>
   </p:clrMapOvr>
-  <mc:AlternateContent xmlns:mc="http://schemas.openxmlformats.org/markup-compatibility/2006" xmlns:p14="http://schemas.microsoft.com/office/powerpoint/2010/main">
-    <mc:Choice Requires="p14">
+  <mc:AlternateContent xmlns:mc="http://schemas.openxmlformats.org/markup-compatibility/2006">
+    <mc:Choice xmlns:p14="http://schemas.microsoft.com/office/powerpoint/2010/main" Requires="p14">
       <p:transition p14:dur="300">
         <p:fade/>
       </p:transition>
     </mc:Choice>
-    <mc:Fallback xmlns="">
+    <mc:Fallback>
       <p:transition>
         <p:fade/>
       </p:transition>
@@ -8368,13 +8368,13 @@
   <p:clrMapOvr>
     <a:masterClrMapping/>
   </p:clrMapOvr>
-  <mc:AlternateContent xmlns:mc="http://schemas.openxmlformats.org/markup-compatibility/2006" xmlns:p14="http://schemas.microsoft.com/office/powerpoint/2010/main">
-    <mc:Choice Requires="p14">
+  <mc:AlternateContent xmlns:mc="http://schemas.openxmlformats.org/markup-compatibility/2006">
+    <mc:Choice xmlns:p14="http://schemas.microsoft.com/office/powerpoint/2010/main" Requires="p14">
       <p:transition p14:dur="300">
         <p:fade/>
       </p:transition>
     </mc:Choice>
-    <mc:Fallback xmlns="">
+    <mc:Fallback>
       <p:transition>
         <p:fade/>
       </p:transition>
@@ -8468,13 +8468,13 @@
   <p:clrMapOvr>
     <a:masterClrMapping/>
   </p:clrMapOvr>
-  <mc:AlternateContent xmlns:mc="http://schemas.openxmlformats.org/markup-compatibility/2006" xmlns:p14="http://schemas.microsoft.com/office/powerpoint/2010/main">
-    <mc:Choice Requires="p14">
+  <mc:AlternateContent xmlns:mc="http://schemas.openxmlformats.org/markup-compatibility/2006">
+    <mc:Choice xmlns:p14="http://schemas.microsoft.com/office/powerpoint/2010/main" Requires="p14">
       <p:transition p14:dur="300">
         <p:fade/>
       </p:transition>
     </mc:Choice>
-    <mc:Fallback xmlns="">
+    <mc:Fallback>
       <p:transition>
         <p:fade/>
       </p:transition>
@@ -8576,13 +8576,13 @@
   <p:clrMapOvr>
     <a:masterClrMapping/>
   </p:clrMapOvr>
-  <mc:AlternateContent xmlns:mc="http://schemas.openxmlformats.org/markup-compatibility/2006" xmlns:p14="http://schemas.microsoft.com/office/powerpoint/2010/main">
-    <mc:Choice Requires="p14">
+  <mc:AlternateContent xmlns:mc="http://schemas.openxmlformats.org/markup-compatibility/2006">
+    <mc:Choice xmlns:p14="http://schemas.microsoft.com/office/powerpoint/2010/main" Requires="p14">
       <p:transition p14:dur="300">
         <p:fade/>
       </p:transition>
     </mc:Choice>
-    <mc:Fallback xmlns="">
+    <mc:Fallback>
       <p:transition>
         <p:fade/>
       </p:transition>
@@ -8668,13 +8668,13 @@
   <p:clrMapOvr>
     <a:masterClrMapping/>
   </p:clrMapOvr>
-  <mc:AlternateContent xmlns:mc="http://schemas.openxmlformats.org/markup-compatibility/2006" xmlns:p14="http://schemas.microsoft.com/office/powerpoint/2010/main">
-    <mc:Choice Requires="p14">
+  <mc:AlternateContent xmlns:mc="http://schemas.openxmlformats.org/markup-compatibility/2006">
+    <mc:Choice xmlns:p14="http://schemas.microsoft.com/office/powerpoint/2010/main" Requires="p14">
       <p:transition p14:dur="300">
         <p:fade/>
       </p:transition>
     </mc:Choice>
-    <mc:Fallback xmlns="">
+    <mc:Fallback>
       <p:transition>
         <p:fade/>
       </p:transition>
@@ -8760,13 +8760,13 @@
   <p:clrMapOvr>
     <a:masterClrMapping/>
   </p:clrMapOvr>
-  <mc:AlternateContent xmlns:mc="http://schemas.openxmlformats.org/markup-compatibility/2006" xmlns:p14="http://schemas.microsoft.com/office/powerpoint/2010/main">
-    <mc:Choice Requires="p14">
+  <mc:AlternateContent xmlns:mc="http://schemas.openxmlformats.org/markup-compatibility/2006">
+    <mc:Choice xmlns:p14="http://schemas.microsoft.com/office/powerpoint/2010/main" Requires="p14">
       <p:transition p14:dur="300">
         <p:fade/>
       </p:transition>
     </mc:Choice>
-    <mc:Fallback xmlns="">
+    <mc:Fallback>
       <p:transition>
         <p:fade/>
       </p:transition>
@@ -8852,13 +8852,13 @@
   <p:clrMapOvr>
     <a:masterClrMapping/>
   </p:clrMapOvr>
-  <mc:AlternateContent xmlns:mc="http://schemas.openxmlformats.org/markup-compatibility/2006" xmlns:p14="http://schemas.microsoft.com/office/powerpoint/2010/main">
-    <mc:Choice Requires="p14">
+  <mc:AlternateContent xmlns:mc="http://schemas.openxmlformats.org/markup-compatibility/2006">
+    <mc:Choice xmlns:p14="http://schemas.microsoft.com/office/powerpoint/2010/main" Requires="p14">
       <p:transition p14:dur="300">
         <p:fade/>
       </p:transition>
     </mc:Choice>
-    <mc:Fallback xmlns="">
+    <mc:Fallback>
       <p:transition>
         <p:fade/>
       </p:transition>
@@ -8944,13 +8944,13 @@
   <p:clrMapOvr>
     <a:masterClrMapping/>
   </p:clrMapOvr>
-  <mc:AlternateContent xmlns:mc="http://schemas.openxmlformats.org/markup-compatibility/2006" xmlns:p14="http://schemas.microsoft.com/office/powerpoint/2010/main">
-    <mc:Choice Requires="p14">
+  <mc:AlternateContent xmlns:mc="http://schemas.openxmlformats.org/markup-compatibility/2006">
+    <mc:Choice xmlns:p14="http://schemas.microsoft.com/office/powerpoint/2010/main" Requires="p14">
       <p:transition p14:dur="300">
         <p:fade/>
       </p:transition>
     </mc:Choice>
-    <mc:Fallback xmlns="">
+    <mc:Fallback>
       <p:transition>
         <p:fade/>
       </p:transition>
@@ -9036,13 +9036,13 @@
   <p:clrMapOvr>
     <a:masterClrMapping/>
   </p:clrMapOvr>
-  <mc:AlternateContent xmlns:mc="http://schemas.openxmlformats.org/markup-compatibility/2006" xmlns:p14="http://schemas.microsoft.com/office/powerpoint/2010/main">
-    <mc:Choice Requires="p14">
+  <mc:AlternateContent xmlns:mc="http://schemas.openxmlformats.org/markup-compatibility/2006">
+    <mc:Choice xmlns:p14="http://schemas.microsoft.com/office/powerpoint/2010/main" Requires="p14">
       <p:transition p14:dur="300">
         <p:fade/>
       </p:transition>
     </mc:Choice>
-    <mc:Fallback xmlns="">
+    <mc:Fallback>
       <p:transition>
         <p:fade/>
       </p:transition>
@@ -9128,13 +9128,13 @@
   <p:clrMapOvr>
     <a:masterClrMapping/>
   </p:clrMapOvr>
-  <mc:AlternateContent xmlns:mc="http://schemas.openxmlformats.org/markup-compatibility/2006" xmlns:p14="http://schemas.microsoft.com/office/powerpoint/2010/main">
-    <mc:Choice Requires="p14">
+  <mc:AlternateContent xmlns:mc="http://schemas.openxmlformats.org/markup-compatibility/2006">
+    <mc:Choice xmlns:p14="http://schemas.microsoft.com/office/powerpoint/2010/main" Requires="p14">
       <p:transition p14:dur="300">
         <p:fade/>
       </p:transition>
     </mc:Choice>
-    <mc:Fallback xmlns="">
+    <mc:Fallback>
       <p:transition>
         <p:fade/>
       </p:transition>
@@ -9220,13 +9220,13 @@
   <p:clrMapOvr>
     <a:masterClrMapping/>
   </p:clrMapOvr>
-  <mc:AlternateContent xmlns:mc="http://schemas.openxmlformats.org/markup-compatibility/2006" xmlns:p14="http://schemas.microsoft.com/office/powerpoint/2010/main">
-    <mc:Choice Requires="p14">
+  <mc:AlternateContent xmlns:mc="http://schemas.openxmlformats.org/markup-compatibility/2006">
+    <mc:Choice xmlns:p14="http://schemas.microsoft.com/office/powerpoint/2010/main" Requires="p14">
       <p:transition p14:dur="300">
         <p:fade/>
       </p:transition>
     </mc:Choice>
-    <mc:Fallback xmlns="">
+    <mc:Fallback>
       <p:transition>
         <p:fade/>
       </p:transition>
@@ -9312,13 +9312,13 @@
   <p:clrMapOvr>
     <a:masterClrMapping/>
   </p:clrMapOvr>
-  <mc:AlternateContent xmlns:mc="http://schemas.openxmlformats.org/markup-compatibility/2006" xmlns:p14="http://schemas.microsoft.com/office/powerpoint/2010/main">
-    <mc:Choice Requires="p14">
+  <mc:AlternateContent xmlns:mc="http://schemas.openxmlformats.org/markup-compatibility/2006">
+    <mc:Choice xmlns:p14="http://schemas.microsoft.com/office/powerpoint/2010/main" Requires="p14">
       <p:transition p14:dur="300">
         <p:fade/>
       </p:transition>
     </mc:Choice>
-    <mc:Fallback xmlns="">
+    <mc:Fallback>
       <p:transition>
         <p:fade/>
       </p:transition>
@@ -9404,13 +9404,13 @@
   <p:clrMapOvr>
     <a:masterClrMapping/>
   </p:clrMapOvr>
-  <mc:AlternateContent xmlns:mc="http://schemas.openxmlformats.org/markup-compatibility/2006" xmlns:p14="http://schemas.microsoft.com/office/powerpoint/2010/main">
-    <mc:Choice Requires="p14">
+  <mc:AlternateContent xmlns:mc="http://schemas.openxmlformats.org/markup-compatibility/2006">
+    <mc:Choice xmlns:p14="http://schemas.microsoft.com/office/powerpoint/2010/main" Requires="p14">
       <p:transition p14:dur="300">
         <p:fade/>
       </p:transition>
     </mc:Choice>
-    <mc:Fallback xmlns="">
+    <mc:Fallback>
       <p:transition>
         <p:fade/>
       </p:transition>
@@ -9496,13 +9496,13 @@
   <p:clrMapOvr>
     <a:masterClrMapping/>
   </p:clrMapOvr>
-  <mc:AlternateContent xmlns:mc="http://schemas.openxmlformats.org/markup-compatibility/2006" xmlns:p14="http://schemas.microsoft.com/office/powerpoint/2010/main">
-    <mc:Choice Requires="p14">
+  <mc:AlternateContent xmlns:mc="http://schemas.openxmlformats.org/markup-compatibility/2006">
+    <mc:Choice xmlns:p14="http://schemas.microsoft.com/office/powerpoint/2010/main" Requires="p14">
       <p:transition p14:dur="300">
         <p:fade/>
       </p:transition>
     </mc:Choice>
-    <mc:Fallback xmlns="">
+    <mc:Fallback>
       <p:transition>
         <p:fade/>
       </p:transition>
@@ -9604,13 +9604,13 @@
   <p:clrMapOvr>
     <a:masterClrMapping/>
   </p:clrMapOvr>
-  <mc:AlternateContent xmlns:mc="http://schemas.openxmlformats.org/markup-compatibility/2006" xmlns:p14="http://schemas.microsoft.com/office/powerpoint/2010/main">
-    <mc:Choice Requires="p14">
+  <mc:AlternateContent xmlns:mc="http://schemas.openxmlformats.org/markup-compatibility/2006">
+    <mc:Choice xmlns:p14="http://schemas.microsoft.com/office/powerpoint/2010/main" Requires="p14">
       <p:transition p14:dur="300">
         <p:fade/>
       </p:transition>
     </mc:Choice>
-    <mc:Fallback xmlns="">
+    <mc:Fallback>
       <p:transition>
         <p:fade/>
       </p:transition>
@@ -9696,13 +9696,13 @@
   <p:clrMapOvr>
     <a:masterClrMapping/>
   </p:clrMapOvr>
-  <mc:AlternateContent xmlns:mc="http://schemas.openxmlformats.org/markup-compatibility/2006" xmlns:p14="http://schemas.microsoft.com/office/powerpoint/2010/main">
-    <mc:Choice Requires="p14">
+  <mc:AlternateContent xmlns:mc="http://schemas.openxmlformats.org/markup-compatibility/2006">
+    <mc:Choice xmlns:p14="http://schemas.microsoft.com/office/powerpoint/2010/main" Requires="p14">
       <p:transition p14:dur="300">
         <p:fade/>
       </p:transition>
     </mc:Choice>
-    <mc:Fallback xmlns="">
+    <mc:Fallback>
       <p:transition>
         <p:fade/>
       </p:transition>
@@ -9788,13 +9788,13 @@
   <p:clrMapOvr>
     <a:masterClrMapping/>
   </p:clrMapOvr>
-  <mc:AlternateContent xmlns:mc="http://schemas.openxmlformats.org/markup-compatibility/2006" xmlns:p14="http://schemas.microsoft.com/office/powerpoint/2010/main">
-    <mc:Choice Requires="p14">
+  <mc:AlternateContent xmlns:mc="http://schemas.openxmlformats.org/markup-compatibility/2006">
+    <mc:Choice xmlns:p14="http://schemas.microsoft.com/office/powerpoint/2010/main" Requires="p14">
       <p:transition p14:dur="300">
         <p:fade/>
       </p:transition>
     </mc:Choice>
-    <mc:Fallback xmlns="">
+    <mc:Fallback>
       <p:transition>
         <p:fade/>
       </p:transition>
@@ -9880,13 +9880,13 @@
   <p:clrMapOvr>
     <a:masterClrMapping/>
   </p:clrMapOvr>
-  <mc:AlternateContent xmlns:mc="http://schemas.openxmlformats.org/markup-compatibility/2006" xmlns:p14="http://schemas.microsoft.com/office/powerpoint/2010/main">
-    <mc:Choice Requires="p14">
+  <mc:AlternateContent xmlns:mc="http://schemas.openxmlformats.org/markup-compatibility/2006">
+    <mc:Choice xmlns:p14="http://schemas.microsoft.com/office/powerpoint/2010/main" Requires="p14">
       <p:transition p14:dur="300">
         <p:fade/>
       </p:transition>
     </mc:Choice>
-    <mc:Fallback xmlns="">
+    <mc:Fallback>
       <p:transition>
         <p:fade/>
       </p:transition>
@@ -9972,13 +9972,13 @@
   <p:clrMapOvr>
     <a:masterClrMapping/>
   </p:clrMapOvr>
-  <mc:AlternateContent xmlns:mc="http://schemas.openxmlformats.org/markup-compatibility/2006" xmlns:p14="http://schemas.microsoft.com/office/powerpoint/2010/main">
-    <mc:Choice Requires="p14">
+  <mc:AlternateContent xmlns:mc="http://schemas.openxmlformats.org/markup-compatibility/2006">
+    <mc:Choice xmlns:p14="http://schemas.microsoft.com/office/powerpoint/2010/main" Requires="p14">
       <p:transition p14:dur="300">
         <p:fade/>
       </p:transition>
     </mc:Choice>
-    <mc:Fallback xmlns="">
+    <mc:Fallback>
       <p:transition>
         <p:fade/>
       </p:transition>
@@ -10064,13 +10064,13 @@
   <p:clrMapOvr>
     <a:masterClrMapping/>
   </p:clrMapOvr>
-  <mc:AlternateContent xmlns:mc="http://schemas.openxmlformats.org/markup-compatibility/2006" xmlns:p14="http://schemas.microsoft.com/office/powerpoint/2010/main">
-    <mc:Choice Requires="p14">
+  <mc:AlternateContent xmlns:mc="http://schemas.openxmlformats.org/markup-compatibility/2006">
+    <mc:Choice xmlns:p14="http://schemas.microsoft.com/office/powerpoint/2010/main" Requires="p14">
       <p:transition p14:dur="300">
         <p:fade/>
       </p:transition>
     </mc:Choice>
-    <mc:Fallback xmlns="">
+    <mc:Fallback>
       <p:transition>
         <p:fade/>
       </p:transition>
@@ -10156,13 +10156,13 @@
   <p:clrMapOvr>
     <a:masterClrMapping/>
   </p:clrMapOvr>
-  <mc:AlternateContent xmlns:mc="http://schemas.openxmlformats.org/markup-compatibility/2006" xmlns:p14="http://schemas.microsoft.com/office/powerpoint/2010/main">
-    <mc:Choice Requires="p14">
+  <mc:AlternateContent xmlns:mc="http://schemas.openxmlformats.org/markup-compatibility/2006">
+    <mc:Choice xmlns:p14="http://schemas.microsoft.com/office/powerpoint/2010/main" Requires="p14">
       <p:transition p14:dur="300">
         <p:fade/>
       </p:transition>
     </mc:Choice>
-    <mc:Fallback xmlns="">
+    <mc:Fallback>
       <p:transition>
         <p:fade/>
       </p:transition>
@@ -10248,13 +10248,13 @@
   <p:clrMapOvr>
     <a:masterClrMapping/>
   </p:clrMapOvr>
-  <mc:AlternateContent xmlns:mc="http://schemas.openxmlformats.org/markup-compatibility/2006" xmlns:p14="http://schemas.microsoft.com/office/powerpoint/2010/main">
-    <mc:Choice Requires="p14">
+  <mc:AlternateContent xmlns:mc="http://schemas.openxmlformats.org/markup-compatibility/2006">
+    <mc:Choice xmlns:p14="http://schemas.microsoft.com/office/powerpoint/2010/main" Requires="p14">
       <p:transition p14:dur="300">
         <p:fade/>
       </p:transition>
     </mc:Choice>
-    <mc:Fallback xmlns="">
+    <mc:Fallback>
       <p:transition>
         <p:fade/>
       </p:transition>
@@ -10340,13 +10340,13 @@
   <p:clrMapOvr>
     <a:masterClrMapping/>
   </p:clrMapOvr>
-  <mc:AlternateContent xmlns:mc="http://schemas.openxmlformats.org/markup-compatibility/2006" xmlns:p14="http://schemas.microsoft.com/office/powerpoint/2010/main">
-    <mc:Choice Requires="p14">
+  <mc:AlternateContent xmlns:mc="http://schemas.openxmlformats.org/markup-compatibility/2006">
+    <mc:Choice xmlns:p14="http://schemas.microsoft.com/office/powerpoint/2010/main" Requires="p14">
       <p:transition p14:dur="300">
         <p:fade/>
       </p:transition>
     </mc:Choice>
-    <mc:Fallback xmlns="">
+    <mc:Fallback>
       <p:transition>
         <p:fade/>
       </p:transition>
@@ -10432,13 +10432,13 @@
   <p:clrMapOvr>
     <a:masterClrMapping/>
   </p:clrMapOvr>
-  <mc:AlternateContent xmlns:mc="http://schemas.openxmlformats.org/markup-compatibility/2006" xmlns:p14="http://schemas.microsoft.com/office/powerpoint/2010/main">
-    <mc:Choice Requires="p14">
+  <mc:AlternateContent xmlns:mc="http://schemas.openxmlformats.org/markup-compatibility/2006">
+    <mc:Choice xmlns:p14="http://schemas.microsoft.com/office/powerpoint/2010/main" Requires="p14">
       <p:transition p14:dur="300">
         <p:fade/>
       </p:transition>
     </mc:Choice>
-    <mc:Fallback xmlns="">
+    <mc:Fallback>
       <p:transition>
         <p:fade/>
       </p:transition>
@@ -10531,13 +10531,13 @@
   <p:clrMapOvr>
     <a:masterClrMapping/>
   </p:clrMapOvr>
-  <mc:AlternateContent xmlns:mc="http://schemas.openxmlformats.org/markup-compatibility/2006" xmlns:p14="http://schemas.microsoft.com/office/powerpoint/2010/main">
-    <mc:Choice Requires="p14">
+  <mc:AlternateContent xmlns:mc="http://schemas.openxmlformats.org/markup-compatibility/2006">
+    <mc:Choice xmlns:p14="http://schemas.microsoft.com/office/powerpoint/2010/main" Requires="p14">
       <p:transition p14:dur="300">
         <p:fade/>
       </p:transition>
     </mc:Choice>
-    <mc:Fallback xmlns="">
+    <mc:Fallback>
       <p:transition>
         <p:fade/>
       </p:transition>
@@ -10737,13 +10737,13 @@
   <p:clrMapOvr>
     <a:masterClrMapping/>
   </p:clrMapOvr>
-  <mc:AlternateContent xmlns:mc="http://schemas.openxmlformats.org/markup-compatibility/2006" xmlns:p14="http://schemas.microsoft.com/office/powerpoint/2010/main">
-    <mc:Choice Requires="p14">
+  <mc:AlternateContent xmlns:mc="http://schemas.openxmlformats.org/markup-compatibility/2006">
+    <mc:Choice xmlns:p14="http://schemas.microsoft.com/office/powerpoint/2010/main" Requires="p14">
       <p:transition p14:dur="300">
         <p:fade/>
       </p:transition>
     </mc:Choice>
-    <mc:Fallback xmlns="">
+    <mc:Fallback>
       <p:transition>
         <p:fade/>
       </p:transition>
@@ -10829,13 +10829,13 @@
   <p:clrMapOvr>
     <a:masterClrMapping/>
   </p:clrMapOvr>
-  <mc:AlternateContent xmlns:mc="http://schemas.openxmlformats.org/markup-compatibility/2006" xmlns:p14="http://schemas.microsoft.com/office/powerpoint/2010/main">
-    <mc:Choice Requires="p14">
+  <mc:AlternateContent xmlns:mc="http://schemas.openxmlformats.org/markup-compatibility/2006">
+    <mc:Choice xmlns:p14="http://schemas.microsoft.com/office/powerpoint/2010/main" Requires="p14">
       <p:transition p14:dur="300">
         <p:fade/>
       </p:transition>
     </mc:Choice>
-    <mc:Fallback xmlns="">
+    <mc:Fallback>
       <p:transition>
         <p:fade/>
       </p:transition>
@@ -10921,13 +10921,13 @@
   <p:clrMapOvr>
     <a:masterClrMapping/>
   </p:clrMapOvr>
-  <mc:AlternateContent xmlns:mc="http://schemas.openxmlformats.org/markup-compatibility/2006" xmlns:p14="http://schemas.microsoft.com/office/powerpoint/2010/main">
-    <mc:Choice Requires="p14">
+  <mc:AlternateContent xmlns:mc="http://schemas.openxmlformats.org/markup-compatibility/2006">
+    <mc:Choice xmlns:p14="http://schemas.microsoft.com/office/powerpoint/2010/main" Requires="p14">
       <p:transition p14:dur="300">
         <p:fade/>
       </p:transition>
     </mc:Choice>
-    <mc:Fallback xmlns="">
+    <mc:Fallback>
       <p:transition>
         <p:fade/>
       </p:transition>
@@ -11020,13 +11020,13 @@
   <p:clrMapOvr>
     <a:masterClrMapping/>
   </p:clrMapOvr>
-  <mc:AlternateContent xmlns:mc="http://schemas.openxmlformats.org/markup-compatibility/2006" xmlns:p14="http://schemas.microsoft.com/office/powerpoint/2010/main">
-    <mc:Choice Requires="p14">
+  <mc:AlternateContent xmlns:mc="http://schemas.openxmlformats.org/markup-compatibility/2006">
+    <mc:Choice xmlns:p14="http://schemas.microsoft.com/office/powerpoint/2010/main" Requires="p14">
       <p:transition p14:dur="300">
         <p:fade/>
       </p:transition>
     </mc:Choice>
-    <mc:Fallback xmlns="">
+    <mc:Fallback>
       <p:transition>
         <p:fade/>
       </p:transition>
@@ -11112,13 +11112,13 @@
   <p:clrMapOvr>
     <a:masterClrMapping/>
   </p:clrMapOvr>
-  <mc:AlternateContent xmlns:mc="http://schemas.openxmlformats.org/markup-compatibility/2006" xmlns:p14="http://schemas.microsoft.com/office/powerpoint/2010/main">
-    <mc:Choice Requires="p14">
+  <mc:AlternateContent xmlns:mc="http://schemas.openxmlformats.org/markup-compatibility/2006">
+    <mc:Choice xmlns:p14="http://schemas.microsoft.com/office/powerpoint/2010/main" Requires="p14">
       <p:transition p14:dur="300">
         <p:fade/>
       </p:transition>
     </mc:Choice>
-    <mc:Fallback xmlns="">
+    <mc:Fallback>
       <p:transition>
         <p:fade/>
       </p:transition>
@@ -11204,13 +11204,13 @@
   <p:clrMapOvr>
     <a:masterClrMapping/>
   </p:clrMapOvr>
-  <mc:AlternateContent xmlns:mc="http://schemas.openxmlformats.org/markup-compatibility/2006" xmlns:p14="http://schemas.microsoft.com/office/powerpoint/2010/main">
-    <mc:Choice Requires="p14">
+  <mc:AlternateContent xmlns:mc="http://schemas.openxmlformats.org/markup-compatibility/2006">
+    <mc:Choice xmlns:p14="http://schemas.microsoft.com/office/powerpoint/2010/main" Requires="p14">
       <p:transition p14:dur="300">
         <p:fade/>
       </p:transition>
     </mc:Choice>
-    <mc:Fallback xmlns="">
+    <mc:Fallback>
       <p:transition>
         <p:fade/>
       </p:transition>
@@ -11296,13 +11296,13 @@
   <p:clrMapOvr>
     <a:masterClrMapping/>
   </p:clrMapOvr>
-  <mc:AlternateContent xmlns:mc="http://schemas.openxmlformats.org/markup-compatibility/2006" xmlns:p14="http://schemas.microsoft.com/office/powerpoint/2010/main">
-    <mc:Choice Requires="p14">
+  <mc:AlternateContent xmlns:mc="http://schemas.openxmlformats.org/markup-compatibility/2006">
+    <mc:Choice xmlns:p14="http://schemas.microsoft.com/office/powerpoint/2010/main" Requires="p14">
       <p:transition p14:dur="300">
         <p:fade/>
       </p:transition>
     </mc:Choice>
-    <mc:Fallback xmlns="">
+    <mc:Fallback>
       <p:transition>
         <p:fade/>
       </p:transition>
@@ -11388,13 +11388,13 @@
   <p:clrMapOvr>
     <a:masterClrMapping/>
   </p:clrMapOvr>
-  <mc:AlternateContent xmlns:mc="http://schemas.openxmlformats.org/markup-compatibility/2006" xmlns:p14="http://schemas.microsoft.com/office/powerpoint/2010/main">
-    <mc:Choice Requires="p14">
+  <mc:AlternateContent xmlns:mc="http://schemas.openxmlformats.org/markup-compatibility/2006">
+    <mc:Choice xmlns:p14="http://schemas.microsoft.com/office/powerpoint/2010/main" Requires="p14">
       <p:transition p14:dur="300">
         <p:fade/>
       </p:transition>
     </mc:Choice>
-    <mc:Fallback xmlns="">
+    <mc:Fallback>
       <p:transition>
         <p:fade/>
       </p:transition>
@@ -11484,13 +11484,13 @@
   <p:clrMapOvr>
     <a:masterClrMapping/>
   </p:clrMapOvr>
-  <mc:AlternateContent xmlns:mc="http://schemas.openxmlformats.org/markup-compatibility/2006" xmlns:p14="http://schemas.microsoft.com/office/powerpoint/2010/main">
-    <mc:Choice Requires="p14">
+  <mc:AlternateContent xmlns:mc="http://schemas.openxmlformats.org/markup-compatibility/2006">
+    <mc:Choice xmlns:p14="http://schemas.microsoft.com/office/powerpoint/2010/main" Requires="p14">
       <p:transition p14:dur="300">
         <p:fade/>
       </p:transition>
     </mc:Choice>
-    <mc:Fallback xmlns="">
+    <mc:Fallback>
       <p:transition>
         <p:fade/>
       </p:transition>
@@ -11580,13 +11580,13 @@
   <p:clrMapOvr>
     <a:masterClrMapping/>
   </p:clrMapOvr>
-  <mc:AlternateContent xmlns:mc="http://schemas.openxmlformats.org/markup-compatibility/2006" xmlns:p14="http://schemas.microsoft.com/office/powerpoint/2010/main">
-    <mc:Choice Requires="p14">
+  <mc:AlternateContent xmlns:mc="http://schemas.openxmlformats.org/markup-compatibility/2006">
+    <mc:Choice xmlns:p14="http://schemas.microsoft.com/office/powerpoint/2010/main" Requires="p14">
       <p:transition p14:dur="300">
         <p:fade/>
       </p:transition>
     </mc:Choice>
-    <mc:Fallback xmlns="">
+    <mc:Fallback>
       <p:transition>
         <p:fade/>
       </p:transition>
@@ -11672,13 +11672,13 @@
   <p:clrMapOvr>
     <a:masterClrMapping/>
   </p:clrMapOvr>
-  <mc:AlternateContent xmlns:mc="http://schemas.openxmlformats.org/markup-compatibility/2006" xmlns:p14="http://schemas.microsoft.com/office/powerpoint/2010/main">
-    <mc:Choice Requires="p14">
+  <mc:AlternateContent xmlns:mc="http://schemas.openxmlformats.org/markup-compatibility/2006">
+    <mc:Choice xmlns:p14="http://schemas.microsoft.com/office/powerpoint/2010/main" Requires="p14">
       <p:transition p14:dur="300">
         <p:fade/>
       </p:transition>
     </mc:Choice>
-    <mc:Fallback xmlns="">
+    <mc:Fallback>
       <p:transition>
         <p:fade/>
       </p:transition>
@@ -11776,13 +11776,13 @@
   <p:clrMapOvr>
     <a:masterClrMapping/>
   </p:clrMapOvr>
-  <mc:AlternateContent xmlns:mc="http://schemas.openxmlformats.org/markup-compatibility/2006" xmlns:p14="http://schemas.microsoft.com/office/powerpoint/2010/main">
-    <mc:Choice Requires="p14">
+  <mc:AlternateContent xmlns:mc="http://schemas.openxmlformats.org/markup-compatibility/2006">
+    <mc:Choice xmlns:p14="http://schemas.microsoft.com/office/powerpoint/2010/main" Requires="p14">
       <p:transition p14:dur="300">
         <p:fade/>
       </p:transition>
     </mc:Choice>
-    <mc:Fallback xmlns="">
+    <mc:Fallback>
       <p:transition>
         <p:fade/>
       </p:transition>
@@ -11868,13 +11868,13 @@
   <p:clrMapOvr>
     <a:masterClrMapping/>
   </p:clrMapOvr>
-  <mc:AlternateContent xmlns:mc="http://schemas.openxmlformats.org/markup-compatibility/2006" xmlns:p14="http://schemas.microsoft.com/office/powerpoint/2010/main">
-    <mc:Choice Requires="p14">
+  <mc:AlternateContent xmlns:mc="http://schemas.openxmlformats.org/markup-compatibility/2006">
+    <mc:Choice xmlns:p14="http://schemas.microsoft.com/office/powerpoint/2010/main" Requires="p14">
       <p:transition p14:dur="300">
         <p:fade/>
       </p:transition>
     </mc:Choice>
-    <mc:Fallback xmlns="">
+    <mc:Fallback>
       <p:transition>
         <p:fade/>
       </p:transition>
@@ -11960,13 +11960,13 @@
   <p:clrMapOvr>
     <a:masterClrMapping/>
   </p:clrMapOvr>
-  <mc:AlternateContent xmlns:mc="http://schemas.openxmlformats.org/markup-compatibility/2006" xmlns:p14="http://schemas.microsoft.com/office/powerpoint/2010/main">
-    <mc:Choice Requires="p14">
+  <mc:AlternateContent xmlns:mc="http://schemas.openxmlformats.org/markup-compatibility/2006">
+    <mc:Choice xmlns:p14="http://schemas.microsoft.com/office/powerpoint/2010/main" Requires="p14">
       <p:transition p14:dur="300">
         <p:fade/>
       </p:transition>
     </mc:Choice>
-    <mc:Fallback xmlns="">
+    <mc:Fallback>
       <p:transition>
         <p:fade/>
       </p:transition>
@@ -12056,13 +12056,13 @@
   <p:clrMapOvr>
     <a:masterClrMapping/>
   </p:clrMapOvr>
-  <mc:AlternateContent xmlns:mc="http://schemas.openxmlformats.org/markup-compatibility/2006" xmlns:p14="http://schemas.microsoft.com/office/powerpoint/2010/main">
-    <mc:Choice Requires="p14">
+  <mc:AlternateContent xmlns:mc="http://schemas.openxmlformats.org/markup-compatibility/2006">
+    <mc:Choice xmlns:p14="http://schemas.microsoft.com/office/powerpoint/2010/main" Requires="p14">
       <p:transition p14:dur="300">
         <p:fade/>
       </p:transition>
     </mc:Choice>
-    <mc:Fallback xmlns="">
+    <mc:Fallback>
       <p:transition>
         <p:fade/>
       </p:transition>
@@ -12148,13 +12148,13 @@
   <p:clrMapOvr>
     <a:masterClrMapping/>
   </p:clrMapOvr>
-  <mc:AlternateContent xmlns:mc="http://schemas.openxmlformats.org/markup-compatibility/2006" xmlns:p14="http://schemas.microsoft.com/office/powerpoint/2010/main">
-    <mc:Choice Requires="p14">
+  <mc:AlternateContent xmlns:mc="http://schemas.openxmlformats.org/markup-compatibility/2006">
+    <mc:Choice xmlns:p14="http://schemas.microsoft.com/office/powerpoint/2010/main" Requires="p14">
       <p:transition p14:dur="300">
         <p:fade/>
       </p:transition>
     </mc:Choice>
-    <mc:Fallback xmlns="">
+    <mc:Fallback>
       <p:transition>
         <p:fade/>
       </p:transition>
@@ -12247,13 +12247,13 @@
   <p:clrMapOvr>
     <a:masterClrMapping/>
   </p:clrMapOvr>
-  <mc:AlternateContent xmlns:mc="http://schemas.openxmlformats.org/markup-compatibility/2006" xmlns:p14="http://schemas.microsoft.com/office/powerpoint/2010/main">
-    <mc:Choice Requires="p14">
+  <mc:AlternateContent xmlns:mc="http://schemas.openxmlformats.org/markup-compatibility/2006">
+    <mc:Choice xmlns:p14="http://schemas.microsoft.com/office/powerpoint/2010/main" Requires="p14">
       <p:transition p14:dur="300">
         <p:fade/>
       </p:transition>
     </mc:Choice>
-    <mc:Fallback xmlns="">
+    <mc:Fallback>
       <p:transition>
         <p:fade/>
       </p:transition>
@@ -12355,13 +12355,13 @@
   <p:clrMapOvr>
     <a:masterClrMapping/>
   </p:clrMapOvr>
-  <mc:AlternateContent xmlns:mc="http://schemas.openxmlformats.org/markup-compatibility/2006" xmlns:p14="http://schemas.microsoft.com/office/powerpoint/2010/main">
-    <mc:Choice Requires="p14">
+  <mc:AlternateContent xmlns:mc="http://schemas.openxmlformats.org/markup-compatibility/2006">
+    <mc:Choice xmlns:p14="http://schemas.microsoft.com/office/powerpoint/2010/main" Requires="p14">
       <p:transition p14:dur="300">
         <p:fade/>
       </p:transition>
     </mc:Choice>
-    <mc:Fallback xmlns="">
+    <mc:Fallback>
       <p:transition>
         <p:fade/>
       </p:transition>
@@ -12462,13 +12462,13 @@
   <p:clrMapOvr>
     <a:masterClrMapping/>
   </p:clrMapOvr>
-  <mc:AlternateContent xmlns:mc="http://schemas.openxmlformats.org/markup-compatibility/2006" xmlns:p14="http://schemas.microsoft.com/office/powerpoint/2010/main">
-    <mc:Choice Requires="p14">
+  <mc:AlternateContent xmlns:mc="http://schemas.openxmlformats.org/markup-compatibility/2006">
+    <mc:Choice xmlns:p14="http://schemas.microsoft.com/office/powerpoint/2010/main" Requires="p14">
       <p:transition p14:dur="300">
         <p:fade/>
       </p:transition>
     </mc:Choice>
-    <mc:Fallback xmlns="">
+    <mc:Fallback>
       <p:transition>
         <p:fade/>
       </p:transition>
@@ -12561,13 +12561,13 @@
   <p:clrMapOvr>
     <a:masterClrMapping/>
   </p:clrMapOvr>
-  <mc:AlternateContent xmlns:mc="http://schemas.openxmlformats.org/markup-compatibility/2006" xmlns:p14="http://schemas.microsoft.com/office/powerpoint/2010/main">
-    <mc:Choice Requires="p14">
+  <mc:AlternateContent xmlns:mc="http://schemas.openxmlformats.org/markup-compatibility/2006">
+    <mc:Choice xmlns:p14="http://schemas.microsoft.com/office/powerpoint/2010/main" Requires="p14">
       <p:transition p14:dur="300">
         <p:fade/>
       </p:transition>
     </mc:Choice>
-    <mc:Fallback xmlns="">
+    <mc:Fallback>
       <p:transition>
         <p:fade/>
       </p:transition>
@@ -12669,13 +12669,13 @@
   <p:clrMapOvr>
     <a:masterClrMapping/>
   </p:clrMapOvr>
-  <mc:AlternateContent xmlns:mc="http://schemas.openxmlformats.org/markup-compatibility/2006" xmlns:p14="http://schemas.microsoft.com/office/powerpoint/2010/main">
-    <mc:Choice Requires="p14">
+  <mc:AlternateContent xmlns:mc="http://schemas.openxmlformats.org/markup-compatibility/2006">
+    <mc:Choice xmlns:p14="http://schemas.microsoft.com/office/powerpoint/2010/main" Requires="p14">
       <p:transition p14:dur="300">
         <p:fade/>
       </p:transition>
     </mc:Choice>
-    <mc:Fallback xmlns="">
+    <mc:Fallback>
       <p:transition>
         <p:fade/>
       </p:transition>
@@ -12761,13 +12761,13 @@
   <p:clrMapOvr>
     <a:masterClrMapping/>
   </p:clrMapOvr>
-  <mc:AlternateContent xmlns:mc="http://schemas.openxmlformats.org/markup-compatibility/2006" xmlns:p14="http://schemas.microsoft.com/office/powerpoint/2010/main">
-    <mc:Choice Requires="p14">
+  <mc:AlternateContent xmlns:mc="http://schemas.openxmlformats.org/markup-compatibility/2006">
+    <mc:Choice xmlns:p14="http://schemas.microsoft.com/office/powerpoint/2010/main" Requires="p14">
       <p:transition p14:dur="300">
         <p:fade/>
       </p:transition>
     </mc:Choice>
-    <mc:Fallback xmlns="">
+    <mc:Fallback>
       <p:transition>
         <p:fade/>
       </p:transition>
@@ -12884,13 +12884,13 @@
   <p:clrMapOvr>
     <a:masterClrMapping/>
   </p:clrMapOvr>
-  <mc:AlternateContent xmlns:mc="http://schemas.openxmlformats.org/markup-compatibility/2006" xmlns:p14="http://schemas.microsoft.com/office/powerpoint/2010/main">
-    <mc:Choice Requires="p14">
+  <mc:AlternateContent xmlns:mc="http://schemas.openxmlformats.org/markup-compatibility/2006">
+    <mc:Choice xmlns:p14="http://schemas.microsoft.com/office/powerpoint/2010/main" Requires="p14">
       <p:transition p14:dur="300">
         <p:fade/>
       </p:transition>
     </mc:Choice>
-    <mc:Fallback xmlns="">
+    <mc:Fallback>
       <p:transition>
         <p:fade/>
       </p:transition>
@@ -12984,13 +12984,13 @@
   <p:clrMapOvr>
     <a:masterClrMapping/>
   </p:clrMapOvr>
-  <mc:AlternateContent xmlns:mc="http://schemas.openxmlformats.org/markup-compatibility/2006" xmlns:p14="http://schemas.microsoft.com/office/powerpoint/2010/main">
-    <mc:Choice Requires="p14">
+  <mc:AlternateContent xmlns:mc="http://schemas.openxmlformats.org/markup-compatibility/2006">
+    <mc:Choice xmlns:p14="http://schemas.microsoft.com/office/powerpoint/2010/main" Requires="p14">
       <p:transition p14:dur="300">
         <p:fade/>
       </p:transition>
     </mc:Choice>
-    <mc:Fallback xmlns="">
+    <mc:Fallback>
       <p:transition>
         <p:fade/>
       </p:transition>
@@ -13083,13 +13083,13 @@
   <p:clrMapOvr>
     <a:masterClrMapping/>
   </p:clrMapOvr>
-  <mc:AlternateContent xmlns:mc="http://schemas.openxmlformats.org/markup-compatibility/2006" xmlns:p14="http://schemas.microsoft.com/office/powerpoint/2010/main">
-    <mc:Choice Requires="p14">
+  <mc:AlternateContent xmlns:mc="http://schemas.openxmlformats.org/markup-compatibility/2006">
+    <mc:Choice xmlns:p14="http://schemas.microsoft.com/office/powerpoint/2010/main" Requires="p14">
       <p:transition p14:dur="300">
         <p:fade/>
       </p:transition>
     </mc:Choice>
-    <mc:Fallback xmlns="">
+    <mc:Fallback>
       <p:transition>
         <p:fade/>
       </p:transition>
@@ -13175,13 +13175,13 @@
   <p:clrMapOvr>
     <a:masterClrMapping/>
   </p:clrMapOvr>
-  <mc:AlternateContent xmlns:mc="http://schemas.openxmlformats.org/markup-compatibility/2006" xmlns:p14="http://schemas.microsoft.com/office/powerpoint/2010/main">
-    <mc:Choice Requires="p14">
+  <mc:AlternateContent xmlns:mc="http://schemas.openxmlformats.org/markup-compatibility/2006">
+    <mc:Choice xmlns:p14="http://schemas.microsoft.com/office/powerpoint/2010/main" Requires="p14">
       <p:transition p14:dur="300">
         <p:fade/>
       </p:transition>
     </mc:Choice>
-    <mc:Fallback xmlns="">
+    <mc:Fallback>
       <p:transition>
         <p:fade/>
       </p:transition>
@@ -13271,13 +13271,13 @@
   <p:clrMapOvr>
     <a:masterClrMapping/>
   </p:clrMapOvr>
-  <mc:AlternateContent xmlns:mc="http://schemas.openxmlformats.org/markup-compatibility/2006" xmlns:p14="http://schemas.microsoft.com/office/powerpoint/2010/main">
-    <mc:Choice Requires="p14">
+  <mc:AlternateContent xmlns:mc="http://schemas.openxmlformats.org/markup-compatibility/2006">
+    <mc:Choice xmlns:p14="http://schemas.microsoft.com/office/powerpoint/2010/main" Requires="p14">
       <p:transition p14:dur="300">
         <p:fade/>
       </p:transition>
     </mc:Choice>
-    <mc:Fallback xmlns="">
+    <mc:Fallback>
       <p:transition>
         <p:fade/>
       </p:transition>
@@ -13370,13 +13370,13 @@
   <p:clrMapOvr>
     <a:masterClrMapping/>
   </p:clrMapOvr>
-  <mc:AlternateContent xmlns:mc="http://schemas.openxmlformats.org/markup-compatibility/2006" xmlns:p14="http://schemas.microsoft.com/office/powerpoint/2010/main">
-    <mc:Choice Requires="p14">
+  <mc:AlternateContent xmlns:mc="http://schemas.openxmlformats.org/markup-compatibility/2006">
+    <mc:Choice xmlns:p14="http://schemas.microsoft.com/office/powerpoint/2010/main" Requires="p14">
       <p:transition p14:dur="300">
         <p:fade/>
       </p:transition>
     </mc:Choice>
-    <mc:Fallback xmlns="">
+    <mc:Fallback>
       <p:transition>
         <p:fade/>
       </p:transition>
@@ -13469,13 +13469,13 @@
   <p:clrMapOvr>
     <a:masterClrMapping/>
   </p:clrMapOvr>
-  <mc:AlternateContent xmlns:mc="http://schemas.openxmlformats.org/markup-compatibility/2006" xmlns:p14="http://schemas.microsoft.com/office/powerpoint/2010/main">
-    <mc:Choice Requires="p14">
+  <mc:AlternateContent xmlns:mc="http://schemas.openxmlformats.org/markup-compatibility/2006">
+    <mc:Choice xmlns:p14="http://schemas.microsoft.com/office/powerpoint/2010/main" Requires="p14">
       <p:transition p14:dur="300">
         <p:fade/>
       </p:transition>
     </mc:Choice>
-    <mc:Fallback xmlns="">
+    <mc:Fallback>
       <p:transition>
         <p:fade/>
       </p:transition>
@@ -13580,13 +13580,13 @@
   <p:clrMapOvr>
     <a:masterClrMapping/>
   </p:clrMapOvr>
-  <mc:AlternateContent xmlns:mc="http://schemas.openxmlformats.org/markup-compatibility/2006" xmlns:p14="http://schemas.microsoft.com/office/powerpoint/2010/main">
-    <mc:Choice Requires="p14">
+  <mc:AlternateContent xmlns:mc="http://schemas.openxmlformats.org/markup-compatibility/2006">
+    <mc:Choice xmlns:p14="http://schemas.microsoft.com/office/powerpoint/2010/main" Requires="p14">
       <p:transition p14:dur="300">
         <p:fade/>
       </p:transition>
     </mc:Choice>
-    <mc:Fallback xmlns="">
+    <mc:Fallback>
       <p:transition>
         <p:fade/>
       </p:transition>
@@ -13672,13 +13672,13 @@
   <p:clrMapOvr>
     <a:masterClrMapping/>
   </p:clrMapOvr>
-  <mc:AlternateContent xmlns:mc="http://schemas.openxmlformats.org/markup-compatibility/2006" xmlns:p14="http://schemas.microsoft.com/office/powerpoint/2010/main">
-    <mc:Choice Requires="p14">
+  <mc:AlternateContent xmlns:mc="http://schemas.openxmlformats.org/markup-compatibility/2006">
+    <mc:Choice xmlns:p14="http://schemas.microsoft.com/office/powerpoint/2010/main" Requires="p14">
       <p:transition p14:dur="300">
         <p:fade/>
       </p:transition>
     </mc:Choice>
-    <mc:Fallback xmlns="">
+    <mc:Fallback>
       <p:transition>
         <p:fade/>
       </p:transition>
@@ -13764,13 +13764,13 @@
   <p:clrMapOvr>
     <a:masterClrMapping/>
   </p:clrMapOvr>
-  <mc:AlternateContent xmlns:mc="http://schemas.openxmlformats.org/markup-compatibility/2006" xmlns:p14="http://schemas.microsoft.com/office/powerpoint/2010/main">
-    <mc:Choice Requires="p14">
+  <mc:AlternateContent xmlns:mc="http://schemas.openxmlformats.org/markup-compatibility/2006">
+    <mc:Choice xmlns:p14="http://schemas.microsoft.com/office/powerpoint/2010/main" Requires="p14">
       <p:transition p14:dur="300">
         <p:fade/>
       </p:transition>
     </mc:Choice>
-    <mc:Fallback xmlns="">
+    <mc:Fallback>
       <p:transition>
         <p:fade/>
       </p:transition>
@@ -13856,13 +13856,13 @@
   <p:clrMapOvr>
     <a:masterClrMapping/>
   </p:clrMapOvr>
-  <mc:AlternateContent xmlns:mc="http://schemas.openxmlformats.org/markup-compatibility/2006" xmlns:p14="http://schemas.microsoft.com/office/powerpoint/2010/main">
-    <mc:Choice Requires="p14">
+  <mc:AlternateContent xmlns:mc="http://schemas.openxmlformats.org/markup-compatibility/2006">
+    <mc:Choice xmlns:p14="http://schemas.microsoft.com/office/powerpoint/2010/main" Requires="p14">
       <p:transition p14:dur="300">
         <p:fade/>
       </p:transition>
     </mc:Choice>
-    <mc:Fallback xmlns="">
+    <mc:Fallback>
       <p:transition>
         <p:fade/>
       </p:transition>
@@ -13948,13 +13948,13 @@
   <p:clrMapOvr>
     <a:masterClrMapping/>
   </p:clrMapOvr>
-  <mc:AlternateContent xmlns:mc="http://schemas.openxmlformats.org/markup-compatibility/2006" xmlns:p14="http://schemas.microsoft.com/office/powerpoint/2010/main">
-    <mc:Choice Requires="p14">
+  <mc:AlternateContent xmlns:mc="http://schemas.openxmlformats.org/markup-compatibility/2006">
+    <mc:Choice xmlns:p14="http://schemas.microsoft.com/office/powerpoint/2010/main" Requires="p14">
       <p:transition p14:dur="300">
         <p:fade/>
       </p:transition>
     </mc:Choice>
-    <mc:Fallback xmlns="">
+    <mc:Fallback>
       <p:transition>
         <p:fade/>
       </p:transition>
@@ -14048,13 +14048,13 @@
   <p:clrMapOvr>
     <a:masterClrMapping/>
   </p:clrMapOvr>
-  <mc:AlternateContent xmlns:mc="http://schemas.openxmlformats.org/markup-compatibility/2006" xmlns:p14="http://schemas.microsoft.com/office/powerpoint/2010/main">
-    <mc:Choice Requires="p14">
+  <mc:AlternateContent xmlns:mc="http://schemas.openxmlformats.org/markup-compatibility/2006">
+    <mc:Choice xmlns:p14="http://schemas.microsoft.com/office/powerpoint/2010/main" Requires="p14">
       <p:transition p14:dur="300">
         <p:fade/>
       </p:transition>
     </mc:Choice>
-    <mc:Fallback xmlns="">
+    <mc:Fallback>
       <p:transition>
         <p:fade/>
       </p:transition>
@@ -14140,13 +14140,13 @@
   <p:clrMapOvr>
     <a:masterClrMapping/>
   </p:clrMapOvr>
-  <mc:AlternateContent xmlns:mc="http://schemas.openxmlformats.org/markup-compatibility/2006" xmlns:p14="http://schemas.microsoft.com/office/powerpoint/2010/main">
-    <mc:Choice Requires="p14">
+  <mc:AlternateContent xmlns:mc="http://schemas.openxmlformats.org/markup-compatibility/2006">
+    <mc:Choice xmlns:p14="http://schemas.microsoft.com/office/powerpoint/2010/main" Requires="p14">
       <p:transition p14:dur="300">
         <p:fade/>
       </p:transition>
     </mc:Choice>
-    <mc:Fallback xmlns="">
+    <mc:Fallback>
       <p:transition>
         <p:fade/>
       </p:transition>
@@ -14232,13 +14232,13 @@
   <p:clrMapOvr>
     <a:masterClrMapping/>
   </p:clrMapOvr>
-  <mc:AlternateContent xmlns:mc="http://schemas.openxmlformats.org/markup-compatibility/2006" xmlns:p14="http://schemas.microsoft.com/office/powerpoint/2010/main">
-    <mc:Choice Requires="p14">
+  <mc:AlternateContent xmlns:mc="http://schemas.openxmlformats.org/markup-compatibility/2006">
+    <mc:Choice xmlns:p14="http://schemas.microsoft.com/office/powerpoint/2010/main" Requires="p14">
       <p:transition p14:dur="300">
         <p:fade/>
       </p:transition>
     </mc:Choice>
-    <mc:Fallback xmlns="">
+    <mc:Fallback>
       <p:transition>
         <p:fade/>
       </p:transition>
@@ -14324,13 +14324,13 @@
   <p:clrMapOvr>
     <a:masterClrMapping/>
   </p:clrMapOvr>
-  <mc:AlternateContent xmlns:mc="http://schemas.openxmlformats.org/markup-compatibility/2006" xmlns:p14="http://schemas.microsoft.com/office/powerpoint/2010/main">
-    <mc:Choice Requires="p14">
+  <mc:AlternateContent xmlns:mc="http://schemas.openxmlformats.org/markup-compatibility/2006">
+    <mc:Choice xmlns:p14="http://schemas.microsoft.com/office/powerpoint/2010/main" Requires="p14">
       <p:transition p14:dur="300">
         <p:fade/>
       </p:transition>
     </mc:Choice>
-    <mc:Fallback xmlns="">
+    <mc:Fallback>
       <p:transition>
         <p:fade/>
       </p:transition>
@@ -14416,13 +14416,13 @@
   <p:clrMapOvr>
     <a:masterClrMapping/>
   </p:clrMapOvr>
-  <mc:AlternateContent xmlns:mc="http://schemas.openxmlformats.org/markup-compatibility/2006" xmlns:p14="http://schemas.microsoft.com/office/powerpoint/2010/main">
-    <mc:Choice Requires="p14">
+  <mc:AlternateContent xmlns:mc="http://schemas.openxmlformats.org/markup-compatibility/2006">
+    <mc:Choice xmlns:p14="http://schemas.microsoft.com/office/powerpoint/2010/main" Requires="p14">
       <p:transition p14:dur="300">
         <p:fade/>
       </p:transition>
     </mc:Choice>
-    <mc:Fallback xmlns="">
+    <mc:Fallback>
       <p:transition>
         <p:fade/>
       </p:transition>
@@ -14508,13 +14508,13 @@
   <p:clrMapOvr>
     <a:masterClrMapping/>
   </p:clrMapOvr>
-  <mc:AlternateContent xmlns:mc="http://schemas.openxmlformats.org/markup-compatibility/2006" xmlns:p14="http://schemas.microsoft.com/office/powerpoint/2010/main">
-    <mc:Choice Requires="p14">
+  <mc:AlternateContent xmlns:mc="http://schemas.openxmlformats.org/markup-compatibility/2006">
+    <mc:Choice xmlns:p14="http://schemas.microsoft.com/office/powerpoint/2010/main" Requires="p14">
       <p:transition p14:dur="300">
         <p:fade/>
       </p:transition>
     </mc:Choice>
-    <mc:Fallback xmlns="">
+    <mc:Fallback>
       <p:transition>
         <p:fade/>
       </p:transition>
@@ -14600,13 +14600,13 @@
   <p:clrMapOvr>
     <a:masterClrMapping/>
   </p:clrMapOvr>
-  <mc:AlternateContent xmlns:mc="http://schemas.openxmlformats.org/markup-compatibility/2006" xmlns:p14="http://schemas.microsoft.com/office/powerpoint/2010/main">
-    <mc:Choice Requires="p14">
+  <mc:AlternateContent xmlns:mc="http://schemas.openxmlformats.org/markup-compatibility/2006">
+    <mc:Choice xmlns:p14="http://schemas.microsoft.com/office/powerpoint/2010/main" Requires="p14">
       <p:transition p14:dur="300">
         <p:fade/>
       </p:transition>
     </mc:Choice>
-    <mc:Fallback xmlns="">
+    <mc:Fallback>
       <p:transition>
         <p:fade/>
       </p:transition>
@@ -14692,13 +14692,13 @@
   <p:clrMapOvr>
     <a:masterClrMapping/>
   </p:clrMapOvr>
-  <mc:AlternateContent xmlns:mc="http://schemas.openxmlformats.org/markup-compatibility/2006" xmlns:p14="http://schemas.microsoft.com/office/powerpoint/2010/main">
-    <mc:Choice Requires="p14">
+  <mc:AlternateContent xmlns:mc="http://schemas.openxmlformats.org/markup-compatibility/2006">
+    <mc:Choice xmlns:p14="http://schemas.microsoft.com/office/powerpoint/2010/main" Requires="p14">
       <p:transition p14:dur="300">
         <p:fade/>
       </p:transition>
     </mc:Choice>
-    <mc:Fallback xmlns="">
+    <mc:Fallback>
       <p:transition>
         <p:fade/>
       </p:transition>
@@ -14784,13 +14784,13 @@
   <p:clrMapOvr>
     <a:masterClrMapping/>
   </p:clrMapOvr>
-  <mc:AlternateContent xmlns:mc="http://schemas.openxmlformats.org/markup-compatibility/2006" xmlns:p14="http://schemas.microsoft.com/office/powerpoint/2010/main">
-    <mc:Choice Requires="p14">
+  <mc:AlternateContent xmlns:mc="http://schemas.openxmlformats.org/markup-compatibility/2006">
+    <mc:Choice xmlns:p14="http://schemas.microsoft.com/office/powerpoint/2010/main" Requires="p14">
       <p:transition p14:dur="300">
         <p:fade/>
       </p:transition>
     </mc:Choice>
-    <mc:Fallback xmlns="">
+    <mc:Fallback>
       <p:transition>
         <p:fade/>
       </p:transition>
@@ -14884,13 +14884,13 @@
   <p:clrMapOvr>
     <a:masterClrMapping/>
   </p:clrMapOvr>
-  <mc:AlternateContent xmlns:mc="http://schemas.openxmlformats.org/markup-compatibility/2006" xmlns:p14="http://schemas.microsoft.com/office/powerpoint/2010/main">
-    <mc:Choice Requires="p14">
+  <mc:AlternateContent xmlns:mc="http://schemas.openxmlformats.org/markup-compatibility/2006">
+    <mc:Choice xmlns:p14="http://schemas.microsoft.com/office/powerpoint/2010/main" Requires="p14">
       <p:transition p14:dur="300">
         <p:fade/>
       </p:transition>
     </mc:Choice>
-    <mc:Fallback xmlns="">
+    <mc:Fallback>
       <p:transition>
         <p:fade/>
       </p:transition>
@@ -14976,13 +14976,13 @@
   <p:clrMapOvr>
     <a:masterClrMapping/>
   </p:clrMapOvr>
-  <mc:AlternateContent xmlns:mc="http://schemas.openxmlformats.org/markup-compatibility/2006" xmlns:p14="http://schemas.microsoft.com/office/powerpoint/2010/main">
-    <mc:Choice Requires="p14">
+  <mc:AlternateContent xmlns:mc="http://schemas.openxmlformats.org/markup-compatibility/2006">
+    <mc:Choice xmlns:p14="http://schemas.microsoft.com/office/powerpoint/2010/main" Requires="p14">
       <p:transition p14:dur="300">
         <p:fade/>
       </p:transition>
     </mc:Choice>
-    <mc:Fallback xmlns="">
+    <mc:Fallback>
       <p:transition>
         <p:fade/>
       </p:transition>
@@ -15080,13 +15080,13 @@
   <p:clrMapOvr>
     <a:masterClrMapping/>
   </p:clrMapOvr>
-  <mc:AlternateContent xmlns:mc="http://schemas.openxmlformats.org/markup-compatibility/2006" xmlns:p14="http://schemas.microsoft.com/office/powerpoint/2010/main">
-    <mc:Choice Requires="p14">
+  <mc:AlternateContent xmlns:mc="http://schemas.openxmlformats.org/markup-compatibility/2006">
+    <mc:Choice xmlns:p14="http://schemas.microsoft.com/office/powerpoint/2010/main" Requires="p14">
       <p:transition p14:dur="300">
         <p:fade/>
       </p:transition>
     </mc:Choice>
-    <mc:Fallback xmlns="">
+    <mc:Fallback>
       <p:transition>
         <p:fade/>
       </p:transition>
@@ -15172,13 +15172,13 @@
   <p:clrMapOvr>
     <a:masterClrMapping/>
   </p:clrMapOvr>
-  <mc:AlternateContent xmlns:mc="http://schemas.openxmlformats.org/markup-compatibility/2006" xmlns:p14="http://schemas.microsoft.com/office/powerpoint/2010/main">
-    <mc:Choice Requires="p14">
+  <mc:AlternateContent xmlns:mc="http://schemas.openxmlformats.org/markup-compatibility/2006">
+    <mc:Choice xmlns:p14="http://schemas.microsoft.com/office/powerpoint/2010/main" Requires="p14">
       <p:transition p14:dur="300">
         <p:fade/>
       </p:transition>
     </mc:Choice>
-    <mc:Fallback xmlns="">
+    <mc:Fallback>
       <p:transition>
         <p:fade/>
       </p:transition>
@@ -15279,13 +15279,13 @@
   <p:clrMapOvr>
     <a:masterClrMapping/>
   </p:clrMapOvr>
-  <mc:AlternateContent xmlns:mc="http://schemas.openxmlformats.org/markup-compatibility/2006" xmlns:p14="http://schemas.microsoft.com/office/powerpoint/2010/main">
-    <mc:Choice Requires="p14">
+  <mc:AlternateContent xmlns:mc="http://schemas.openxmlformats.org/markup-compatibility/2006">
+    <mc:Choice xmlns:p14="http://schemas.microsoft.com/office/powerpoint/2010/main" Requires="p14">
       <p:transition p14:dur="300">
         <p:fade/>
       </p:transition>
     </mc:Choice>
-    <mc:Fallback xmlns="">
+    <mc:Fallback>
       <p:transition>
         <p:fade/>
       </p:transition>
@@ -15371,13 +15371,13 @@
   <p:clrMapOvr>
     <a:masterClrMapping/>
   </p:clrMapOvr>
-  <mc:AlternateContent xmlns:mc="http://schemas.openxmlformats.org/markup-compatibility/2006" xmlns:p14="http://schemas.microsoft.com/office/powerpoint/2010/main">
-    <mc:Choice Requires="p14">
+  <mc:AlternateContent xmlns:mc="http://schemas.openxmlformats.org/markup-compatibility/2006">
+    <mc:Choice xmlns:p14="http://schemas.microsoft.com/office/powerpoint/2010/main" Requires="p14">
       <p:transition p14:dur="300">
         <p:fade/>
       </p:transition>
     </mc:Choice>
-    <mc:Fallback xmlns="">
+    <mc:Fallback>
       <p:transition>
         <p:fade/>
       </p:transition>
@@ -15463,13 +15463,13 @@
   <p:clrMapOvr>
     <a:masterClrMapping/>
   </p:clrMapOvr>
-  <mc:AlternateContent xmlns:mc="http://schemas.openxmlformats.org/markup-compatibility/2006" xmlns:p14="http://schemas.microsoft.com/office/powerpoint/2010/main">
-    <mc:Choice Requires="p14">
+  <mc:AlternateContent xmlns:mc="http://schemas.openxmlformats.org/markup-compatibility/2006">
+    <mc:Choice xmlns:p14="http://schemas.microsoft.com/office/powerpoint/2010/main" Requires="p14">
       <p:transition p14:dur="300">
         <p:fade/>
       </p:transition>
     </mc:Choice>
-    <mc:Fallback xmlns="">
+    <mc:Fallback>
       <p:transition>
         <p:fade/>
       </p:transition>
@@ -15555,13 +15555,13 @@
   <p:clrMapOvr>
     <a:masterClrMapping/>
   </p:clrMapOvr>
-  <mc:AlternateContent xmlns:mc="http://schemas.openxmlformats.org/markup-compatibility/2006" xmlns:p14="http://schemas.microsoft.com/office/powerpoint/2010/main">
-    <mc:Choice Requires="p14">
+  <mc:AlternateContent xmlns:mc="http://schemas.openxmlformats.org/markup-compatibility/2006">
+    <mc:Choice xmlns:p14="http://schemas.microsoft.com/office/powerpoint/2010/main" Requires="p14">
       <p:transition p14:dur="300">
         <p:fade/>
       </p:transition>
     </mc:Choice>
-    <mc:Fallback xmlns="">
+    <mc:Fallback>
       <p:transition>
         <p:fade/>
       </p:transition>
@@ -15647,13 +15647,13 @@
   <p:clrMapOvr>
     <a:masterClrMapping/>
   </p:clrMapOvr>
-  <mc:AlternateContent xmlns:mc="http://schemas.openxmlformats.org/markup-compatibility/2006" xmlns:p14="http://schemas.microsoft.com/office/powerpoint/2010/main">
-    <mc:Choice Requires="p14">
+  <mc:AlternateContent xmlns:mc="http://schemas.openxmlformats.org/markup-compatibility/2006">
+    <mc:Choice xmlns:p14="http://schemas.microsoft.com/office/powerpoint/2010/main" Requires="p14">
       <p:transition p14:dur="300">
         <p:fade/>
       </p:transition>
     </mc:Choice>
-    <mc:Fallback xmlns="">
+    <mc:Fallback>
       <p:transition>
         <p:fade/>
       </p:transition>
@@ -15739,13 +15739,13 @@
   <p:clrMapOvr>
     <a:masterClrMapping/>
   </p:clrMapOvr>
-  <mc:AlternateContent xmlns:mc="http://schemas.openxmlformats.org/markup-compatibility/2006" xmlns:p14="http://schemas.microsoft.com/office/powerpoint/2010/main">
-    <mc:Choice Requires="p14">
+  <mc:AlternateContent xmlns:mc="http://schemas.openxmlformats.org/markup-compatibility/2006">
+    <mc:Choice xmlns:p14="http://schemas.microsoft.com/office/powerpoint/2010/main" Requires="p14">
       <p:transition p14:dur="300">
         <p:fade/>
       </p:transition>
     </mc:Choice>
-    <mc:Fallback xmlns="">
+    <mc:Fallback>
       <p:transition>
         <p:fade/>
       </p:transition>
@@ -15831,13 +15831,13 @@
   <p:clrMapOvr>
     <a:masterClrMapping/>
   </p:clrMapOvr>
-  <mc:AlternateContent xmlns:mc="http://schemas.openxmlformats.org/markup-compatibility/2006" xmlns:p14="http://schemas.microsoft.com/office/powerpoint/2010/main">
-    <mc:Choice Requires="p14">
+  <mc:AlternateContent xmlns:mc="http://schemas.openxmlformats.org/markup-compatibility/2006">
+    <mc:Choice xmlns:p14="http://schemas.microsoft.com/office/powerpoint/2010/main" Requires="p14">
       <p:transition p14:dur="300">
         <p:fade/>
       </p:transition>
     </mc:Choice>
-    <mc:Fallback xmlns="">
+    <mc:Fallback>
       <p:transition>
         <p:fade/>
       </p:transition>
@@ -15923,13 +15923,13 @@
   <p:clrMapOvr>
     <a:masterClrMapping/>
   </p:clrMapOvr>
-  <mc:AlternateContent xmlns:mc="http://schemas.openxmlformats.org/markup-compatibility/2006" xmlns:p14="http://schemas.microsoft.com/office/powerpoint/2010/main">
-    <mc:Choice Requires="p14">
+  <mc:AlternateContent xmlns:mc="http://schemas.openxmlformats.org/markup-compatibility/2006">
+    <mc:Choice xmlns:p14="http://schemas.microsoft.com/office/powerpoint/2010/main" Requires="p14">
       <p:transition p14:dur="300">
         <p:fade/>
       </p:transition>
     </mc:Choice>
-    <mc:Fallback xmlns="">
+    <mc:Fallback>
       <p:transition>
         <p:fade/>
       </p:transition>
@@ -16015,13 +16015,13 @@
   <p:clrMapOvr>
     <a:masterClrMapping/>
   </p:clrMapOvr>
-  <mc:AlternateContent xmlns:mc="http://schemas.openxmlformats.org/markup-compatibility/2006" xmlns:p14="http://schemas.microsoft.com/office/powerpoint/2010/main">
-    <mc:Choice Requires="p14">
+  <mc:AlternateContent xmlns:mc="http://schemas.openxmlformats.org/markup-compatibility/2006">
+    <mc:Choice xmlns:p14="http://schemas.microsoft.com/office/powerpoint/2010/main" Requires="p14">
       <p:transition p14:dur="300">
         <p:fade/>
       </p:transition>
     </mc:Choice>
-    <mc:Fallback xmlns="">
+    <mc:Fallback>
       <p:transition>
         <p:fade/>
       </p:transition>
@@ -16115,13 +16115,13 @@
   <p:clrMapOvr>
     <a:masterClrMapping/>
   </p:clrMapOvr>
-  <mc:AlternateContent xmlns:mc="http://schemas.openxmlformats.org/markup-compatibility/2006" xmlns:p14="http://schemas.microsoft.com/office/powerpoint/2010/main">
-    <mc:Choice Requires="p14">
+  <mc:AlternateContent xmlns:mc="http://schemas.openxmlformats.org/markup-compatibility/2006">
+    <mc:Choice xmlns:p14="http://schemas.microsoft.com/office/powerpoint/2010/main" Requires="p14">
       <p:transition p14:dur="300">
         <p:fade/>
       </p:transition>
     </mc:Choice>
-    <mc:Fallback xmlns="">
+    <mc:Fallback>
       <p:transition>
         <p:fade/>
       </p:transition>
@@ -16207,13 +16207,13 @@
   <p:clrMapOvr>
     <a:masterClrMapping/>
   </p:clrMapOvr>
-  <mc:AlternateContent xmlns:mc="http://schemas.openxmlformats.org/markup-compatibility/2006" xmlns:p14="http://schemas.microsoft.com/office/powerpoint/2010/main">
-    <mc:Choice Requires="p14">
+  <mc:AlternateContent xmlns:mc="http://schemas.openxmlformats.org/markup-compatibility/2006">
+    <mc:Choice xmlns:p14="http://schemas.microsoft.com/office/powerpoint/2010/main" Requires="p14">
       <p:transition p14:dur="300">
         <p:fade/>
       </p:transition>
     </mc:Choice>
-    <mc:Fallback xmlns="">
+    <mc:Fallback>
       <p:transition>
         <p:fade/>
       </p:transition>
@@ -16299,13 +16299,13 @@
   <p:clrMapOvr>
     <a:masterClrMapping/>
   </p:clrMapOvr>
-  <mc:AlternateContent xmlns:mc="http://schemas.openxmlformats.org/markup-compatibility/2006" xmlns:p14="http://schemas.microsoft.com/office/powerpoint/2010/main">
-    <mc:Choice Requires="p14">
+  <mc:AlternateContent xmlns:mc="http://schemas.openxmlformats.org/markup-compatibility/2006">
+    <mc:Choice xmlns:p14="http://schemas.microsoft.com/office/powerpoint/2010/main" Requires="p14">
       <p:transition p14:dur="300">
         <p:fade/>
       </p:transition>
     </mc:Choice>
-    <mc:Fallback xmlns="">
+    <mc:Fallback>
       <p:transition>
         <p:fade/>
       </p:transition>
@@ -16391,13 +16391,13 @@
   <p:clrMapOvr>
     <a:masterClrMapping/>
   </p:clrMapOvr>
-  <mc:AlternateContent xmlns:mc="http://schemas.openxmlformats.org/markup-compatibility/2006" xmlns:p14="http://schemas.microsoft.com/office/powerpoint/2010/main">
-    <mc:Choice Requires="p14">
+  <mc:AlternateContent xmlns:mc="http://schemas.openxmlformats.org/markup-compatibility/2006">
+    <mc:Choice xmlns:p14="http://schemas.microsoft.com/office/powerpoint/2010/main" Requires="p14">
       <p:transition p14:dur="300">
         <p:fade/>
       </p:transition>
     </mc:Choice>
-    <mc:Fallback xmlns="">
+    <mc:Fallback>
       <p:transition>
         <p:fade/>
       </p:transition>
@@ -16483,13 +16483,13 @@
   <p:clrMapOvr>
     <a:masterClrMapping/>
   </p:clrMapOvr>
-  <mc:AlternateContent xmlns:mc="http://schemas.openxmlformats.org/markup-compatibility/2006" xmlns:p14="http://schemas.microsoft.com/office/powerpoint/2010/main">
-    <mc:Choice Requires="p14">
+  <mc:AlternateContent xmlns:mc="http://schemas.openxmlformats.org/markup-compatibility/2006">
+    <mc:Choice xmlns:p14="http://schemas.microsoft.com/office/powerpoint/2010/main" Requires="p14">
       <p:transition p14:dur="300">
         <p:fade/>
       </p:transition>
     </mc:Choice>
-    <mc:Fallback xmlns="">
+    <mc:Fallback>
       <p:transition>
         <p:fade/>
       </p:transition>
@@ -16575,13 +16575,13 @@
   <p:clrMapOvr>
     <a:masterClrMapping/>
   </p:clrMapOvr>
-  <mc:AlternateContent xmlns:mc="http://schemas.openxmlformats.org/markup-compatibility/2006" xmlns:p14="http://schemas.microsoft.com/office/powerpoint/2010/main">
-    <mc:Choice Requires="p14">
+  <mc:AlternateContent xmlns:mc="http://schemas.openxmlformats.org/markup-compatibility/2006">
+    <mc:Choice xmlns:p14="http://schemas.microsoft.com/office/powerpoint/2010/main" Requires="p14">
       <p:transition p14:dur="300">
         <p:fade/>
       </p:transition>
     </mc:Choice>
-    <mc:Fallback xmlns="">
+    <mc:Fallback>
       <p:transition>
         <p:fade/>
       </p:transition>
@@ -16667,13 +16667,13 @@
   <p:clrMapOvr>
     <a:masterClrMapping/>
   </p:clrMapOvr>
-  <mc:AlternateContent xmlns:mc="http://schemas.openxmlformats.org/markup-compatibility/2006" xmlns:p14="http://schemas.microsoft.com/office/powerpoint/2010/main">
-    <mc:Choice Requires="p14">
+  <mc:AlternateContent xmlns:mc="http://schemas.openxmlformats.org/markup-compatibility/2006">
+    <mc:Choice xmlns:p14="http://schemas.microsoft.com/office/powerpoint/2010/main" Requires="p14">
       <p:transition p14:dur="300">
         <p:fade/>
       </p:transition>
     </mc:Choice>
-    <mc:Fallback xmlns="">
+    <mc:Fallback>
       <p:transition>
         <p:fade/>
       </p:transition>
@@ -16759,13 +16759,13 @@
   <p:clrMapOvr>
     <a:masterClrMapping/>
   </p:clrMapOvr>
-  <mc:AlternateContent xmlns:mc="http://schemas.openxmlformats.org/markup-compatibility/2006" xmlns:p14="http://schemas.microsoft.com/office/powerpoint/2010/main">
-    <mc:Choice Requires="p14">
+  <mc:AlternateContent xmlns:mc="http://schemas.openxmlformats.org/markup-compatibility/2006">
+    <mc:Choice xmlns:p14="http://schemas.microsoft.com/office/powerpoint/2010/main" Requires="p14">
       <p:transition p14:dur="300">
         <p:fade/>
       </p:transition>
     </mc:Choice>
-    <mc:Fallback xmlns="">
+    <mc:Fallback>
       <p:transition>
         <p:fade/>
       </p:transition>
@@ -16851,13 +16851,13 @@
   <p:clrMapOvr>
     <a:masterClrMapping/>
   </p:clrMapOvr>
-  <mc:AlternateContent xmlns:mc="http://schemas.openxmlformats.org/markup-compatibility/2006" xmlns:p14="http://schemas.microsoft.com/office/powerpoint/2010/main">
-    <mc:Choice Requires="p14">
+  <mc:AlternateContent xmlns:mc="http://schemas.openxmlformats.org/markup-compatibility/2006">
+    <mc:Choice xmlns:p14="http://schemas.microsoft.com/office/powerpoint/2010/main" Requires="p14">
       <p:transition p14:dur="300">
         <p:fade/>
       </p:transition>
     </mc:Choice>
-    <mc:Fallback xmlns="">
+    <mc:Fallback>
       <p:transition>
         <p:fade/>
       </p:transition>
@@ -16947,13 +16947,13 @@
   <p:clrMapOvr>
     <a:masterClrMapping/>
   </p:clrMapOvr>
-  <mc:AlternateContent xmlns:mc="http://schemas.openxmlformats.org/markup-compatibility/2006" xmlns:p14="http://schemas.microsoft.com/office/powerpoint/2010/main">
-    <mc:Choice Requires="p14">
+  <mc:AlternateContent xmlns:mc="http://schemas.openxmlformats.org/markup-compatibility/2006">
+    <mc:Choice xmlns:p14="http://schemas.microsoft.com/office/powerpoint/2010/main" Requires="p14">
       <p:transition p14:dur="300">
         <p:fade/>
       </p:transition>
     </mc:Choice>
-    <mc:Fallback xmlns="">
+    <mc:Fallback>
       <p:transition>
         <p:fade/>
       </p:transition>
@@ -17039,13 +17039,13 @@
   <p:clrMapOvr>
     <a:masterClrMapping/>
   </p:clrMapOvr>
-  <mc:AlternateContent xmlns:mc="http://schemas.openxmlformats.org/markup-compatibility/2006" xmlns:p14="http://schemas.microsoft.com/office/powerpoint/2010/main">
-    <mc:Choice Requires="p14">
+  <mc:AlternateContent xmlns:mc="http://schemas.openxmlformats.org/markup-compatibility/2006">
+    <mc:Choice xmlns:p14="http://schemas.microsoft.com/office/powerpoint/2010/main" Requires="p14">
       <p:transition p14:dur="300">
         <p:fade/>
       </p:transition>
     </mc:Choice>
-    <mc:Fallback xmlns="">
+    <mc:Fallback>
       <p:transition>
         <p:fade/>
       </p:transition>
@@ -17139,13 +17139,13 @@
   <p:clrMapOvr>
     <a:masterClrMapping/>
   </p:clrMapOvr>
-  <mc:AlternateContent xmlns:mc="http://schemas.openxmlformats.org/markup-compatibility/2006" xmlns:p14="http://schemas.microsoft.com/office/powerpoint/2010/main">
-    <mc:Choice Requires="p14">
+  <mc:AlternateContent xmlns:mc="http://schemas.openxmlformats.org/markup-compatibility/2006">
+    <mc:Choice xmlns:p14="http://schemas.microsoft.com/office/powerpoint/2010/main" Requires="p14">
       <p:transition p14:dur="300">
         <p:fade/>
       </p:transition>
     </mc:Choice>
-    <mc:Fallback xmlns="">
+    <mc:Fallback>
       <p:transition>
         <p:fade/>
       </p:transition>
@@ -17231,13 +17231,13 @@
   <p:clrMapOvr>
     <a:masterClrMapping/>
   </p:clrMapOvr>
-  <mc:AlternateContent xmlns:mc="http://schemas.openxmlformats.org/markup-compatibility/2006" xmlns:p14="http://schemas.microsoft.com/office/powerpoint/2010/main">
-    <mc:Choice Requires="p14">
+  <mc:AlternateContent xmlns:mc="http://schemas.openxmlformats.org/markup-compatibility/2006">
+    <mc:Choice xmlns:p14="http://schemas.microsoft.com/office/powerpoint/2010/main" Requires="p14">
       <p:transition p14:dur="300">
         <p:fade/>
       </p:transition>
     </mc:Choice>
-    <mc:Fallback xmlns="">
+    <mc:Fallback>
       <p:transition>
         <p:fade/>
       </p:transition>
@@ -17323,13 +17323,13 @@
   <p:clrMapOvr>
     <a:masterClrMapping/>
   </p:clrMapOvr>
-  <mc:AlternateContent xmlns:mc="http://schemas.openxmlformats.org/markup-compatibility/2006" xmlns:p14="http://schemas.microsoft.com/office/powerpoint/2010/main">
-    <mc:Choice Requires="p14">
+  <mc:AlternateContent xmlns:mc="http://schemas.openxmlformats.org/markup-compatibility/2006">
+    <mc:Choice xmlns:p14="http://schemas.microsoft.com/office/powerpoint/2010/main" Requires="p14">
       <p:transition p14:dur="300">
         <p:fade/>
       </p:transition>
     </mc:Choice>
-    <mc:Fallback xmlns="">
+    <mc:Fallback>
       <p:transition>
         <p:fade/>
       </p:transition>
@@ -17415,13 +17415,13 @@
   <p:clrMapOvr>
     <a:masterClrMapping/>
   </p:clrMapOvr>
-  <mc:AlternateContent xmlns:mc="http://schemas.openxmlformats.org/markup-compatibility/2006" xmlns:p14="http://schemas.microsoft.com/office/powerpoint/2010/main">
-    <mc:Choice Requires="p14">
+  <mc:AlternateContent xmlns:mc="http://schemas.openxmlformats.org/markup-compatibility/2006">
+    <mc:Choice xmlns:p14="http://schemas.microsoft.com/office/powerpoint/2010/main" Requires="p14">
       <p:transition p14:dur="300">
         <p:fade/>
       </p:transition>
     </mc:Choice>
-    <mc:Fallback xmlns="">
+    <mc:Fallback>
       <p:transition>
         <p:fade/>
       </p:transition>
@@ -17507,13 +17507,13 @@
   <p:clrMapOvr>
     <a:masterClrMapping/>
   </p:clrMapOvr>
-  <mc:AlternateContent xmlns:mc="http://schemas.openxmlformats.org/markup-compatibility/2006" xmlns:p14="http://schemas.microsoft.com/office/powerpoint/2010/main">
-    <mc:Choice Requires="p14">
+  <mc:AlternateContent xmlns:mc="http://schemas.openxmlformats.org/markup-compatibility/2006">
+    <mc:Choice xmlns:p14="http://schemas.microsoft.com/office/powerpoint/2010/main" Requires="p14">
       <p:transition p14:dur="300">
         <p:fade/>
       </p:transition>
     </mc:Choice>
-    <mc:Fallback xmlns="">
+    <mc:Fallback>
       <p:transition>
         <p:fade/>
       </p:transition>
@@ -17599,13 +17599,13 @@
   <p:clrMapOvr>
     <a:masterClrMapping/>
   </p:clrMapOvr>
-  <mc:AlternateContent xmlns:mc="http://schemas.openxmlformats.org/markup-compatibility/2006" xmlns:p14="http://schemas.microsoft.com/office/powerpoint/2010/main">
-    <mc:Choice Requires="p14">
+  <mc:AlternateContent xmlns:mc="http://schemas.openxmlformats.org/markup-compatibility/2006">
+    <mc:Choice xmlns:p14="http://schemas.microsoft.com/office/powerpoint/2010/main" Requires="p14">
       <p:transition p14:dur="300">
         <p:fade/>
       </p:transition>
     </mc:Choice>
-    <mc:Fallback xmlns="">
+    <mc:Fallback>
       <p:transition>
         <p:fade/>
       </p:transition>
@@ -17699,13 +17699,13 @@
   <p:clrMapOvr>
     <a:masterClrMapping/>
   </p:clrMapOvr>
-  <mc:AlternateContent xmlns:mc="http://schemas.openxmlformats.org/markup-compatibility/2006" xmlns:p14="http://schemas.microsoft.com/office/powerpoint/2010/main">
-    <mc:Choice Requires="p14">
+  <mc:AlternateContent xmlns:mc="http://schemas.openxmlformats.org/markup-compatibility/2006">
+    <mc:Choice xmlns:p14="http://schemas.microsoft.com/office/powerpoint/2010/main" Requires="p14">
       <p:transition p14:dur="300">
         <p:fade/>
       </p:transition>
     </mc:Choice>
-    <mc:Fallback xmlns="">
+    <mc:Fallback>
       <p:transition>
         <p:fade/>
       </p:transition>
@@ -17791,13 +17791,13 @@
   <p:clrMapOvr>
     <a:masterClrMapping/>
   </p:clrMapOvr>
-  <mc:AlternateContent xmlns:mc="http://schemas.openxmlformats.org/markup-compatibility/2006" xmlns:p14="http://schemas.microsoft.com/office/powerpoint/2010/main">
-    <mc:Choice Requires="p14">
+  <mc:AlternateContent xmlns:mc="http://schemas.openxmlformats.org/markup-compatibility/2006">
+    <mc:Choice xmlns:p14="http://schemas.microsoft.com/office/powerpoint/2010/main" Requires="p14">
       <p:transition p14:dur="300">
         <p:fade/>
       </p:transition>
     </mc:Choice>
-    <mc:Fallback xmlns="">
+    <mc:Fallback>
       <p:transition>
         <p:fade/>
       </p:transition>
@@ -17883,13 +17883,13 @@
   <p:clrMapOvr>
     <a:masterClrMapping/>
   </p:clrMapOvr>
-  <mc:AlternateContent xmlns:mc="http://schemas.openxmlformats.org/markup-compatibility/2006" xmlns:p14="http://schemas.microsoft.com/office/powerpoint/2010/main">
-    <mc:Choice Requires="p14">
+  <mc:AlternateContent xmlns:mc="http://schemas.openxmlformats.org/markup-compatibility/2006">
+    <mc:Choice xmlns:p14="http://schemas.microsoft.com/office/powerpoint/2010/main" Requires="p14">
       <p:transition p14:dur="300">
         <p:fade/>
       </p:transition>
     </mc:Choice>
-    <mc:Fallback xmlns="">
+    <mc:Fallback>
       <p:transition>
         <p:fade/>
       </p:transition>
@@ -17975,13 +17975,13 @@
   <p:clrMapOvr>
     <a:masterClrMapping/>
   </p:clrMapOvr>
-  <mc:AlternateContent xmlns:mc="http://schemas.openxmlformats.org/markup-compatibility/2006" xmlns:p14="http://schemas.microsoft.com/office/powerpoint/2010/main">
-    <mc:Choice Requires="p14">
+  <mc:AlternateContent xmlns:mc="http://schemas.openxmlformats.org/markup-compatibility/2006">
+    <mc:Choice xmlns:p14="http://schemas.microsoft.com/office/powerpoint/2010/main" Requires="p14">
       <p:transition p14:dur="300">
         <p:fade/>
       </p:transition>
     </mc:Choice>
-    <mc:Fallback xmlns="">
+    <mc:Fallback>
       <p:transition>
         <p:fade/>
       </p:transition>
@@ -18067,13 +18067,13 @@
   <p:clrMapOvr>
     <a:masterClrMapping/>
   </p:clrMapOvr>
-  <mc:AlternateContent xmlns:mc="http://schemas.openxmlformats.org/markup-compatibility/2006" xmlns:p14="http://schemas.microsoft.com/office/powerpoint/2010/main">
-    <mc:Choice Requires="p14">
+  <mc:AlternateContent xmlns:mc="http://schemas.openxmlformats.org/markup-compatibility/2006">
+    <mc:Choice xmlns:p14="http://schemas.microsoft.com/office/powerpoint/2010/main" Requires="p14">
       <p:transition p14:dur="300">
         <p:fade/>
       </p:transition>
     </mc:Choice>
-    <mc:Fallback xmlns="">
+    <mc:Fallback>
       <p:transition>
         <p:fade/>
       </p:transition>
@@ -18159,13 +18159,13 @@
   <p:clrMapOvr>
     <a:masterClrMapping/>
   </p:clrMapOvr>
-  <mc:AlternateContent xmlns:mc="http://schemas.openxmlformats.org/markup-compatibility/2006" xmlns:p14="http://schemas.microsoft.com/office/powerpoint/2010/main">
-    <mc:Choice Requires="p14">
+  <mc:AlternateContent xmlns:mc="http://schemas.openxmlformats.org/markup-compatibility/2006">
+    <mc:Choice xmlns:p14="http://schemas.microsoft.com/office/powerpoint/2010/main" Requires="p14">
       <p:transition p14:dur="300">
         <p:fade/>
       </p:transition>
     </mc:Choice>
-    <mc:Fallback xmlns="">
+    <mc:Fallback>
       <p:transition>
         <p:fade/>
       </p:transition>
@@ -18259,13 +18259,13 @@
   <p:clrMapOvr>
     <a:masterClrMapping/>
   </p:clrMapOvr>
-  <mc:AlternateContent xmlns:mc="http://schemas.openxmlformats.org/markup-compatibility/2006" xmlns:p14="http://schemas.microsoft.com/office/powerpoint/2010/main">
-    <mc:Choice Requires="p14">
+  <mc:AlternateContent xmlns:mc="http://schemas.openxmlformats.org/markup-compatibility/2006">
+    <mc:Choice xmlns:p14="http://schemas.microsoft.com/office/powerpoint/2010/main" Requires="p14">
       <p:transition p14:dur="300">
         <p:fade/>
       </p:transition>
     </mc:Choice>
-    <mc:Fallback xmlns="">
+    <mc:Fallback>
       <p:transition>
         <p:fade/>
       </p:transition>
@@ -18351,13 +18351,13 @@
   <p:clrMapOvr>
     <a:masterClrMapping/>
   </p:clrMapOvr>
-  <mc:AlternateContent xmlns:mc="http://schemas.openxmlformats.org/markup-compatibility/2006" xmlns:p14="http://schemas.microsoft.com/office/powerpoint/2010/main">
-    <mc:Choice Requires="p14">
+  <mc:AlternateContent xmlns:mc="http://schemas.openxmlformats.org/markup-compatibility/2006">
+    <mc:Choice xmlns:p14="http://schemas.microsoft.com/office/powerpoint/2010/main" Requires="p14">
       <p:transition p14:dur="300">
         <p:fade/>
       </p:transition>
     </mc:Choice>
-    <mc:Fallback xmlns="">
+    <mc:Fallback>
       <p:transition>
         <p:fade/>
       </p:transition>
@@ -18443,13 +18443,13 @@
   <p:clrMapOvr>
     <a:masterClrMapping/>
   </p:clrMapOvr>
-  <mc:AlternateContent xmlns:mc="http://schemas.openxmlformats.org/markup-compatibility/2006" xmlns:p14="http://schemas.microsoft.com/office/powerpoint/2010/main">
-    <mc:Choice Requires="p14">
+  <mc:AlternateContent xmlns:mc="http://schemas.openxmlformats.org/markup-compatibility/2006">
+    <mc:Choice xmlns:p14="http://schemas.microsoft.com/office/powerpoint/2010/main" Requires="p14">
       <p:transition p14:dur="300">
         <p:fade/>
       </p:transition>
     </mc:Choice>
-    <mc:Fallback xmlns="">
+    <mc:Fallback>
       <p:transition>
         <p:fade/>
       </p:transition>
@@ -18535,13 +18535,13 @@
   <p:clrMapOvr>
     <a:masterClrMapping/>
   </p:clrMapOvr>
-  <mc:AlternateContent xmlns:mc="http://schemas.openxmlformats.org/markup-compatibility/2006" xmlns:p14="http://schemas.microsoft.com/office/powerpoint/2010/main">
-    <mc:Choice Requires="p14">
+  <mc:AlternateContent xmlns:mc="http://schemas.openxmlformats.org/markup-compatibility/2006">
+    <mc:Choice xmlns:p14="http://schemas.microsoft.com/office/powerpoint/2010/main" Requires="p14">
       <p:transition p14:dur="300">
         <p:fade/>
       </p:transition>
     </mc:Choice>
-    <mc:Fallback xmlns="">
+    <mc:Fallback>
       <p:transition>
         <p:fade/>
       </p:transition>
@@ -18634,13 +18634,13 @@
   <p:clrMapOvr>
     <a:masterClrMapping/>
   </p:clrMapOvr>
-  <mc:AlternateContent xmlns:mc="http://schemas.openxmlformats.org/markup-compatibility/2006" xmlns:p14="http://schemas.microsoft.com/office/powerpoint/2010/main">
-    <mc:Choice Requires="p14">
+  <mc:AlternateContent xmlns:mc="http://schemas.openxmlformats.org/markup-compatibility/2006">
+    <mc:Choice xmlns:p14="http://schemas.microsoft.com/office/powerpoint/2010/main" Requires="p14">
       <p:transition p14:dur="300">
         <p:fade/>
       </p:transition>
     </mc:Choice>
-    <mc:Fallback xmlns="">
+    <mc:Fallback>
       <p:transition>
         <p:fade/>
       </p:transition>
@@ -18733,13 +18733,13 @@
   <p:clrMapOvr>
     <a:masterClrMapping/>
   </p:clrMapOvr>
-  <mc:AlternateContent xmlns:mc="http://schemas.openxmlformats.org/markup-compatibility/2006" xmlns:p14="http://schemas.microsoft.com/office/powerpoint/2010/main">
-    <mc:Choice Requires="p14">
+  <mc:AlternateContent xmlns:mc="http://schemas.openxmlformats.org/markup-compatibility/2006">
+    <mc:Choice xmlns:p14="http://schemas.microsoft.com/office/powerpoint/2010/main" Requires="p14">
       <p:transition p14:dur="300">
         <p:fade/>
       </p:transition>
     </mc:Choice>
-    <mc:Fallback xmlns="">
+    <mc:Fallback>
       <p:transition>
         <p:fade/>
       </p:transition>
@@ -18825,13 +18825,13 @@
   <p:clrMapOvr>
     <a:masterClrMapping/>
   </p:clrMapOvr>
-  <mc:AlternateContent xmlns:mc="http://schemas.openxmlformats.org/markup-compatibility/2006" xmlns:p14="http://schemas.microsoft.com/office/powerpoint/2010/main">
-    <mc:Choice Requires="p14">
+  <mc:AlternateContent xmlns:mc="http://schemas.openxmlformats.org/markup-compatibility/2006">
+    <mc:Choice xmlns:p14="http://schemas.microsoft.com/office/powerpoint/2010/main" Requires="p14">
       <p:transition p14:dur="300">
         <p:fade/>
       </p:transition>
     </mc:Choice>
-    <mc:Fallback xmlns="">
+    <mc:Fallback>
       <p:transition>
         <p:fade/>
       </p:transition>
@@ -18928,13 +18928,13 @@
   <p:clrMapOvr>
     <a:masterClrMapping/>
   </p:clrMapOvr>
-  <mc:AlternateContent xmlns:mc="http://schemas.openxmlformats.org/markup-compatibility/2006" xmlns:p14="http://schemas.microsoft.com/office/powerpoint/2010/main">
-    <mc:Choice Requires="p14">
+  <mc:AlternateContent xmlns:mc="http://schemas.openxmlformats.org/markup-compatibility/2006">
+    <mc:Choice xmlns:p14="http://schemas.microsoft.com/office/powerpoint/2010/main" Requires="p14">
       <p:transition p14:dur="300">
         <p:fade/>
       </p:transition>
     </mc:Choice>
-    <mc:Fallback xmlns="">
+    <mc:Fallback>
       <p:transition>
         <p:fade/>
       </p:transition>
@@ -19020,13 +19020,13 @@
   <p:clrMapOvr>
     <a:masterClrMapping/>
   </p:clrMapOvr>
-  <mc:AlternateContent xmlns:mc="http://schemas.openxmlformats.org/markup-compatibility/2006" xmlns:p14="http://schemas.microsoft.com/office/powerpoint/2010/main">
-    <mc:Choice Requires="p14">
+  <mc:AlternateContent xmlns:mc="http://schemas.openxmlformats.org/markup-compatibility/2006">
+    <mc:Choice xmlns:p14="http://schemas.microsoft.com/office/powerpoint/2010/main" Requires="p14">
       <p:transition p14:dur="300">
         <p:fade/>
       </p:transition>
     </mc:Choice>
-    <mc:Fallback xmlns="">
+    <mc:Fallback>
       <p:transition>
         <p:fade/>
       </p:transition>
@@ -19112,13 +19112,13 @@
   <p:clrMapOvr>
     <a:masterClrMapping/>
   </p:clrMapOvr>
-  <mc:AlternateContent xmlns:mc="http://schemas.openxmlformats.org/markup-compatibility/2006" xmlns:p14="http://schemas.microsoft.com/office/powerpoint/2010/main">
-    <mc:Choice Requires="p14">
+  <mc:AlternateContent xmlns:mc="http://schemas.openxmlformats.org/markup-compatibility/2006">
+    <mc:Choice xmlns:p14="http://schemas.microsoft.com/office/powerpoint/2010/main" Requires="p14">
       <p:transition p14:dur="300">
         <p:fade/>
       </p:transition>
     </mc:Choice>
-    <mc:Fallback xmlns="">
+    <mc:Fallback>
       <p:transition>
         <p:fade/>
       </p:transition>
@@ -19204,13 +19204,13 @@
   <p:clrMapOvr>
     <a:masterClrMapping/>
   </p:clrMapOvr>
-  <mc:AlternateContent xmlns:mc="http://schemas.openxmlformats.org/markup-compatibility/2006" xmlns:p14="http://schemas.microsoft.com/office/powerpoint/2010/main">
-    <mc:Choice Requires="p14">
+  <mc:AlternateContent xmlns:mc="http://schemas.openxmlformats.org/markup-compatibility/2006">
+    <mc:Choice xmlns:p14="http://schemas.microsoft.com/office/powerpoint/2010/main" Requires="p14">
       <p:transition p14:dur="300">
         <p:fade/>
       </p:transition>
     </mc:Choice>
-    <mc:Fallback xmlns="">
+    <mc:Fallback>
       <p:transition>
         <p:fade/>
       </p:transition>
@@ -19296,13 +19296,13 @@
   <p:clrMapOvr>
     <a:masterClrMapping/>
   </p:clrMapOvr>
-  <mc:AlternateContent xmlns:mc="http://schemas.openxmlformats.org/markup-compatibility/2006" xmlns:p14="http://schemas.microsoft.com/office/powerpoint/2010/main">
-    <mc:Choice Requires="p14">
+  <mc:AlternateContent xmlns:mc="http://schemas.openxmlformats.org/markup-compatibility/2006">
+    <mc:Choice xmlns:p14="http://schemas.microsoft.com/office/powerpoint/2010/main" Requires="p14">
       <p:transition p14:dur="300">
         <p:fade/>
       </p:transition>
     </mc:Choice>
-    <mc:Fallback xmlns="">
+    <mc:Fallback>
       <p:transition>
         <p:fade/>
       </p:transition>
@@ -19388,13 +19388,13 @@
   <p:clrMapOvr>
     <a:masterClrMapping/>
   </p:clrMapOvr>
-  <mc:AlternateContent xmlns:mc="http://schemas.openxmlformats.org/markup-compatibility/2006" xmlns:p14="http://schemas.microsoft.com/office/powerpoint/2010/main">
-    <mc:Choice Requires="p14">
+  <mc:AlternateContent xmlns:mc="http://schemas.openxmlformats.org/markup-compatibility/2006">
+    <mc:Choice xmlns:p14="http://schemas.microsoft.com/office/powerpoint/2010/main" Requires="p14">
       <p:transition p14:dur="300">
         <p:fade/>
       </p:transition>
     </mc:Choice>
-    <mc:Fallback xmlns="">
+    <mc:Fallback>
       <p:transition>
         <p:fade/>
       </p:transition>
@@ -19480,13 +19480,13 @@
   <p:clrMapOvr>
     <a:masterClrMapping/>
   </p:clrMapOvr>
-  <mc:AlternateContent xmlns:mc="http://schemas.openxmlformats.org/markup-compatibility/2006" xmlns:p14="http://schemas.microsoft.com/office/powerpoint/2010/main">
-    <mc:Choice Requires="p14">
+  <mc:AlternateContent xmlns:mc="http://schemas.openxmlformats.org/markup-compatibility/2006">
+    <mc:Choice xmlns:p14="http://schemas.microsoft.com/office/powerpoint/2010/main" Requires="p14">
       <p:transition p14:dur="300">
         <p:fade/>
       </p:transition>
     </mc:Choice>
-    <mc:Fallback xmlns="">
+    <mc:Fallback>
       <p:transition>
         <p:fade/>
       </p:transition>
@@ -19579,13 +19579,13 @@
   <p:clrMapOvr>
     <a:masterClrMapping/>
   </p:clrMapOvr>
-  <mc:AlternateContent xmlns:mc="http://schemas.openxmlformats.org/markup-compatibility/2006" xmlns:p14="http://schemas.microsoft.com/office/powerpoint/2010/main">
-    <mc:Choice Requires="p14">
+  <mc:AlternateContent xmlns:mc="http://schemas.openxmlformats.org/markup-compatibility/2006">
+    <mc:Choice xmlns:p14="http://schemas.microsoft.com/office/powerpoint/2010/main" Requires="p14">
       <p:transition p14:dur="300">
         <p:fade/>
       </p:transition>
     </mc:Choice>
-    <mc:Fallback xmlns="">
+    <mc:Fallback>
       <p:transition>
         <p:fade/>
       </p:transition>
@@ -19671,13 +19671,13 @@
   <p:clrMapOvr>
     <a:masterClrMapping/>
   </p:clrMapOvr>
-  <mc:AlternateContent xmlns:mc="http://schemas.openxmlformats.org/markup-compatibility/2006" xmlns:p14="http://schemas.microsoft.com/office/powerpoint/2010/main">
-    <mc:Choice Requires="p14">
+  <mc:AlternateContent xmlns:mc="http://schemas.openxmlformats.org/markup-compatibility/2006">
+    <mc:Choice xmlns:p14="http://schemas.microsoft.com/office/powerpoint/2010/main" Requires="p14">
       <p:transition p14:dur="300">
         <p:fade/>
       </p:transition>
     </mc:Choice>
-    <mc:Fallback xmlns="">
+    <mc:Fallback>
       <p:transition>
         <p:fade/>
       </p:transition>
@@ -19763,13 +19763,13 @@
   <p:clrMapOvr>
     <a:masterClrMapping/>
   </p:clrMapOvr>
-  <mc:AlternateContent xmlns:mc="http://schemas.openxmlformats.org/markup-compatibility/2006" xmlns:p14="http://schemas.microsoft.com/office/powerpoint/2010/main">
-    <mc:Choice Requires="p14">
+  <mc:AlternateContent xmlns:mc="http://schemas.openxmlformats.org/markup-compatibility/2006">
+    <mc:Choice xmlns:p14="http://schemas.microsoft.com/office/powerpoint/2010/main" Requires="p14">
       <p:transition p14:dur="300">
         <p:fade/>
       </p:transition>
     </mc:Choice>
-    <mc:Fallback xmlns="">
+    <mc:Fallback>
       <p:transition>
         <p:fade/>
       </p:transition>
@@ -19865,13 +19865,13 @@
   <p:clrMapOvr>
     <a:masterClrMapping/>
   </p:clrMapOvr>
-  <mc:AlternateContent xmlns:mc="http://schemas.openxmlformats.org/markup-compatibility/2006" xmlns:p14="http://schemas.microsoft.com/office/powerpoint/2010/main">
-    <mc:Choice Requires="p14">
+  <mc:AlternateContent xmlns:mc="http://schemas.openxmlformats.org/markup-compatibility/2006">
+    <mc:Choice xmlns:p14="http://schemas.microsoft.com/office/powerpoint/2010/main" Requires="p14">
       <p:transition p14:dur="300">
         <p:fade/>
       </p:transition>
     </mc:Choice>
-    <mc:Fallback xmlns="">
+    <mc:Fallback>
       <p:transition>
         <p:fade/>
       </p:transition>
@@ -19961,13 +19961,13 @@
   <p:clrMapOvr>
     <a:masterClrMapping/>
   </p:clrMapOvr>
-  <mc:AlternateContent xmlns:mc="http://schemas.openxmlformats.org/markup-compatibility/2006" xmlns:p14="http://schemas.microsoft.com/office/powerpoint/2010/main">
-    <mc:Choice Requires="p14">
+  <mc:AlternateContent xmlns:mc="http://schemas.openxmlformats.org/markup-compatibility/2006">
+    <mc:Choice xmlns:p14="http://schemas.microsoft.com/office/powerpoint/2010/main" Requires="p14">
       <p:transition p14:dur="300">
         <p:fade/>
       </p:transition>
     </mc:Choice>
-    <mc:Fallback xmlns="">
+    <mc:Fallback>
       <p:transition>
         <p:fade/>
       </p:transition>
@@ -20053,13 +20053,13 @@
   <p:clrMapOvr>
     <a:masterClrMapping/>
   </p:clrMapOvr>
-  <mc:AlternateContent xmlns:mc="http://schemas.openxmlformats.org/markup-compatibility/2006" xmlns:p14="http://schemas.microsoft.com/office/powerpoint/2010/main">
-    <mc:Choice Requires="p14">
+  <mc:AlternateContent xmlns:mc="http://schemas.openxmlformats.org/markup-compatibility/2006">
+    <mc:Choice xmlns:p14="http://schemas.microsoft.com/office/powerpoint/2010/main" Requires="p14">
       <p:transition p14:dur="300">
         <p:fade/>
       </p:transition>
     </mc:Choice>
-    <mc:Fallback xmlns="">
+    <mc:Fallback>
       <p:transition>
         <p:fade/>
       </p:transition>
@@ -20145,13 +20145,13 @@
   <p:clrMapOvr>
     <a:masterClrMapping/>
   </p:clrMapOvr>
-  <mc:AlternateContent xmlns:mc="http://schemas.openxmlformats.org/markup-compatibility/2006" xmlns:p14="http://schemas.microsoft.com/office/powerpoint/2010/main">
-    <mc:Choice Requires="p14">
+  <mc:AlternateContent xmlns:mc="http://schemas.openxmlformats.org/markup-compatibility/2006">
+    <mc:Choice xmlns:p14="http://schemas.microsoft.com/office/powerpoint/2010/main" Requires="p14">
       <p:transition p14:dur="300">
         <p:fade/>
       </p:transition>
     </mc:Choice>
-    <mc:Fallback xmlns="">
+    <mc:Fallback>
       <p:transition>
         <p:fade/>
       </p:transition>
@@ -20244,13 +20244,13 @@
   <p:clrMapOvr>
     <a:masterClrMapping/>
   </p:clrMapOvr>
-  <mc:AlternateContent xmlns:mc="http://schemas.openxmlformats.org/markup-compatibility/2006" xmlns:p14="http://schemas.microsoft.com/office/powerpoint/2010/main">
-    <mc:Choice Requires="p14">
+  <mc:AlternateContent xmlns:mc="http://schemas.openxmlformats.org/markup-compatibility/2006">
+    <mc:Choice xmlns:p14="http://schemas.microsoft.com/office/powerpoint/2010/main" Requires="p14">
       <p:transition p14:dur="300">
         <p:fade/>
       </p:transition>
     </mc:Choice>
-    <mc:Fallback xmlns="">
+    <mc:Fallback>
       <p:transition>
         <p:fade/>
       </p:transition>
@@ -20336,13 +20336,13 @@
   <p:clrMapOvr>
     <a:masterClrMapping/>
   </p:clrMapOvr>
-  <mc:AlternateContent xmlns:mc="http://schemas.openxmlformats.org/markup-compatibility/2006" xmlns:p14="http://schemas.microsoft.com/office/powerpoint/2010/main">
-    <mc:Choice Requires="p14">
+  <mc:AlternateContent xmlns:mc="http://schemas.openxmlformats.org/markup-compatibility/2006">
+    <mc:Choice xmlns:p14="http://schemas.microsoft.com/office/powerpoint/2010/main" Requires="p14">
       <p:transition p14:dur="300">
         <p:fade/>
       </p:transition>
     </mc:Choice>
-    <mc:Fallback xmlns="">
+    <mc:Fallback>
       <p:transition>
         <p:fade/>
       </p:transition>
@@ -20428,13 +20428,13 @@
   <p:clrMapOvr>
     <a:masterClrMapping/>
   </p:clrMapOvr>
-  <mc:AlternateContent xmlns:mc="http://schemas.openxmlformats.org/markup-compatibility/2006" xmlns:p14="http://schemas.microsoft.com/office/powerpoint/2010/main">
-    <mc:Choice Requires="p14">
+  <mc:AlternateContent xmlns:mc="http://schemas.openxmlformats.org/markup-compatibility/2006">
+    <mc:Choice xmlns:p14="http://schemas.microsoft.com/office/powerpoint/2010/main" Requires="p14">
       <p:transition p14:dur="300">
         <p:fade/>
       </p:transition>
     </mc:Choice>
-    <mc:Fallback xmlns="">
+    <mc:Fallback>
       <p:transition>
         <p:fade/>
       </p:transition>
@@ -20520,13 +20520,13 @@
   <p:clrMapOvr>
     <a:masterClrMapping/>
   </p:clrMapOvr>
-  <mc:AlternateContent xmlns:mc="http://schemas.openxmlformats.org/markup-compatibility/2006" xmlns:p14="http://schemas.microsoft.com/office/powerpoint/2010/main">
-    <mc:Choice Requires="p14">
+  <mc:AlternateContent xmlns:mc="http://schemas.openxmlformats.org/markup-compatibility/2006">
+    <mc:Choice xmlns:p14="http://schemas.microsoft.com/office/powerpoint/2010/main" Requires="p14">
       <p:transition p14:dur="300">
         <p:fade/>
       </p:transition>
     </mc:Choice>
-    <mc:Fallback xmlns="">
+    <mc:Fallback>
       <p:transition>
         <p:fade/>
       </p:transition>
@@ -20612,13 +20612,13 @@
   <p:clrMapOvr>
     <a:masterClrMapping/>
   </p:clrMapOvr>
-  <mc:AlternateContent xmlns:mc="http://schemas.openxmlformats.org/markup-compatibility/2006" xmlns:p14="http://schemas.microsoft.com/office/powerpoint/2010/main">
-    <mc:Choice Requires="p14">
+  <mc:AlternateContent xmlns:mc="http://schemas.openxmlformats.org/markup-compatibility/2006">
+    <mc:Choice xmlns:p14="http://schemas.microsoft.com/office/powerpoint/2010/main" Requires="p14">
       <p:transition p14:dur="300">
         <p:fade/>
       </p:transition>
     </mc:Choice>
-    <mc:Fallback xmlns="">
+    <mc:Fallback>
       <p:transition>
         <p:fade/>
       </p:transition>
@@ -20712,13 +20712,13 @@
   <p:clrMapOvr>
     <a:masterClrMapping/>
   </p:clrMapOvr>
-  <mc:AlternateContent xmlns:mc="http://schemas.openxmlformats.org/markup-compatibility/2006" xmlns:p14="http://schemas.microsoft.com/office/powerpoint/2010/main">
-    <mc:Choice Requires="p14">
+  <mc:AlternateContent xmlns:mc="http://schemas.openxmlformats.org/markup-compatibility/2006">
+    <mc:Choice xmlns:p14="http://schemas.microsoft.com/office/powerpoint/2010/main" Requires="p14">
       <p:transition p14:dur="300">
         <p:fade/>
       </p:transition>
     </mc:Choice>
-    <mc:Fallback xmlns="">
+    <mc:Fallback>
       <p:transition>
         <p:fade/>
       </p:transition>
@@ -20804,13 +20804,13 @@
   <p:clrMapOvr>
     <a:masterClrMapping/>
   </p:clrMapOvr>
-  <mc:AlternateContent xmlns:mc="http://schemas.openxmlformats.org/markup-compatibility/2006" xmlns:p14="http://schemas.microsoft.com/office/powerpoint/2010/main">
-    <mc:Choice Requires="p14">
+  <mc:AlternateContent xmlns:mc="http://schemas.openxmlformats.org/markup-compatibility/2006">
+    <mc:Choice xmlns:p14="http://schemas.microsoft.com/office/powerpoint/2010/main" Requires="p14">
       <p:transition p14:dur="300">
         <p:fade/>
       </p:transition>
     </mc:Choice>
-    <mc:Fallback xmlns="">
+    <mc:Fallback>
       <p:transition>
         <p:fade/>
       </p:transition>
@@ -20896,13 +20896,13 @@
   <p:clrMapOvr>
     <a:masterClrMapping/>
   </p:clrMapOvr>
-  <mc:AlternateContent xmlns:mc="http://schemas.openxmlformats.org/markup-compatibility/2006" xmlns:p14="http://schemas.microsoft.com/office/powerpoint/2010/main">
-    <mc:Choice Requires="p14">
+  <mc:AlternateContent xmlns:mc="http://schemas.openxmlformats.org/markup-compatibility/2006">
+    <mc:Choice xmlns:p14="http://schemas.microsoft.com/office/powerpoint/2010/main" Requires="p14">
       <p:transition p14:dur="300">
         <p:fade/>
       </p:transition>
     </mc:Choice>
-    <mc:Fallback xmlns="">
+    <mc:Fallback>
       <p:transition>
         <p:fade/>
       </p:transition>
@@ -20988,13 +20988,13 @@
   <p:clrMapOvr>
     <a:masterClrMapping/>
   </p:clrMapOvr>
-  <mc:AlternateContent xmlns:mc="http://schemas.openxmlformats.org/markup-compatibility/2006" xmlns:p14="http://schemas.microsoft.com/office/powerpoint/2010/main">
-    <mc:Choice Requires="p14">
+  <mc:AlternateContent xmlns:mc="http://schemas.openxmlformats.org/markup-compatibility/2006">
+    <mc:Choice xmlns:p14="http://schemas.microsoft.com/office/powerpoint/2010/main" Requires="p14">
       <p:transition p14:dur="300">
         <p:fade/>
       </p:transition>
     </mc:Choice>
-    <mc:Fallback xmlns="">
+    <mc:Fallback>
       <p:transition>
         <p:fade/>
       </p:transition>
@@ -21080,13 +21080,13 @@
   <p:clrMapOvr>
     <a:masterClrMapping/>
   </p:clrMapOvr>
-  <mc:AlternateContent xmlns:mc="http://schemas.openxmlformats.org/markup-compatibility/2006" xmlns:p14="http://schemas.microsoft.com/office/powerpoint/2010/main">
-    <mc:Choice Requires="p14">
+  <mc:AlternateContent xmlns:mc="http://schemas.openxmlformats.org/markup-compatibility/2006">
+    <mc:Choice xmlns:p14="http://schemas.microsoft.com/office/powerpoint/2010/main" Requires="p14">
       <p:transition p14:dur="300">
         <p:fade/>
       </p:transition>
     </mc:Choice>
-    <mc:Fallback xmlns="">
+    <mc:Fallback>
       <p:transition>
         <p:fade/>
       </p:transition>
@@ -21172,13 +21172,13 @@
   <p:clrMapOvr>
     <a:masterClrMapping/>
   </p:clrMapOvr>
-  <mc:AlternateContent xmlns:mc="http://schemas.openxmlformats.org/markup-compatibility/2006" xmlns:p14="http://schemas.microsoft.com/office/powerpoint/2010/main">
-    <mc:Choice Requires="p14">
+  <mc:AlternateContent xmlns:mc="http://schemas.openxmlformats.org/markup-compatibility/2006">
+    <mc:Choice xmlns:p14="http://schemas.microsoft.com/office/powerpoint/2010/main" Requires="p14">
       <p:transition p14:dur="300">
         <p:fade/>
       </p:transition>
     </mc:Choice>
-    <mc:Fallback xmlns="">
+    <mc:Fallback>
       <p:transition>
         <p:fade/>
       </p:transition>
@@ -21264,13 +21264,13 @@
   <p:clrMapOvr>
     <a:masterClrMapping/>
   </p:clrMapOvr>
-  <mc:AlternateContent xmlns:mc="http://schemas.openxmlformats.org/markup-compatibility/2006" xmlns:p14="http://schemas.microsoft.com/office/powerpoint/2010/main">
-    <mc:Choice Requires="p14">
+  <mc:AlternateContent xmlns:mc="http://schemas.openxmlformats.org/markup-compatibility/2006">
+    <mc:Choice xmlns:p14="http://schemas.microsoft.com/office/powerpoint/2010/main" Requires="p14">
       <p:transition p14:dur="300">
         <p:fade/>
       </p:transition>
     </mc:Choice>
-    <mc:Fallback xmlns="">
+    <mc:Fallback>
       <p:transition>
         <p:fade/>
       </p:transition>
@@ -21356,13 +21356,13 @@
   <p:clrMapOvr>
     <a:masterClrMapping/>
   </p:clrMapOvr>
-  <mc:AlternateContent xmlns:mc="http://schemas.openxmlformats.org/markup-compatibility/2006" xmlns:p14="http://schemas.microsoft.com/office/powerpoint/2010/main">
-    <mc:Choice Requires="p14">
+  <mc:AlternateContent xmlns:mc="http://schemas.openxmlformats.org/markup-compatibility/2006">
+    <mc:Choice xmlns:p14="http://schemas.microsoft.com/office/powerpoint/2010/main" Requires="p14">
       <p:transition p14:dur="300">
         <p:fade/>
       </p:transition>
     </mc:Choice>
-    <mc:Fallback xmlns="">
+    <mc:Fallback>
       <p:transition>
         <p:fade/>
       </p:transition>
@@ -21448,13 +21448,13 @@
   <p:clrMapOvr>
     <a:masterClrMapping/>
   </p:clrMapOvr>
-  <mc:AlternateContent xmlns:mc="http://schemas.openxmlformats.org/markup-compatibility/2006" xmlns:p14="http://schemas.microsoft.com/office/powerpoint/2010/main">
-    <mc:Choice Requires="p14">
+  <mc:AlternateContent xmlns:mc="http://schemas.openxmlformats.org/markup-compatibility/2006">
+    <mc:Choice xmlns:p14="http://schemas.microsoft.com/office/powerpoint/2010/main" Requires="p14">
       <p:transition p14:dur="300">
         <p:fade/>
       </p:transition>
     </mc:Choice>
-    <mc:Fallback xmlns="">
+    <mc:Fallback>
       <p:transition>
         <p:fade/>
       </p:transition>
@@ -21547,13 +21547,13 @@
   <p:clrMapOvr>
     <a:masterClrMapping/>
   </p:clrMapOvr>
-  <mc:AlternateContent xmlns:mc="http://schemas.openxmlformats.org/markup-compatibility/2006" xmlns:p14="http://schemas.microsoft.com/office/powerpoint/2010/main">
-    <mc:Choice Requires="p14">
+  <mc:AlternateContent xmlns:mc="http://schemas.openxmlformats.org/markup-compatibility/2006">
+    <mc:Choice xmlns:p14="http://schemas.microsoft.com/office/powerpoint/2010/main" Requires="p14">
       <p:transition p14:dur="300">
         <p:fade/>
       </p:transition>
     </mc:Choice>
-    <mc:Fallback xmlns="">
+    <mc:Fallback>
       <p:transition>
         <p:fade/>
       </p:transition>
@@ -21646,13 +21646,13 @@
   <p:clrMapOvr>
     <a:masterClrMapping/>
   </p:clrMapOvr>
-  <mc:AlternateContent xmlns:mc="http://schemas.openxmlformats.org/markup-compatibility/2006" xmlns:p14="http://schemas.microsoft.com/office/powerpoint/2010/main">
-    <mc:Choice Requires="p14">
+  <mc:AlternateContent xmlns:mc="http://schemas.openxmlformats.org/markup-compatibility/2006">
+    <mc:Choice xmlns:p14="http://schemas.microsoft.com/office/powerpoint/2010/main" Requires="p14">
       <p:transition p14:dur="300">
         <p:fade/>
       </p:transition>
     </mc:Choice>
-    <mc:Fallback xmlns="">
+    <mc:Fallback>
       <p:transition>
         <p:fade/>
       </p:transition>
@@ -21761,13 +21761,13 @@
   <p:clrMapOvr>
     <a:masterClrMapping/>
   </p:clrMapOvr>
-  <mc:AlternateContent xmlns:mc="http://schemas.openxmlformats.org/markup-compatibility/2006" xmlns:p14="http://schemas.microsoft.com/office/powerpoint/2010/main">
-    <mc:Choice Requires="p14">
+  <mc:AlternateContent xmlns:mc="http://schemas.openxmlformats.org/markup-compatibility/2006">
+    <mc:Choice xmlns:p14="http://schemas.microsoft.com/office/powerpoint/2010/main" Requires="p14">
       <p:transition p14:dur="300">
         <p:fade/>
       </p:transition>
     </mc:Choice>
-    <mc:Fallback xmlns="">
+    <mc:Fallback>
       <p:transition>
         <p:fade/>
       </p:transition>
@@ -21853,13 +21853,13 @@
   <p:clrMapOvr>
     <a:masterClrMapping/>
   </p:clrMapOvr>
-  <mc:AlternateContent xmlns:mc="http://schemas.openxmlformats.org/markup-compatibility/2006" xmlns:p14="http://schemas.microsoft.com/office/powerpoint/2010/main">
-    <mc:Choice Requires="p14">
+  <mc:AlternateContent xmlns:mc="http://schemas.openxmlformats.org/markup-compatibility/2006">
+    <mc:Choice xmlns:p14="http://schemas.microsoft.com/office/powerpoint/2010/main" Requires="p14">
       <p:transition p14:dur="300">
         <p:fade/>
       </p:transition>
     </mc:Choice>
-    <mc:Fallback xmlns="">
+    <mc:Fallback>
       <p:transition>
         <p:fade/>
       </p:transition>
@@ -21945,13 +21945,13 @@
   <p:clrMapOvr>
     <a:masterClrMapping/>
   </p:clrMapOvr>
-  <mc:AlternateContent xmlns:mc="http://schemas.openxmlformats.org/markup-compatibility/2006" xmlns:p14="http://schemas.microsoft.com/office/powerpoint/2010/main">
-    <mc:Choice Requires="p14">
+  <mc:AlternateContent xmlns:mc="http://schemas.openxmlformats.org/markup-compatibility/2006">
+    <mc:Choice xmlns:p14="http://schemas.microsoft.com/office/powerpoint/2010/main" Requires="p14">
       <p:transition p14:dur="300">
         <p:fade/>
       </p:transition>
     </mc:Choice>
-    <mc:Fallback xmlns="">
+    <mc:Fallback>
       <p:transition>
         <p:fade/>
       </p:transition>
@@ -22045,13 +22045,13 @@
   <p:clrMapOvr>
     <a:masterClrMapping/>
   </p:clrMapOvr>
-  <mc:AlternateContent xmlns:mc="http://schemas.openxmlformats.org/markup-compatibility/2006" xmlns:p14="http://schemas.microsoft.com/office/powerpoint/2010/main">
-    <mc:Choice Requires="p14">
+  <mc:AlternateContent xmlns:mc="http://schemas.openxmlformats.org/markup-compatibility/2006">
+    <mc:Choice xmlns:p14="http://schemas.microsoft.com/office/powerpoint/2010/main" Requires="p14">
       <p:transition p14:dur="300">
         <p:fade/>
       </p:transition>
     </mc:Choice>
-    <mc:Fallback xmlns="">
+    <mc:Fallback>
       <p:transition>
         <p:fade/>
       </p:transition>
@@ -22153,13 +22153,13 @@
   <p:clrMapOvr>
     <a:masterClrMapping/>
   </p:clrMapOvr>
-  <mc:AlternateContent xmlns:mc="http://schemas.openxmlformats.org/markup-compatibility/2006" xmlns:p14="http://schemas.microsoft.com/office/powerpoint/2010/main">
-    <mc:Choice Requires="p14">
+  <mc:AlternateContent xmlns:mc="http://schemas.openxmlformats.org/markup-compatibility/2006">
+    <mc:Choice xmlns:p14="http://schemas.microsoft.com/office/powerpoint/2010/main" Requires="p14">
       <p:transition p14:dur="300">
         <p:fade/>
       </p:transition>
     </mc:Choice>
-    <mc:Fallback xmlns="">
+    <mc:Fallback>
       <p:transition>
         <p:fade/>
       </p:transition>
@@ -22252,13 +22252,13 @@
   <p:clrMapOvr>
     <a:masterClrMapping/>
   </p:clrMapOvr>
-  <mc:AlternateContent xmlns:mc="http://schemas.openxmlformats.org/markup-compatibility/2006" xmlns:p14="http://schemas.microsoft.com/office/powerpoint/2010/main">
-    <mc:Choice Requires="p14">
+  <mc:AlternateContent xmlns:mc="http://schemas.openxmlformats.org/markup-compatibility/2006">
+    <mc:Choice xmlns:p14="http://schemas.microsoft.com/office/powerpoint/2010/main" Requires="p14">
       <p:transition p14:dur="300">
         <p:fade/>
       </p:transition>
     </mc:Choice>
-    <mc:Fallback xmlns="">
+    <mc:Fallback>
       <p:transition>
         <p:fade/>
       </p:transition>
@@ -22352,13 +22352,13 @@
   <p:clrMapOvr>
     <a:masterClrMapping/>
   </p:clrMapOvr>
-  <mc:AlternateContent xmlns:mc="http://schemas.openxmlformats.org/markup-compatibility/2006" xmlns:p14="http://schemas.microsoft.com/office/powerpoint/2010/main">
-    <mc:Choice Requires="p14">
+  <mc:AlternateContent xmlns:mc="http://schemas.openxmlformats.org/markup-compatibility/2006">
+    <mc:Choice xmlns:p14="http://schemas.microsoft.com/office/powerpoint/2010/main" Requires="p14">
       <p:transition p14:dur="300">
         <p:fade/>
       </p:transition>
     </mc:Choice>
-    <mc:Fallback xmlns="">
+    <mc:Fallback>
       <p:transition>
         <p:fade/>
       </p:transition>
@@ -22444,13 +22444,13 @@
   <p:clrMapOvr>
     <a:masterClrMapping/>
   </p:clrMapOvr>
-  <mc:AlternateContent xmlns:mc="http://schemas.openxmlformats.org/markup-compatibility/2006" xmlns:p14="http://schemas.microsoft.com/office/powerpoint/2010/main">
-    <mc:Choice Requires="p14">
+  <mc:AlternateContent xmlns:mc="http://schemas.openxmlformats.org/markup-compatibility/2006">
+    <mc:Choice xmlns:p14="http://schemas.microsoft.com/office/powerpoint/2010/main" Requires="p14">
       <p:transition p14:dur="300">
         <p:fade/>
       </p:transition>
     </mc:Choice>
-    <mc:Fallback xmlns="">
+    <mc:Fallback>
       <p:transition>
         <p:fade/>
       </p:transition>
@@ -22536,13 +22536,13 @@
   <p:clrMapOvr>
     <a:masterClrMapping/>
   </p:clrMapOvr>
-  <mc:AlternateContent xmlns:mc="http://schemas.openxmlformats.org/markup-compatibility/2006" xmlns:p14="http://schemas.microsoft.com/office/powerpoint/2010/main">
-    <mc:Choice Requires="p14">
+  <mc:AlternateContent xmlns:mc="http://schemas.openxmlformats.org/markup-compatibility/2006">
+    <mc:Choice xmlns:p14="http://schemas.microsoft.com/office/powerpoint/2010/main" Requires="p14">
       <p:transition p14:dur="300">
         <p:fade/>
       </p:transition>
     </mc:Choice>
-    <mc:Fallback xmlns="">
+    <mc:Fallback>
       <p:transition>
         <p:fade/>
       </p:transition>
@@ -22636,13 +22636,13 @@
   <p:clrMapOvr>
     <a:masterClrMapping/>
   </p:clrMapOvr>
-  <mc:AlternateContent xmlns:mc="http://schemas.openxmlformats.org/markup-compatibility/2006" xmlns:p14="http://schemas.microsoft.com/office/powerpoint/2010/main">
-    <mc:Choice Requires="p14">
+  <mc:AlternateContent xmlns:mc="http://schemas.openxmlformats.org/markup-compatibility/2006">
+    <mc:Choice xmlns:p14="http://schemas.microsoft.com/office/powerpoint/2010/main" Requires="p14">
       <p:transition p14:dur="300">
         <p:fade/>
       </p:transition>
     </mc:Choice>
-    <mc:Fallback xmlns="">
+    <mc:Fallback>
       <p:transition>
         <p:fade/>
       </p:transition>
@@ -22736,13 +22736,13 @@
   <p:clrMapOvr>
     <a:masterClrMapping/>
   </p:clrMapOvr>
-  <mc:AlternateContent xmlns:mc="http://schemas.openxmlformats.org/markup-compatibility/2006" xmlns:p14="http://schemas.microsoft.com/office/powerpoint/2010/main">
-    <mc:Choice Requires="p14">
+  <mc:AlternateContent xmlns:mc="http://schemas.openxmlformats.org/markup-compatibility/2006">
+    <mc:Choice xmlns:p14="http://schemas.microsoft.com/office/powerpoint/2010/main" Requires="p14">
       <p:transition p14:dur="300">
         <p:fade/>
       </p:transition>
     </mc:Choice>
-    <mc:Fallback xmlns="">
+    <mc:Fallback>
       <p:transition>
         <p:fade/>
       </p:transition>
@@ -22828,13 +22828,13 @@
   <p:clrMapOvr>
     <a:masterClrMapping/>
   </p:clrMapOvr>
-  <mc:AlternateContent xmlns:mc="http://schemas.openxmlformats.org/markup-compatibility/2006" xmlns:p14="http://schemas.microsoft.com/office/powerpoint/2010/main">
-    <mc:Choice Requires="p14">
+  <mc:AlternateContent xmlns:mc="http://schemas.openxmlformats.org/markup-compatibility/2006">
+    <mc:Choice xmlns:p14="http://schemas.microsoft.com/office/powerpoint/2010/main" Requires="p14">
       <p:transition p14:dur="300">
         <p:fade/>
       </p:transition>
     </mc:Choice>
-    <mc:Fallback xmlns="">
+    <mc:Fallback>
       <p:transition>
         <p:fade/>
       </p:transition>
@@ -22920,13 +22920,13 @@
   <p:clrMapOvr>
     <a:masterClrMapping/>
   </p:clrMapOvr>
-  <mc:AlternateContent xmlns:mc="http://schemas.openxmlformats.org/markup-compatibility/2006" xmlns:p14="http://schemas.microsoft.com/office/powerpoint/2010/main">
-    <mc:Choice Requires="p14">
+  <mc:AlternateContent xmlns:mc="http://schemas.openxmlformats.org/markup-compatibility/2006">
+    <mc:Choice xmlns:p14="http://schemas.microsoft.com/office/powerpoint/2010/main" Requires="p14">
       <p:transition p14:dur="300">
         <p:fade/>
       </p:transition>
     </mc:Choice>
-    <mc:Fallback xmlns="">
+    <mc:Fallback>
       <p:transition>
         <p:fade/>
       </p:transition>
@@ -23012,13 +23012,13 @@
   <p:clrMapOvr>
     <a:masterClrMapping/>
   </p:clrMapOvr>
-  <mc:AlternateContent xmlns:mc="http://schemas.openxmlformats.org/markup-compatibility/2006" xmlns:p14="http://schemas.microsoft.com/office/powerpoint/2010/main">
-    <mc:Choice Requires="p14">
+  <mc:AlternateContent xmlns:mc="http://schemas.openxmlformats.org/markup-compatibility/2006">
+    <mc:Choice xmlns:p14="http://schemas.microsoft.com/office/powerpoint/2010/main" Requires="p14">
       <p:transition p14:dur="300">
         <p:fade/>
       </p:transition>
     </mc:Choice>
-    <mc:Fallback xmlns="">
+    <mc:Fallback>
       <p:transition>
         <p:fade/>
       </p:transition>
@@ -23104,13 +23104,13 @@
   <p:clrMapOvr>
     <a:masterClrMapping/>
   </p:clrMapOvr>
-  <mc:AlternateContent xmlns:mc="http://schemas.openxmlformats.org/markup-compatibility/2006" xmlns:p14="http://schemas.microsoft.com/office/powerpoint/2010/main">
-    <mc:Choice Requires="p14">
+  <mc:AlternateContent xmlns:mc="http://schemas.openxmlformats.org/markup-compatibility/2006">
+    <mc:Choice xmlns:p14="http://schemas.microsoft.com/office/powerpoint/2010/main" Requires="p14">
       <p:transition p14:dur="300">
         <p:fade/>
       </p:transition>
     </mc:Choice>
-    <mc:Fallback xmlns="">
+    <mc:Fallback>
       <p:transition>
         <p:fade/>
       </p:transition>
@@ -23196,13 +23196,13 @@
   <p:clrMapOvr>
     <a:masterClrMapping/>
   </p:clrMapOvr>
-  <mc:AlternateContent xmlns:mc="http://schemas.openxmlformats.org/markup-compatibility/2006" xmlns:p14="http://schemas.microsoft.com/office/powerpoint/2010/main">
-    <mc:Choice Requires="p14">
+  <mc:AlternateContent xmlns:mc="http://schemas.openxmlformats.org/markup-compatibility/2006">
+    <mc:Choice xmlns:p14="http://schemas.microsoft.com/office/powerpoint/2010/main" Requires="p14">
       <p:transition p14:dur="300">
         <p:fade/>
       </p:transition>
     </mc:Choice>
-    <mc:Fallback xmlns="">
+    <mc:Fallback>
       <p:transition>
         <p:fade/>
       </p:transition>
@@ -23288,13 +23288,13 @@
   <p:clrMapOvr>
     <a:masterClrMapping/>
   </p:clrMapOvr>
-  <mc:AlternateContent xmlns:mc="http://schemas.openxmlformats.org/markup-compatibility/2006" xmlns:p14="http://schemas.microsoft.com/office/powerpoint/2010/main">
-    <mc:Choice Requires="p14">
+  <mc:AlternateContent xmlns:mc="http://schemas.openxmlformats.org/markup-compatibility/2006">
+    <mc:Choice xmlns:p14="http://schemas.microsoft.com/office/powerpoint/2010/main" Requires="p14">
       <p:transition p14:dur="300">
         <p:fade/>
       </p:transition>
     </mc:Choice>
-    <mc:Fallback xmlns="">
+    <mc:Fallback>
       <p:transition>
         <p:fade/>
       </p:transition>
@@ -23406,13 +23406,13 @@
   <p:clrMapOvr>
     <a:masterClrMapping/>
   </p:clrMapOvr>
-  <mc:AlternateContent xmlns:mc="http://schemas.openxmlformats.org/markup-compatibility/2006" xmlns:p14="http://schemas.microsoft.com/office/powerpoint/2010/main">
-    <mc:Choice Requires="p14">
+  <mc:AlternateContent xmlns:mc="http://schemas.openxmlformats.org/markup-compatibility/2006">
+    <mc:Choice xmlns:p14="http://schemas.microsoft.com/office/powerpoint/2010/main" Requires="p14">
       <p:transition p14:dur="300">
         <p:fade/>
       </p:transition>
     </mc:Choice>
-    <mc:Fallback xmlns="">
+    <mc:Fallback>
       <p:transition>
         <p:fade/>
       </p:transition>
@@ -23498,13 +23498,13 @@
   <p:clrMapOvr>
     <a:masterClrMapping/>
   </p:clrMapOvr>
-  <mc:AlternateContent xmlns:mc="http://schemas.openxmlformats.org/markup-compatibility/2006" xmlns:p14="http://schemas.microsoft.com/office/powerpoint/2010/main">
-    <mc:Choice Requires="p14">
+  <mc:AlternateContent xmlns:mc="http://schemas.openxmlformats.org/markup-compatibility/2006">
+    <mc:Choice xmlns:p14="http://schemas.microsoft.com/office/powerpoint/2010/main" Requires="p14">
       <p:transition p14:dur="300">
         <p:fade/>
       </p:transition>
     </mc:Choice>
-    <mc:Fallback xmlns="">
+    <mc:Fallback>
       <p:transition>
         <p:fade/>
       </p:transition>
@@ -23598,13 +23598,13 @@
   <p:clrMapOvr>
     <a:masterClrMapping/>
   </p:clrMapOvr>
-  <mc:AlternateContent xmlns:mc="http://schemas.openxmlformats.org/markup-compatibility/2006" xmlns:p14="http://schemas.microsoft.com/office/powerpoint/2010/main">
-    <mc:Choice Requires="p14">
+  <mc:AlternateContent xmlns:mc="http://schemas.openxmlformats.org/markup-compatibility/2006">
+    <mc:Choice xmlns:p14="http://schemas.microsoft.com/office/powerpoint/2010/main" Requires="p14">
       <p:transition p14:dur="300">
         <p:fade/>
       </p:transition>
     </mc:Choice>
-    <mc:Fallback xmlns="">
+    <mc:Fallback>
       <p:transition>
         <p:fade/>
       </p:transition>
@@ -23690,13 +23690,13 @@
   <p:clrMapOvr>
     <a:masterClrMapping/>
   </p:clrMapOvr>
-  <mc:AlternateContent xmlns:mc="http://schemas.openxmlformats.org/markup-compatibility/2006" xmlns:p14="http://schemas.microsoft.com/office/powerpoint/2010/main">
-    <mc:Choice Requires="p14">
+  <mc:AlternateContent xmlns:mc="http://schemas.openxmlformats.org/markup-compatibility/2006">
+    <mc:Choice xmlns:p14="http://schemas.microsoft.com/office/powerpoint/2010/main" Requires="p14">
       <p:transition p14:dur="300">
         <p:fade/>
       </p:transition>
     </mc:Choice>
-    <mc:Fallback xmlns="">
+    <mc:Fallback>
       <p:transition>
         <p:fade/>
       </p:transition>
@@ -23782,13 +23782,13 @@
   <p:clrMapOvr>
     <a:masterClrMapping/>
   </p:clrMapOvr>
-  <mc:AlternateContent xmlns:mc="http://schemas.openxmlformats.org/markup-compatibility/2006" xmlns:p14="http://schemas.microsoft.com/office/powerpoint/2010/main">
-    <mc:Choice Requires="p14">
+  <mc:AlternateContent xmlns:mc="http://schemas.openxmlformats.org/markup-compatibility/2006">
+    <mc:Choice xmlns:p14="http://schemas.microsoft.com/office/powerpoint/2010/main" Requires="p14">
       <p:transition p14:dur="300">
         <p:fade/>
       </p:transition>
     </mc:Choice>
-    <mc:Fallback xmlns="">
+    <mc:Fallback>
       <p:transition>
         <p:fade/>
       </p:transition>
@@ -23874,13 +23874,13 @@
   <p:clrMapOvr>
     <a:masterClrMapping/>
   </p:clrMapOvr>
-  <mc:AlternateContent xmlns:mc="http://schemas.openxmlformats.org/markup-compatibility/2006" xmlns:p14="http://schemas.microsoft.com/office/powerpoint/2010/main">
-    <mc:Choice Requires="p14">
+  <mc:AlternateContent xmlns:mc="http://schemas.openxmlformats.org/markup-compatibility/2006">
+    <mc:Choice xmlns:p14="http://schemas.microsoft.com/office/powerpoint/2010/main" Requires="p14">
       <p:transition p14:dur="300">
         <p:fade/>
       </p:transition>
     </mc:Choice>
-    <mc:Fallback xmlns="">
+    <mc:Fallback>
       <p:transition>
         <p:fade/>
       </p:transition>
@@ -23966,13 +23966,13 @@
   <p:clrMapOvr>
     <a:masterClrMapping/>
   </p:clrMapOvr>
-  <mc:AlternateContent xmlns:mc="http://schemas.openxmlformats.org/markup-compatibility/2006" xmlns:p14="http://schemas.microsoft.com/office/powerpoint/2010/main">
-    <mc:Choice Requires="p14">
+  <mc:AlternateContent xmlns:mc="http://schemas.openxmlformats.org/markup-compatibility/2006">
+    <mc:Choice xmlns:p14="http://schemas.microsoft.com/office/powerpoint/2010/main" Requires="p14">
       <p:transition p14:dur="300">
         <p:fade/>
       </p:transition>
     </mc:Choice>
-    <mc:Fallback xmlns="">
+    <mc:Fallback>
       <p:transition>
         <p:fade/>
       </p:transition>
@@ -24058,13 +24058,13 @@
   <p:clrMapOvr>
     <a:masterClrMapping/>
   </p:clrMapOvr>
-  <mc:AlternateContent xmlns:mc="http://schemas.openxmlformats.org/markup-compatibility/2006" xmlns:p14="http://schemas.microsoft.com/office/powerpoint/2010/main">
-    <mc:Choice Requires="p14">
+  <mc:AlternateContent xmlns:mc="http://schemas.openxmlformats.org/markup-compatibility/2006">
+    <mc:Choice xmlns:p14="http://schemas.microsoft.com/office/powerpoint/2010/main" Requires="p14">
       <p:transition p14:dur="300">
         <p:fade/>
       </p:transition>
     </mc:Choice>
-    <mc:Fallback xmlns="">
+    <mc:Fallback>
       <p:transition>
         <p:fade/>
       </p:transition>
@@ -24150,13 +24150,13 @@
   <p:clrMapOvr>
     <a:masterClrMapping/>
   </p:clrMapOvr>
-  <mc:AlternateContent xmlns:mc="http://schemas.openxmlformats.org/markup-compatibility/2006" xmlns:p14="http://schemas.microsoft.com/office/powerpoint/2010/main">
-    <mc:Choice Requires="p14">
+  <mc:AlternateContent xmlns:mc="http://schemas.openxmlformats.org/markup-compatibility/2006">
+    <mc:Choice xmlns:p14="http://schemas.microsoft.com/office/powerpoint/2010/main" Requires="p14">
       <p:transition p14:dur="300">
         <p:fade/>
       </p:transition>
     </mc:Choice>
-    <mc:Fallback xmlns="">
+    <mc:Fallback>
       <p:transition>
         <p:fade/>
       </p:transition>
@@ -24242,13 +24242,13 @@
   <p:clrMapOvr>
     <a:masterClrMapping/>
   </p:clrMapOvr>
-  <mc:AlternateContent xmlns:mc="http://schemas.openxmlformats.org/markup-compatibility/2006" xmlns:p14="http://schemas.microsoft.com/office/powerpoint/2010/main">
-    <mc:Choice Requires="p14">
+  <mc:AlternateContent xmlns:mc="http://schemas.openxmlformats.org/markup-compatibility/2006">
+    <mc:Choice xmlns:p14="http://schemas.microsoft.com/office/powerpoint/2010/main" Requires="p14">
       <p:transition p14:dur="300">
         <p:fade/>
       </p:transition>
     </mc:Choice>
-    <mc:Fallback xmlns="">
+    <mc:Fallback>
       <p:transition>
         <p:fade/>
       </p:transition>
@@ -24334,13 +24334,13 @@
   <p:clrMapOvr>
     <a:masterClrMapping/>
   </p:clrMapOvr>
-  <mc:AlternateContent xmlns:mc="http://schemas.openxmlformats.org/markup-compatibility/2006" xmlns:p14="http://schemas.microsoft.com/office/powerpoint/2010/main">
-    <mc:Choice Requires="p14">
+  <mc:AlternateContent xmlns:mc="http://schemas.openxmlformats.org/markup-compatibility/2006">
+    <mc:Choice xmlns:p14="http://schemas.microsoft.com/office/powerpoint/2010/main" Requires="p14">
       <p:transition p14:dur="300">
         <p:fade/>
       </p:transition>
     </mc:Choice>
-    <mc:Fallback xmlns="">
+    <mc:Fallback>
       <p:transition>
         <p:fade/>
       </p:transition>
@@ -24426,13 +24426,13 @@
   <p:clrMapOvr>
     <a:masterClrMapping/>
   </p:clrMapOvr>
-  <mc:AlternateContent xmlns:mc="http://schemas.openxmlformats.org/markup-compatibility/2006" xmlns:p14="http://schemas.microsoft.com/office/powerpoint/2010/main">
-    <mc:Choice Requires="p14">
+  <mc:AlternateContent xmlns:mc="http://schemas.openxmlformats.org/markup-compatibility/2006">
+    <mc:Choice xmlns:p14="http://schemas.microsoft.com/office/powerpoint/2010/main" Requires="p14">
       <p:transition p14:dur="300">
         <p:fade/>
       </p:transition>
     </mc:Choice>
-    <mc:Fallback xmlns="">
+    <mc:Fallback>
       <p:transition>
         <p:fade/>
       </p:transition>
@@ -24522,13 +24522,13 @@
   <p:clrMapOvr>
     <a:masterClrMapping/>
   </p:clrMapOvr>
-  <mc:AlternateContent xmlns:mc="http://schemas.openxmlformats.org/markup-compatibility/2006" xmlns:p14="http://schemas.microsoft.com/office/powerpoint/2010/main">
-    <mc:Choice Requires="p14">
+  <mc:AlternateContent xmlns:mc="http://schemas.openxmlformats.org/markup-compatibility/2006">
+    <mc:Choice xmlns:p14="http://schemas.microsoft.com/office/powerpoint/2010/main" Requires="p14">
       <p:transition p14:dur="300">
         <p:fade/>
       </p:transition>
     </mc:Choice>
-    <mc:Fallback xmlns="">
+    <mc:Fallback>
       <p:transition>
         <p:fade/>
       </p:transition>
@@ -24614,13 +24614,13 @@
   <p:clrMapOvr>
     <a:masterClrMapping/>
   </p:clrMapOvr>
-  <mc:AlternateContent xmlns:mc="http://schemas.openxmlformats.org/markup-compatibility/2006" xmlns:p14="http://schemas.microsoft.com/office/powerpoint/2010/main">
-    <mc:Choice Requires="p14">
+  <mc:AlternateContent xmlns:mc="http://schemas.openxmlformats.org/markup-compatibility/2006">
+    <mc:Choice xmlns:p14="http://schemas.microsoft.com/office/powerpoint/2010/main" Requires="p14">
       <p:transition p14:dur="300">
         <p:fade/>
       </p:transition>
     </mc:Choice>
-    <mc:Fallback xmlns="">
+    <mc:Fallback>
       <p:transition>
         <p:fade/>
       </p:transition>
@@ -24719,13 +24719,13 @@
   <p:clrMapOvr>
     <a:masterClrMapping/>
   </p:clrMapOvr>
-  <mc:AlternateContent xmlns:mc="http://schemas.openxmlformats.org/markup-compatibility/2006" xmlns:p14="http://schemas.microsoft.com/office/powerpoint/2010/main">
-    <mc:Choice Requires="p14">
+  <mc:AlternateContent xmlns:mc="http://schemas.openxmlformats.org/markup-compatibility/2006">
+    <mc:Choice xmlns:p14="http://schemas.microsoft.com/office/powerpoint/2010/main" Requires="p14">
       <p:transition p14:dur="300">
         <p:fade/>
       </p:transition>
     </mc:Choice>
-    <mc:Fallback xmlns="">
+    <mc:Fallback>
       <p:transition>
         <p:fade/>
       </p:transition>
@@ -24811,13 +24811,13 @@
   <p:clrMapOvr>
     <a:masterClrMapping/>
   </p:clrMapOvr>
-  <mc:AlternateContent xmlns:mc="http://schemas.openxmlformats.org/markup-compatibility/2006" xmlns:p14="http://schemas.microsoft.com/office/powerpoint/2010/main">
-    <mc:Choice Requires="p14">
+  <mc:AlternateContent xmlns:mc="http://schemas.openxmlformats.org/markup-compatibility/2006">
+    <mc:Choice xmlns:p14="http://schemas.microsoft.com/office/powerpoint/2010/main" Requires="p14">
       <p:transition p14:dur="300">
         <p:fade/>
       </p:transition>
     </mc:Choice>
-    <mc:Fallback xmlns="">
+    <mc:Fallback>
       <p:transition>
         <p:fade/>
       </p:transition>
@@ -24903,13 +24903,13 @@
   <p:clrMapOvr>
     <a:masterClrMapping/>
   </p:clrMapOvr>
-  <mc:AlternateContent xmlns:mc="http://schemas.openxmlformats.org/markup-compatibility/2006" xmlns:p14="http://schemas.microsoft.com/office/powerpoint/2010/main">
-    <mc:Choice Requires="p14">
+  <mc:AlternateContent xmlns:mc="http://schemas.openxmlformats.org/markup-compatibility/2006">
+    <mc:Choice xmlns:p14="http://schemas.microsoft.com/office/powerpoint/2010/main" Requires="p14">
       <p:transition p14:dur="300">
         <p:fade/>
       </p:transition>
     </mc:Choice>
-    <mc:Fallback xmlns="">
+    <mc:Fallback>
       <p:transition>
         <p:fade/>
       </p:transition>
@@ -25002,13 +25002,13 @@
   <p:clrMapOvr>
     <a:masterClrMapping/>
   </p:clrMapOvr>
-  <mc:AlternateContent xmlns:mc="http://schemas.openxmlformats.org/markup-compatibility/2006" xmlns:p14="http://schemas.microsoft.com/office/powerpoint/2010/main">
-    <mc:Choice Requires="p14">
+  <mc:AlternateContent xmlns:mc="http://schemas.openxmlformats.org/markup-compatibility/2006">
+    <mc:Choice xmlns:p14="http://schemas.microsoft.com/office/powerpoint/2010/main" Requires="p14">
       <p:transition p14:dur="300">
         <p:fade/>
       </p:transition>
     </mc:Choice>
-    <mc:Fallback xmlns="">
+    <mc:Fallback>
       <p:transition>
         <p:fade/>
       </p:transition>
@@ -25105,13 +25105,13 @@
   <p:clrMapOvr>
     <a:masterClrMapping/>
   </p:clrMapOvr>
-  <mc:AlternateContent xmlns:mc="http://schemas.openxmlformats.org/markup-compatibility/2006" xmlns:p14="http://schemas.microsoft.com/office/powerpoint/2010/main">
-    <mc:Choice Requires="p14">
+  <mc:AlternateContent xmlns:mc="http://schemas.openxmlformats.org/markup-compatibility/2006">
+    <mc:Choice xmlns:p14="http://schemas.microsoft.com/office/powerpoint/2010/main" Requires="p14">
       <p:transition p14:dur="300">
         <p:fade/>
       </p:transition>
     </mc:Choice>
-    <mc:Fallback xmlns="">
+    <mc:Fallback>
       <p:transition>
         <p:fade/>
       </p:transition>
@@ -25197,13 +25197,13 @@
   <p:clrMapOvr>
     <a:masterClrMapping/>
   </p:clrMapOvr>
-  <mc:AlternateContent xmlns:mc="http://schemas.openxmlformats.org/markup-compatibility/2006" xmlns:p14="http://schemas.microsoft.com/office/powerpoint/2010/main">
-    <mc:Choice Requires="p14">
+  <mc:AlternateContent xmlns:mc="http://schemas.openxmlformats.org/markup-compatibility/2006">
+    <mc:Choice xmlns:p14="http://schemas.microsoft.com/office/powerpoint/2010/main" Requires="p14">
       <p:transition p14:dur="300">
         <p:fade/>
       </p:transition>
     </mc:Choice>
-    <mc:Fallback xmlns="">
+    <mc:Fallback>
       <p:transition>
         <p:fade/>
       </p:transition>
@@ -25289,13 +25289,13 @@
   <p:clrMapOvr>
     <a:masterClrMapping/>
   </p:clrMapOvr>
-  <mc:AlternateContent xmlns:mc="http://schemas.openxmlformats.org/markup-compatibility/2006" xmlns:p14="http://schemas.microsoft.com/office/powerpoint/2010/main">
-    <mc:Choice Requires="p14">
+  <mc:AlternateContent xmlns:mc="http://schemas.openxmlformats.org/markup-compatibility/2006">
+    <mc:Choice xmlns:p14="http://schemas.microsoft.com/office/powerpoint/2010/main" Requires="p14">
       <p:transition p14:dur="300">
         <p:fade/>
       </p:transition>
     </mc:Choice>
-    <mc:Fallback xmlns="">
+    <mc:Fallback>
       <p:transition>
         <p:fade/>
       </p:transition>
@@ -25381,13 +25381,13 @@
   <p:clrMapOvr>
     <a:masterClrMapping/>
   </p:clrMapOvr>
-  <mc:AlternateContent xmlns:mc="http://schemas.openxmlformats.org/markup-compatibility/2006" xmlns:p14="http://schemas.microsoft.com/office/powerpoint/2010/main">
-    <mc:Choice Requires="p14">
+  <mc:AlternateContent xmlns:mc="http://schemas.openxmlformats.org/markup-compatibility/2006">
+    <mc:Choice xmlns:p14="http://schemas.microsoft.com/office/powerpoint/2010/main" Requires="p14">
       <p:transition p14:dur="300">
         <p:fade/>
       </p:transition>
     </mc:Choice>
-    <mc:Fallback xmlns="">
+    <mc:Fallback>
       <p:transition>
         <p:fade/>
       </p:transition>
@@ -25473,13 +25473,13 @@
   <p:clrMapOvr>
     <a:masterClrMapping/>
   </p:clrMapOvr>
-  <mc:AlternateContent xmlns:mc="http://schemas.openxmlformats.org/markup-compatibility/2006" xmlns:p14="http://schemas.microsoft.com/office/powerpoint/2010/main">
-    <mc:Choice Requires="p14">
+  <mc:AlternateContent xmlns:mc="http://schemas.openxmlformats.org/markup-compatibility/2006">
+    <mc:Choice xmlns:p14="http://schemas.microsoft.com/office/powerpoint/2010/main" Requires="p14">
       <p:transition p14:dur="300">
         <p:fade/>
       </p:transition>
     </mc:Choice>
-    <mc:Fallback xmlns="">
+    <mc:Fallback>
       <p:transition>
         <p:fade/>
       </p:transition>
@@ -25565,13 +25565,13 @@
   <p:clrMapOvr>
     <a:masterClrMapping/>
   </p:clrMapOvr>
-  <mc:AlternateContent xmlns:mc="http://schemas.openxmlformats.org/markup-compatibility/2006" xmlns:p14="http://schemas.microsoft.com/office/powerpoint/2010/main">
-    <mc:Choice Requires="p14">
+  <mc:AlternateContent xmlns:mc="http://schemas.openxmlformats.org/markup-compatibility/2006">
+    <mc:Choice xmlns:p14="http://schemas.microsoft.com/office/powerpoint/2010/main" Requires="p14">
       <p:transition p14:dur="300">
         <p:fade/>
       </p:transition>
     </mc:Choice>
-    <mc:Fallback xmlns="">
+    <mc:Fallback>
       <p:transition>
         <p:fade/>
       </p:transition>
@@ -25657,13 +25657,13 @@
   <p:clrMapOvr>
     <a:masterClrMapping/>
   </p:clrMapOvr>
-  <mc:AlternateContent xmlns:mc="http://schemas.openxmlformats.org/markup-compatibility/2006" xmlns:p14="http://schemas.microsoft.com/office/powerpoint/2010/main">
-    <mc:Choice Requires="p14">
+  <mc:AlternateContent xmlns:mc="http://schemas.openxmlformats.org/markup-compatibility/2006">
+    <mc:Choice xmlns:p14="http://schemas.microsoft.com/office/powerpoint/2010/main" Requires="p14">
       <p:transition p14:dur="300">
         <p:fade/>
       </p:transition>
     </mc:Choice>
-    <mc:Fallback xmlns="">
+    <mc:Fallback>
       <p:transition>
         <p:fade/>
       </p:transition>
@@ -25749,13 +25749,13 @@
   <p:clrMapOvr>
     <a:masterClrMapping/>
   </p:clrMapOvr>
-  <mc:AlternateContent xmlns:mc="http://schemas.openxmlformats.org/markup-compatibility/2006" xmlns:p14="http://schemas.microsoft.com/office/powerpoint/2010/main">
-    <mc:Choice Requires="p14">
+  <mc:AlternateContent xmlns:mc="http://schemas.openxmlformats.org/markup-compatibility/2006">
+    <mc:Choice xmlns:p14="http://schemas.microsoft.com/office/powerpoint/2010/main" Requires="p14">
       <p:transition p14:dur="300">
         <p:fade/>
       </p:transition>
     </mc:Choice>
-    <mc:Fallback xmlns="">
+    <mc:Fallback>
       <p:transition>
         <p:fade/>
       </p:transition>
@@ -25841,13 +25841,13 @@
   <p:clrMapOvr>
     <a:masterClrMapping/>
   </p:clrMapOvr>
-  <mc:AlternateContent xmlns:mc="http://schemas.openxmlformats.org/markup-compatibility/2006" xmlns:p14="http://schemas.microsoft.com/office/powerpoint/2010/main">
-    <mc:Choice Requires="p14">
+  <mc:AlternateContent xmlns:mc="http://schemas.openxmlformats.org/markup-compatibility/2006">
+    <mc:Choice xmlns:p14="http://schemas.microsoft.com/office/powerpoint/2010/main" Requires="p14">
       <p:transition p14:dur="300">
         <p:fade/>
       </p:transition>
     </mc:Choice>
-    <mc:Fallback xmlns="">
+    <mc:Fallback>
       <p:transition>
         <p:fade/>
       </p:transition>
@@ -25933,13 +25933,13 @@
   <p:clrMapOvr>
     <a:masterClrMapping/>
   </p:clrMapOvr>
-  <mc:AlternateContent xmlns:mc="http://schemas.openxmlformats.org/markup-compatibility/2006" xmlns:p14="http://schemas.microsoft.com/office/powerpoint/2010/main">
-    <mc:Choice Requires="p14">
+  <mc:AlternateContent xmlns:mc="http://schemas.openxmlformats.org/markup-compatibility/2006">
+    <mc:Choice xmlns:p14="http://schemas.microsoft.com/office/powerpoint/2010/main" Requires="p14">
       <p:transition p14:dur="300">
         <p:fade/>
       </p:transition>
     </mc:Choice>
-    <mc:Fallback xmlns="">
+    <mc:Fallback>
       <p:transition>
         <p:fade/>
       </p:transition>
@@ -26025,13 +26025,13 @@
   <p:clrMapOvr>
     <a:masterClrMapping/>
   </p:clrMapOvr>
-  <mc:AlternateContent xmlns:mc="http://schemas.openxmlformats.org/markup-compatibility/2006" xmlns:p14="http://schemas.microsoft.com/office/powerpoint/2010/main">
-    <mc:Choice Requires="p14">
+  <mc:AlternateContent xmlns:mc="http://schemas.openxmlformats.org/markup-compatibility/2006">
+    <mc:Choice xmlns:p14="http://schemas.microsoft.com/office/powerpoint/2010/main" Requires="p14">
       <p:transition p14:dur="300">
         <p:fade/>
       </p:transition>
     </mc:Choice>
-    <mc:Fallback xmlns="">
+    <mc:Fallback>
       <p:transition>
         <p:fade/>
       </p:transition>
@@ -26117,13 +26117,13 @@
   <p:clrMapOvr>
     <a:masterClrMapping/>
   </p:clrMapOvr>
-  <mc:AlternateContent xmlns:mc="http://schemas.openxmlformats.org/markup-compatibility/2006" xmlns:p14="http://schemas.microsoft.com/office/powerpoint/2010/main">
-    <mc:Choice Requires="p14">
+  <mc:AlternateContent xmlns:mc="http://schemas.openxmlformats.org/markup-compatibility/2006">
+    <mc:Choice xmlns:p14="http://schemas.microsoft.com/office/powerpoint/2010/main" Requires="p14">
       <p:transition p14:dur="300">
         <p:fade/>
       </p:transition>
     </mc:Choice>
-    <mc:Fallback xmlns="">
+    <mc:Fallback>
       <p:transition>
         <p:fade/>
       </p:transition>
@@ -26209,13 +26209,13 @@
   <p:clrMapOvr>
     <a:masterClrMapping/>
   </p:clrMapOvr>
-  <mc:AlternateContent xmlns:mc="http://schemas.openxmlformats.org/markup-compatibility/2006" xmlns:p14="http://schemas.microsoft.com/office/powerpoint/2010/main">
-    <mc:Choice Requires="p14">
+  <mc:AlternateContent xmlns:mc="http://schemas.openxmlformats.org/markup-compatibility/2006">
+    <mc:Choice xmlns:p14="http://schemas.microsoft.com/office/powerpoint/2010/main" Requires="p14">
       <p:transition p14:dur="300">
         <p:fade/>
       </p:transition>
     </mc:Choice>
-    <mc:Fallback xmlns="">
+    <mc:Fallback>
       <p:transition>
         <p:fade/>
       </p:transition>
@@ -26301,13 +26301,13 @@
   <p:clrMapOvr>
     <a:masterClrMapping/>
   </p:clrMapOvr>
-  <mc:AlternateContent xmlns:mc="http://schemas.openxmlformats.org/markup-compatibility/2006" xmlns:p14="http://schemas.microsoft.com/office/powerpoint/2010/main">
-    <mc:Choice Requires="p14">
+  <mc:AlternateContent xmlns:mc="http://schemas.openxmlformats.org/markup-compatibility/2006">
+    <mc:Choice xmlns:p14="http://schemas.microsoft.com/office/powerpoint/2010/main" Requires="p14">
       <p:transition p14:dur="300">
         <p:fade/>
       </p:transition>
     </mc:Choice>
-    <mc:Fallback xmlns="">
+    <mc:Fallback>
       <p:transition>
         <p:fade/>
       </p:transition>
@@ -26393,13 +26393,13 @@
   <p:clrMapOvr>
     <a:masterClrMapping/>
   </p:clrMapOvr>
-  <mc:AlternateContent xmlns:mc="http://schemas.openxmlformats.org/markup-compatibility/2006" xmlns:p14="http://schemas.microsoft.com/office/powerpoint/2010/main">
-    <mc:Choice Requires="p14">
+  <mc:AlternateContent xmlns:mc="http://schemas.openxmlformats.org/markup-compatibility/2006">
+    <mc:Choice xmlns:p14="http://schemas.microsoft.com/office/powerpoint/2010/main" Requires="p14">
       <p:transition p14:dur="300">
         <p:fade/>
       </p:transition>
     </mc:Choice>
-    <mc:Fallback xmlns="">
+    <mc:Fallback>
       <p:transition>
         <p:fade/>
       </p:transition>
@@ -26485,13 +26485,13 @@
   <p:clrMapOvr>
     <a:masterClrMapping/>
   </p:clrMapOvr>
-  <mc:AlternateContent xmlns:mc="http://schemas.openxmlformats.org/markup-compatibility/2006" xmlns:p14="http://schemas.microsoft.com/office/powerpoint/2010/main">
-    <mc:Choice Requires="p14">
+  <mc:AlternateContent xmlns:mc="http://schemas.openxmlformats.org/markup-compatibility/2006">
+    <mc:Choice xmlns:p14="http://schemas.microsoft.com/office/powerpoint/2010/main" Requires="p14">
       <p:transition p14:dur="300">
         <p:fade/>
       </p:transition>
     </mc:Choice>
-    <mc:Fallback xmlns="">
+    <mc:Fallback>
       <p:transition>
         <p:fade/>
       </p:transition>
@@ -26577,13 +26577,13 @@
   <p:clrMapOvr>
     <a:masterClrMapping/>
   </p:clrMapOvr>
-  <mc:AlternateContent xmlns:mc="http://schemas.openxmlformats.org/markup-compatibility/2006" xmlns:p14="http://schemas.microsoft.com/office/powerpoint/2010/main">
-    <mc:Choice Requires="p14">
+  <mc:AlternateContent xmlns:mc="http://schemas.openxmlformats.org/markup-compatibility/2006">
+    <mc:Choice xmlns:p14="http://schemas.microsoft.com/office/powerpoint/2010/main" Requires="p14">
       <p:transition p14:dur="300">
         <p:fade/>
       </p:transition>
     </mc:Choice>
-    <mc:Fallback xmlns="">
+    <mc:Fallback>
       <p:transition>
         <p:fade/>
       </p:transition>
@@ -26669,13 +26669,13 @@
   <p:clrMapOvr>
     <a:masterClrMapping/>
   </p:clrMapOvr>
-  <mc:AlternateContent xmlns:mc="http://schemas.openxmlformats.org/markup-compatibility/2006" xmlns:p14="http://schemas.microsoft.com/office/powerpoint/2010/main">
-    <mc:Choice Requires="p14">
+  <mc:AlternateContent xmlns:mc="http://schemas.openxmlformats.org/markup-compatibility/2006">
+    <mc:Choice xmlns:p14="http://schemas.microsoft.com/office/powerpoint/2010/main" Requires="p14">
       <p:transition p14:dur="300">
         <p:fade/>
       </p:transition>
     </mc:Choice>
-    <mc:Fallback xmlns="">
+    <mc:Fallback>
       <p:transition>
         <p:fade/>
       </p:transition>
@@ -26761,13 +26761,13 @@
   <p:clrMapOvr>
     <a:masterClrMapping/>
   </p:clrMapOvr>
-  <mc:AlternateContent xmlns:mc="http://schemas.openxmlformats.org/markup-compatibility/2006" xmlns:p14="http://schemas.microsoft.com/office/powerpoint/2010/main">
-    <mc:Choice Requires="p14">
+  <mc:AlternateContent xmlns:mc="http://schemas.openxmlformats.org/markup-compatibility/2006">
+    <mc:Choice xmlns:p14="http://schemas.microsoft.com/office/powerpoint/2010/main" Requires="p14">
       <p:transition p14:dur="300">
         <p:fade/>
       </p:transition>
     </mc:Choice>
-    <mc:Fallback xmlns="">
+    <mc:Fallback>
       <p:transition>
         <p:fade/>
       </p:transition>
@@ -26853,13 +26853,13 @@
   <p:clrMapOvr>
     <a:masterClrMapping/>
   </p:clrMapOvr>
-  <mc:AlternateContent xmlns:mc="http://schemas.openxmlformats.org/markup-compatibility/2006" xmlns:p14="http://schemas.microsoft.com/office/powerpoint/2010/main">
-    <mc:Choice Requires="p14">
+  <mc:AlternateContent xmlns:mc="http://schemas.openxmlformats.org/markup-compatibility/2006">
+    <mc:Choice xmlns:p14="http://schemas.microsoft.com/office/powerpoint/2010/main" Requires="p14">
       <p:transition p14:dur="300">
         <p:fade/>
       </p:transition>
     </mc:Choice>
-    <mc:Fallback xmlns="">
+    <mc:Fallback>
       <p:transition>
         <p:fade/>
       </p:transition>
@@ -26945,13 +26945,13 @@
   <p:clrMapOvr>
     <a:masterClrMapping/>
   </p:clrMapOvr>
-  <mc:AlternateContent xmlns:mc="http://schemas.openxmlformats.org/markup-compatibility/2006" xmlns:p14="http://schemas.microsoft.com/office/powerpoint/2010/main">
-    <mc:Choice Requires="p14">
+  <mc:AlternateContent xmlns:mc="http://schemas.openxmlformats.org/markup-compatibility/2006">
+    <mc:Choice xmlns:p14="http://schemas.microsoft.com/office/powerpoint/2010/main" Requires="p14">
       <p:transition p14:dur="300">
         <p:fade/>
       </p:transition>
     </mc:Choice>
-    <mc:Fallback xmlns="">
+    <mc:Fallback>
       <p:transition>
         <p:fade/>
       </p:transition>
@@ -27037,13 +27037,13 @@
   <p:clrMapOvr>
     <a:masterClrMapping/>
   </p:clrMapOvr>
-  <mc:AlternateContent xmlns:mc="http://schemas.openxmlformats.org/markup-compatibility/2006" xmlns:p14="http://schemas.microsoft.com/office/powerpoint/2010/main">
-    <mc:Choice Requires="p14">
+  <mc:AlternateContent xmlns:mc="http://schemas.openxmlformats.org/markup-compatibility/2006">
+    <mc:Choice xmlns:p14="http://schemas.microsoft.com/office/powerpoint/2010/main" Requires="p14">
       <p:transition p14:dur="300">
         <p:fade/>
       </p:transition>
     </mc:Choice>
-    <mc:Fallback xmlns="">
+    <mc:Fallback>
       <p:transition>
         <p:fade/>
       </p:transition>
@@ -27129,13 +27129,13 @@
   <p:clrMapOvr>
     <a:masterClrMapping/>
   </p:clrMapOvr>
-  <mc:AlternateContent xmlns:mc="http://schemas.openxmlformats.org/markup-compatibility/2006" xmlns:p14="http://schemas.microsoft.com/office/powerpoint/2010/main">
-    <mc:Choice Requires="p14">
+  <mc:AlternateContent xmlns:mc="http://schemas.openxmlformats.org/markup-compatibility/2006">
+    <mc:Choice xmlns:p14="http://schemas.microsoft.com/office/powerpoint/2010/main" Requires="p14">
       <p:transition p14:dur="300">
         <p:fade/>
       </p:transition>
     </mc:Choice>
-    <mc:Fallback xmlns="">
+    <mc:Fallback>
       <p:transition>
         <p:fade/>
       </p:transition>
@@ -27221,13 +27221,13 @@
   <p:clrMapOvr>
     <a:masterClrMapping/>
   </p:clrMapOvr>
-  <mc:AlternateContent xmlns:mc="http://schemas.openxmlformats.org/markup-compatibility/2006" xmlns:p14="http://schemas.microsoft.com/office/powerpoint/2010/main">
-    <mc:Choice Requires="p14">
+  <mc:AlternateContent xmlns:mc="http://schemas.openxmlformats.org/markup-compatibility/2006">
+    <mc:Choice xmlns:p14="http://schemas.microsoft.com/office/powerpoint/2010/main" Requires="p14">
       <p:transition p14:dur="300">
         <p:fade/>
       </p:transition>
     </mc:Choice>
-    <mc:Fallback xmlns="">
+    <mc:Fallback>
       <p:transition>
         <p:fade/>
       </p:transition>
@@ -27313,13 +27313,13 @@
   <p:clrMapOvr>
     <a:masterClrMapping/>
   </p:clrMapOvr>
-  <mc:AlternateContent xmlns:mc="http://schemas.openxmlformats.org/markup-compatibility/2006" xmlns:p14="http://schemas.microsoft.com/office/powerpoint/2010/main">
-    <mc:Choice Requires="p14">
+  <mc:AlternateContent xmlns:mc="http://schemas.openxmlformats.org/markup-compatibility/2006">
+    <mc:Choice xmlns:p14="http://schemas.microsoft.com/office/powerpoint/2010/main" Requires="p14">
       <p:transition p14:dur="300">
         <p:fade/>
       </p:transition>
     </mc:Choice>
-    <mc:Fallback xmlns="">
+    <mc:Fallback>
       <p:transition>
         <p:fade/>
       </p:transition>
@@ -27405,13 +27405,13 @@
   <p:clrMapOvr>
     <a:masterClrMapping/>
   </p:clrMapOvr>
-  <mc:AlternateContent xmlns:mc="http://schemas.openxmlformats.org/markup-compatibility/2006" xmlns:p14="http://schemas.microsoft.com/office/powerpoint/2010/main">
-    <mc:Choice Requires="p14">
+  <mc:AlternateContent xmlns:mc="http://schemas.openxmlformats.org/markup-compatibility/2006">
+    <mc:Choice xmlns:p14="http://schemas.microsoft.com/office/powerpoint/2010/main" Requires="p14">
       <p:transition p14:dur="300">
         <p:fade/>
       </p:transition>
     </mc:Choice>
-    <mc:Fallback xmlns="">
+    <mc:Fallback>
       <p:transition>
         <p:fade/>
       </p:transition>
@@ -27497,13 +27497,13 @@
   <p:clrMapOvr>
     <a:masterClrMapping/>
   </p:clrMapOvr>
-  <mc:AlternateContent xmlns:mc="http://schemas.openxmlformats.org/markup-compatibility/2006" xmlns:p14="http://schemas.microsoft.com/office/powerpoint/2010/main">
-    <mc:Choice Requires="p14">
+  <mc:AlternateContent xmlns:mc="http://schemas.openxmlformats.org/markup-compatibility/2006">
+    <mc:Choice xmlns:p14="http://schemas.microsoft.com/office/powerpoint/2010/main" Requires="p14">
       <p:transition p14:dur="300">
         <p:fade/>
       </p:transition>
     </mc:Choice>
-    <mc:Fallback xmlns="">
+    <mc:Fallback>
       <p:transition>
         <p:fade/>
       </p:transition>
@@ -27589,13 +27589,13 @@
   <p:clrMapOvr>
     <a:masterClrMapping/>
   </p:clrMapOvr>
-  <mc:AlternateContent xmlns:mc="http://schemas.openxmlformats.org/markup-compatibility/2006" xmlns:p14="http://schemas.microsoft.com/office/powerpoint/2010/main">
-    <mc:Choice Requires="p14">
+  <mc:AlternateContent xmlns:mc="http://schemas.openxmlformats.org/markup-compatibility/2006">
+    <mc:Choice xmlns:p14="http://schemas.microsoft.com/office/powerpoint/2010/main" Requires="p14">
       <p:transition p14:dur="300">
         <p:fade/>
       </p:transition>
     </mc:Choice>
-    <mc:Fallback xmlns="">
+    <mc:Fallback>
       <p:transition>
         <p:fade/>
       </p:transition>
@@ -27681,13 +27681,13 @@
   <p:clrMapOvr>
     <a:masterClrMapping/>
   </p:clrMapOvr>
-  <mc:AlternateContent xmlns:mc="http://schemas.openxmlformats.org/markup-compatibility/2006" xmlns:p14="http://schemas.microsoft.com/office/powerpoint/2010/main">
-    <mc:Choice Requires="p14">
+  <mc:AlternateContent xmlns:mc="http://schemas.openxmlformats.org/markup-compatibility/2006">
+    <mc:Choice xmlns:p14="http://schemas.microsoft.com/office/powerpoint/2010/main" Requires="p14">
       <p:transition p14:dur="300">
         <p:fade/>
       </p:transition>
     </mc:Choice>
-    <mc:Fallback xmlns="">
+    <mc:Fallback>
       <p:transition>
         <p:fade/>
       </p:transition>
@@ -27773,13 +27773,13 @@
   <p:clrMapOvr>
     <a:masterClrMapping/>
   </p:clrMapOvr>
-  <mc:AlternateContent xmlns:mc="http://schemas.openxmlformats.org/markup-compatibility/2006" xmlns:p14="http://schemas.microsoft.com/office/powerpoint/2010/main">
-    <mc:Choice Requires="p14">
+  <mc:AlternateContent xmlns:mc="http://schemas.openxmlformats.org/markup-compatibility/2006">
+    <mc:Choice xmlns:p14="http://schemas.microsoft.com/office/powerpoint/2010/main" Requires="p14">
       <p:transition p14:dur="300">
         <p:fade/>
       </p:transition>
     </mc:Choice>
-    <mc:Fallback xmlns="">
+    <mc:Fallback>
       <p:transition>
         <p:fade/>
       </p:transition>
@@ -27865,13 +27865,13 @@
   <p:clrMapOvr>
     <a:masterClrMapping/>
   </p:clrMapOvr>
-  <mc:AlternateContent xmlns:mc="http://schemas.openxmlformats.org/markup-compatibility/2006" xmlns:p14="http://schemas.microsoft.com/office/powerpoint/2010/main">
-    <mc:Choice Requires="p14">
+  <mc:AlternateContent xmlns:mc="http://schemas.openxmlformats.org/markup-compatibility/2006">
+    <mc:Choice xmlns:p14="http://schemas.microsoft.com/office/powerpoint/2010/main" Requires="p14">
       <p:transition p14:dur="300">
         <p:fade/>
       </p:transition>
     </mc:Choice>
-    <mc:Fallback xmlns="">
+    <mc:Fallback>
       <p:transition>
         <p:fade/>
       </p:transition>
@@ -27957,13 +27957,13 @@
   <p:clrMapOvr>
     <a:masterClrMapping/>
   </p:clrMapOvr>
-  <mc:AlternateContent xmlns:mc="http://schemas.openxmlformats.org/markup-compatibility/2006" xmlns:p14="http://schemas.microsoft.com/office/powerpoint/2010/main">
-    <mc:Choice Requires="p14">
+  <mc:AlternateContent xmlns:mc="http://schemas.openxmlformats.org/markup-compatibility/2006">
+    <mc:Choice xmlns:p14="http://schemas.microsoft.com/office/powerpoint/2010/main" Requires="p14">
       <p:transition p14:dur="300">
         <p:fade/>
       </p:transition>
     </mc:Choice>
-    <mc:Fallback xmlns="">
+    <mc:Fallback>
       <p:transition>
         <p:fade/>
       </p:transition>
@@ -28049,13 +28049,13 @@
   <p:clrMapOvr>
     <a:masterClrMapping/>
   </p:clrMapOvr>
-  <mc:AlternateContent xmlns:mc="http://schemas.openxmlformats.org/markup-compatibility/2006" xmlns:p14="http://schemas.microsoft.com/office/powerpoint/2010/main">
-    <mc:Choice Requires="p14">
+  <mc:AlternateContent xmlns:mc="http://schemas.openxmlformats.org/markup-compatibility/2006">
+    <mc:Choice xmlns:p14="http://schemas.microsoft.com/office/powerpoint/2010/main" Requires="p14">
       <p:transition p14:dur="300">
         <p:fade/>
       </p:transition>
     </mc:Choice>
-    <mc:Fallback xmlns="">
+    <mc:Fallback>
       <p:transition>
         <p:fade/>
       </p:transition>
@@ -28141,13 +28141,13 @@
   <p:clrMapOvr>
     <a:masterClrMapping/>
   </p:clrMapOvr>
-  <mc:AlternateContent xmlns:mc="http://schemas.openxmlformats.org/markup-compatibility/2006" xmlns:p14="http://schemas.microsoft.com/office/powerpoint/2010/main">
-    <mc:Choice Requires="p14">
+  <mc:AlternateContent xmlns:mc="http://schemas.openxmlformats.org/markup-compatibility/2006">
+    <mc:Choice xmlns:p14="http://schemas.microsoft.com/office/powerpoint/2010/main" Requires="p14">
       <p:transition p14:dur="300">
         <p:fade/>
       </p:transition>
     </mc:Choice>
-    <mc:Fallback xmlns="">
+    <mc:Fallback>
       <p:transition>
         <p:fade/>
       </p:transition>
@@ -28233,13 +28233,13 @@
   <p:clrMapOvr>
     <a:masterClrMapping/>
   </p:clrMapOvr>
-  <mc:AlternateContent xmlns:mc="http://schemas.openxmlformats.org/markup-compatibility/2006" xmlns:p14="http://schemas.microsoft.com/office/powerpoint/2010/main">
-    <mc:Choice Requires="p14">
+  <mc:AlternateContent xmlns:mc="http://schemas.openxmlformats.org/markup-compatibility/2006">
+    <mc:Choice xmlns:p14="http://schemas.microsoft.com/office/powerpoint/2010/main" Requires="p14">
       <p:transition p14:dur="300">
         <p:fade/>
       </p:transition>
     </mc:Choice>
-    <mc:Fallback xmlns="">
+    <mc:Fallback>
       <p:transition>
         <p:fade/>
       </p:transition>
@@ -28325,13 +28325,13 @@
   <p:clrMapOvr>
     <a:masterClrMapping/>
   </p:clrMapOvr>
-  <mc:AlternateContent xmlns:mc="http://schemas.openxmlformats.org/markup-compatibility/2006" xmlns:p14="http://schemas.microsoft.com/office/powerpoint/2010/main">
-    <mc:Choice Requires="p14">
+  <mc:AlternateContent xmlns:mc="http://schemas.openxmlformats.org/markup-compatibility/2006">
+    <mc:Choice xmlns:p14="http://schemas.microsoft.com/office/powerpoint/2010/main" Requires="p14">
       <p:transition p14:dur="300">
         <p:fade/>
       </p:transition>
     </mc:Choice>
-    <mc:Fallback xmlns="">
+    <mc:Fallback>
       <p:transition>
         <p:fade/>
       </p:transition>
@@ -28417,13 +28417,13 @@
   <p:clrMapOvr>
     <a:masterClrMapping/>
   </p:clrMapOvr>
-  <mc:AlternateContent xmlns:mc="http://schemas.openxmlformats.org/markup-compatibility/2006" xmlns:p14="http://schemas.microsoft.com/office/powerpoint/2010/main">
-    <mc:Choice Requires="p14">
+  <mc:AlternateContent xmlns:mc="http://schemas.openxmlformats.org/markup-compatibility/2006">
+    <mc:Choice xmlns:p14="http://schemas.microsoft.com/office/powerpoint/2010/main" Requires="p14">
       <p:transition p14:dur="300">
         <p:fade/>
       </p:transition>
     </mc:Choice>
-    <mc:Fallback xmlns="">
+    <mc:Fallback>
       <p:transition>
         <p:fade/>
       </p:transition>
@@ -28509,13 +28509,13 @@
   <p:clrMapOvr>
     <a:masterClrMapping/>
   </p:clrMapOvr>
-  <mc:AlternateContent xmlns:mc="http://schemas.openxmlformats.org/markup-compatibility/2006" xmlns:p14="http://schemas.microsoft.com/office/powerpoint/2010/main">
-    <mc:Choice Requires="p14">
+  <mc:AlternateContent xmlns:mc="http://schemas.openxmlformats.org/markup-compatibility/2006">
+    <mc:Choice xmlns:p14="http://schemas.microsoft.com/office/powerpoint/2010/main" Requires="p14">
       <p:transition p14:dur="300">
         <p:fade/>
       </p:transition>
     </mc:Choice>
-    <mc:Fallback xmlns="">
+    <mc:Fallback>
       <p:transition>
         <p:fade/>
       </p:transition>
@@ -28601,13 +28601,13 @@
   <p:clrMapOvr>
     <a:masterClrMapping/>
   </p:clrMapOvr>
-  <mc:AlternateContent xmlns:mc="http://schemas.openxmlformats.org/markup-compatibility/2006" xmlns:p14="http://schemas.microsoft.com/office/powerpoint/2010/main">
-    <mc:Choice Requires="p14">
+  <mc:AlternateContent xmlns:mc="http://schemas.openxmlformats.org/markup-compatibility/2006">
+    <mc:Choice xmlns:p14="http://schemas.microsoft.com/office/powerpoint/2010/main" Requires="p14">
       <p:transition p14:dur="300">
         <p:fade/>
       </p:transition>
     </mc:Choice>
-    <mc:Fallback xmlns="">
+    <mc:Fallback>
       <p:transition>
         <p:fade/>
       </p:transition>
@@ -28693,13 +28693,13 @@
   <p:clrMapOvr>
     <a:masterClrMapping/>
   </p:clrMapOvr>
-  <mc:AlternateContent xmlns:mc="http://schemas.openxmlformats.org/markup-compatibility/2006" xmlns:p14="http://schemas.microsoft.com/office/powerpoint/2010/main">
-    <mc:Choice Requires="p14">
+  <mc:AlternateContent xmlns:mc="http://schemas.openxmlformats.org/markup-compatibility/2006">
+    <mc:Choice xmlns:p14="http://schemas.microsoft.com/office/powerpoint/2010/main" Requires="p14">
       <p:transition p14:dur="300">
         <p:fade/>
       </p:transition>
     </mc:Choice>
-    <mc:Fallback xmlns="">
+    <mc:Fallback>
       <p:transition>
         <p:fade/>
       </p:transition>
@@ -28785,13 +28785,13 @@
   <p:clrMapOvr>
     <a:masterClrMapping/>
   </p:clrMapOvr>
-  <mc:AlternateContent xmlns:mc="http://schemas.openxmlformats.org/markup-compatibility/2006" xmlns:p14="http://schemas.microsoft.com/office/powerpoint/2010/main">
-    <mc:Choice Requires="p14">
+  <mc:AlternateContent xmlns:mc="http://schemas.openxmlformats.org/markup-compatibility/2006">
+    <mc:Choice xmlns:p14="http://schemas.microsoft.com/office/powerpoint/2010/main" Requires="p14">
       <p:transition p14:dur="300">
         <p:fade/>
       </p:transition>
     </mc:Choice>
-    <mc:Fallback xmlns="">
+    <mc:Fallback>
       <p:transition>
         <p:fade/>
       </p:transition>
@@ -28877,13 +28877,13 @@
   <p:clrMapOvr>
     <a:masterClrMapping/>
   </p:clrMapOvr>
-  <mc:AlternateContent xmlns:mc="http://schemas.openxmlformats.org/markup-compatibility/2006" xmlns:p14="http://schemas.microsoft.com/office/powerpoint/2010/main">
-    <mc:Choice Requires="p14">
+  <mc:AlternateContent xmlns:mc="http://schemas.openxmlformats.org/markup-compatibility/2006">
+    <mc:Choice xmlns:p14="http://schemas.microsoft.com/office/powerpoint/2010/main" Requires="p14">
       <p:transition p14:dur="300">
         <p:fade/>
       </p:transition>
     </mc:Choice>
-    <mc:Fallback xmlns="">
+    <mc:Fallback>
       <p:transition>
         <p:fade/>
       </p:transition>
@@ -28969,13 +28969,13 @@
   <p:clrMapOvr>
     <a:masterClrMapping/>
   </p:clrMapOvr>
-  <mc:AlternateContent xmlns:mc="http://schemas.openxmlformats.org/markup-compatibility/2006" xmlns:p14="http://schemas.microsoft.com/office/powerpoint/2010/main">
-    <mc:Choice Requires="p14">
+  <mc:AlternateContent xmlns:mc="http://schemas.openxmlformats.org/markup-compatibility/2006">
+    <mc:Choice xmlns:p14="http://schemas.microsoft.com/office/powerpoint/2010/main" Requires="p14">
       <p:transition p14:dur="300">
         <p:fade/>
       </p:transition>
     </mc:Choice>
-    <mc:Fallback xmlns="">
+    <mc:Fallback>
       <p:transition>
         <p:fade/>
       </p:transition>
@@ -29065,13 +29065,13 @@
   <p:clrMapOvr>
     <a:masterClrMapping/>
   </p:clrMapOvr>
-  <mc:AlternateContent xmlns:mc="http://schemas.openxmlformats.org/markup-compatibility/2006" xmlns:p14="http://schemas.microsoft.com/office/powerpoint/2010/main">
-    <mc:Choice Requires="p14">
+  <mc:AlternateContent xmlns:mc="http://schemas.openxmlformats.org/markup-compatibility/2006">
+    <mc:Choice xmlns:p14="http://schemas.microsoft.com/office/powerpoint/2010/main" Requires="p14">
       <p:transition p14:dur="300">
         <p:fade/>
       </p:transition>
     </mc:Choice>
-    <mc:Fallback xmlns="">
+    <mc:Fallback>
       <p:transition>
         <p:fade/>
       </p:transition>
@@ -29157,13 +29157,13 @@
   <p:clrMapOvr>
     <a:masterClrMapping/>
   </p:clrMapOvr>
-  <mc:AlternateContent xmlns:mc="http://schemas.openxmlformats.org/markup-compatibility/2006" xmlns:p14="http://schemas.microsoft.com/office/powerpoint/2010/main">
-    <mc:Choice Requires="p14">
+  <mc:AlternateContent xmlns:mc="http://schemas.openxmlformats.org/markup-compatibility/2006">
+    <mc:Choice xmlns:p14="http://schemas.microsoft.com/office/powerpoint/2010/main" Requires="p14">
       <p:transition p14:dur="300">
         <p:fade/>
       </p:transition>
     </mc:Choice>
-    <mc:Fallback xmlns="">
+    <mc:Fallback>
       <p:transition>
         <p:fade/>
       </p:transition>
@@ -29249,13 +29249,13 @@
   <p:clrMapOvr>
     <a:masterClrMapping/>
   </p:clrMapOvr>
-  <mc:AlternateContent xmlns:mc="http://schemas.openxmlformats.org/markup-compatibility/2006" xmlns:p14="http://schemas.microsoft.com/office/powerpoint/2010/main">
-    <mc:Choice Requires="p14">
+  <mc:AlternateContent xmlns:mc="http://schemas.openxmlformats.org/markup-compatibility/2006">
+    <mc:Choice xmlns:p14="http://schemas.microsoft.com/office/powerpoint/2010/main" Requires="p14">
       <p:transition p14:dur="300">
         <p:fade/>
       </p:transition>
     </mc:Choice>
-    <mc:Fallback xmlns="">
+    <mc:Fallback>
       <p:transition>
         <p:fade/>
       </p:transition>
@@ -29341,13 +29341,13 @@
   <p:clrMapOvr>
     <a:masterClrMapping/>
   </p:clrMapOvr>
-  <mc:AlternateContent xmlns:mc="http://schemas.openxmlformats.org/markup-compatibility/2006" xmlns:p14="http://schemas.microsoft.com/office/powerpoint/2010/main">
-    <mc:Choice Requires="p14">
+  <mc:AlternateContent xmlns:mc="http://schemas.openxmlformats.org/markup-compatibility/2006">
+    <mc:Choice xmlns:p14="http://schemas.microsoft.com/office/powerpoint/2010/main" Requires="p14">
       <p:transition p14:dur="300">
         <p:fade/>
       </p:transition>
     </mc:Choice>
-    <mc:Fallback xmlns="">
+    <mc:Fallback>
       <p:transition>
         <p:fade/>
       </p:transition>
@@ -29433,13 +29433,13 @@
   <p:clrMapOvr>
     <a:masterClrMapping/>
   </p:clrMapOvr>
-  <mc:AlternateContent xmlns:mc="http://schemas.openxmlformats.org/markup-compatibility/2006" xmlns:p14="http://schemas.microsoft.com/office/powerpoint/2010/main">
-    <mc:Choice Requires="p14">
+  <mc:AlternateContent xmlns:mc="http://schemas.openxmlformats.org/markup-compatibility/2006">
+    <mc:Choice xmlns:p14="http://schemas.microsoft.com/office/powerpoint/2010/main" Requires="p14">
       <p:transition p14:dur="300">
         <p:fade/>
       </p:transition>
     </mc:Choice>
-    <mc:Fallback xmlns="">
+    <mc:Fallback>
       <p:transition>
         <p:fade/>
       </p:transition>
@@ -29525,13 +29525,13 @@
   <p:clrMapOvr>
     <a:masterClrMapping/>
   </p:clrMapOvr>
-  <mc:AlternateContent xmlns:mc="http://schemas.openxmlformats.org/markup-compatibility/2006" xmlns:p14="http://schemas.microsoft.com/office/powerpoint/2010/main">
-    <mc:Choice Requires="p14">
+  <mc:AlternateContent xmlns:mc="http://schemas.openxmlformats.org/markup-compatibility/2006">
+    <mc:Choice xmlns:p14="http://schemas.microsoft.com/office/powerpoint/2010/main" Requires="p14">
       <p:transition p14:dur="300">
         <p:fade/>
       </p:transition>
     </mc:Choice>
-    <mc:Fallback xmlns="">
+    <mc:Fallback>
       <p:transition>
         <p:fade/>
       </p:transition>
@@ -29617,13 +29617,13 @@
   <p:clrMapOvr>
     <a:masterClrMapping/>
   </p:clrMapOvr>
-  <mc:AlternateContent xmlns:mc="http://schemas.openxmlformats.org/markup-compatibility/2006" xmlns:p14="http://schemas.microsoft.com/office/powerpoint/2010/main">
-    <mc:Choice Requires="p14">
+  <mc:AlternateContent xmlns:mc="http://schemas.openxmlformats.org/markup-compatibility/2006">
+    <mc:Choice xmlns:p14="http://schemas.microsoft.com/office/powerpoint/2010/main" Requires="p14">
       <p:transition p14:dur="300">
         <p:fade/>
       </p:transition>
     </mc:Choice>
-    <mc:Fallback xmlns="">
+    <mc:Fallback>
       <p:transition>
         <p:fade/>
       </p:transition>
@@ -29709,13 +29709,13 @@
   <p:clrMapOvr>
     <a:masterClrMapping/>
   </p:clrMapOvr>
-  <mc:AlternateContent xmlns:mc="http://schemas.openxmlformats.org/markup-compatibility/2006" xmlns:p14="http://schemas.microsoft.com/office/powerpoint/2010/main">
-    <mc:Choice Requires="p14">
+  <mc:AlternateContent xmlns:mc="http://schemas.openxmlformats.org/markup-compatibility/2006">
+    <mc:Choice xmlns:p14="http://schemas.microsoft.com/office/powerpoint/2010/main" Requires="p14">
       <p:transition p14:dur="300">
         <p:fade/>
       </p:transition>
     </mc:Choice>
-    <mc:Fallback xmlns="">
+    <mc:Fallback>
       <p:transition>
         <p:fade/>
       </p:transition>
@@ -29801,13 +29801,13 @@
   <p:clrMapOvr>
     <a:masterClrMapping/>
   </p:clrMapOvr>
-  <mc:AlternateContent xmlns:mc="http://schemas.openxmlformats.org/markup-compatibility/2006" xmlns:p14="http://schemas.microsoft.com/office/powerpoint/2010/main">
-    <mc:Choice Requires="p14">
+  <mc:AlternateContent xmlns:mc="http://schemas.openxmlformats.org/markup-compatibility/2006">
+    <mc:Choice xmlns:p14="http://schemas.microsoft.com/office/powerpoint/2010/main" Requires="p14">
       <p:transition p14:dur="300">
         <p:fade/>
       </p:transition>
     </mc:Choice>
-    <mc:Fallback xmlns="">
+    <mc:Fallback>
       <p:transition>
         <p:fade/>
       </p:transition>
@@ -29893,13 +29893,13 @@
   <p:clrMapOvr>
     <a:masterClrMapping/>
   </p:clrMapOvr>
-  <mc:AlternateContent xmlns:mc="http://schemas.openxmlformats.org/markup-compatibility/2006" xmlns:p14="http://schemas.microsoft.com/office/powerpoint/2010/main">
-    <mc:Choice Requires="p14">
+  <mc:AlternateContent xmlns:mc="http://schemas.openxmlformats.org/markup-compatibility/2006">
+    <mc:Choice xmlns:p14="http://schemas.microsoft.com/office/powerpoint/2010/main" Requires="p14">
       <p:transition p14:dur="300">
         <p:fade/>
       </p:transition>
     </mc:Choice>
-    <mc:Fallback xmlns="">
+    <mc:Fallback>
       <p:transition>
         <p:fade/>
       </p:transition>
@@ -29985,13 +29985,13 @@
   <p:clrMapOvr>
     <a:masterClrMapping/>
   </p:clrMapOvr>
-  <mc:AlternateContent xmlns:mc="http://schemas.openxmlformats.org/markup-compatibility/2006" xmlns:p14="http://schemas.microsoft.com/office/powerpoint/2010/main">
-    <mc:Choice Requires="p14">
+  <mc:AlternateContent xmlns:mc="http://schemas.openxmlformats.org/markup-compatibility/2006">
+    <mc:Choice xmlns:p14="http://schemas.microsoft.com/office/powerpoint/2010/main" Requires="p14">
       <p:transition p14:dur="300">
         <p:fade/>
       </p:transition>
     </mc:Choice>
-    <mc:Fallback xmlns="">
+    <mc:Fallback>
       <p:transition>
         <p:fade/>
       </p:transition>
@@ -30077,13 +30077,13 @@
   <p:clrMapOvr>
     <a:masterClrMapping/>
   </p:clrMapOvr>
-  <mc:AlternateContent xmlns:mc="http://schemas.openxmlformats.org/markup-compatibility/2006" xmlns:p14="http://schemas.microsoft.com/office/powerpoint/2010/main">
-    <mc:Choice Requires="p14">
+  <mc:AlternateContent xmlns:mc="http://schemas.openxmlformats.org/markup-compatibility/2006">
+    <mc:Choice xmlns:p14="http://schemas.microsoft.com/office/powerpoint/2010/main" Requires="p14">
       <p:transition p14:dur="300">
         <p:fade/>
       </p:transition>
     </mc:Choice>
-    <mc:Fallback xmlns="">
+    <mc:Fallback>
       <p:transition>
         <p:fade/>
       </p:transition>
@@ -30169,13 +30169,13 @@
   <p:clrMapOvr>
     <a:masterClrMapping/>
   </p:clrMapOvr>
-  <mc:AlternateContent xmlns:mc="http://schemas.openxmlformats.org/markup-compatibility/2006" xmlns:p14="http://schemas.microsoft.com/office/powerpoint/2010/main">
-    <mc:Choice Requires="p14">
+  <mc:AlternateContent xmlns:mc="http://schemas.openxmlformats.org/markup-compatibility/2006">
+    <mc:Choice xmlns:p14="http://schemas.microsoft.com/office/powerpoint/2010/main" Requires="p14">
       <p:transition p14:dur="300">
         <p:fade/>
       </p:transition>
     </mc:Choice>
-    <mc:Fallback xmlns="">
+    <mc:Fallback>
       <p:transition>
         <p:fade/>
       </p:transition>
@@ -30261,13 +30261,13 @@
   <p:clrMapOvr>
     <a:masterClrMapping/>
   </p:clrMapOvr>
-  <mc:AlternateContent xmlns:mc="http://schemas.openxmlformats.org/markup-compatibility/2006" xmlns:p14="http://schemas.microsoft.com/office/powerpoint/2010/main">
-    <mc:Choice Requires="p14">
+  <mc:AlternateContent xmlns:mc="http://schemas.openxmlformats.org/markup-compatibility/2006">
+    <mc:Choice xmlns:p14="http://schemas.microsoft.com/office/powerpoint/2010/main" Requires="p14">
       <p:transition p14:dur="300">
         <p:fade/>
       </p:transition>
     </mc:Choice>
-    <mc:Fallback xmlns="">
+    <mc:Fallback>
       <p:transition>
         <p:fade/>
       </p:transition>
@@ -30353,13 +30353,13 @@
   <p:clrMapOvr>
     <a:masterClrMapping/>
   </p:clrMapOvr>
-  <mc:AlternateContent xmlns:mc="http://schemas.openxmlformats.org/markup-compatibility/2006" xmlns:p14="http://schemas.microsoft.com/office/powerpoint/2010/main">
-    <mc:Choice Requires="p14">
+  <mc:AlternateContent xmlns:mc="http://schemas.openxmlformats.org/markup-compatibility/2006">
+    <mc:Choice xmlns:p14="http://schemas.microsoft.com/office/powerpoint/2010/main" Requires="p14">
       <p:transition p14:dur="300">
         <p:fade/>
       </p:transition>
     </mc:Choice>
-    <mc:Fallback xmlns="">
+    <mc:Fallback>
       <p:transition>
         <p:fade/>
       </p:transition>
@@ -30445,13 +30445,13 @@
   <p:clrMapOvr>
     <a:masterClrMapping/>
   </p:clrMapOvr>
-  <mc:AlternateContent xmlns:mc="http://schemas.openxmlformats.org/markup-compatibility/2006" xmlns:p14="http://schemas.microsoft.com/office/powerpoint/2010/main">
-    <mc:Choice Requires="p14">
+  <mc:AlternateContent xmlns:mc="http://schemas.openxmlformats.org/markup-compatibility/2006">
+    <mc:Choice xmlns:p14="http://schemas.microsoft.com/office/powerpoint/2010/main" Requires="p14">
       <p:transition p14:dur="300">
         <p:fade/>
       </p:transition>
     </mc:Choice>
-    <mc:Fallback xmlns="">
+    <mc:Fallback>
       <p:transition>
         <p:fade/>
       </p:transition>
@@ -30537,13 +30537,13 @@
   <p:clrMapOvr>
     <a:masterClrMapping/>
   </p:clrMapOvr>
-  <mc:AlternateContent xmlns:mc="http://schemas.openxmlformats.org/markup-compatibility/2006" xmlns:p14="http://schemas.microsoft.com/office/powerpoint/2010/main">
-    <mc:Choice Requires="p14">
+  <mc:AlternateContent xmlns:mc="http://schemas.openxmlformats.org/markup-compatibility/2006">
+    <mc:Choice xmlns:p14="http://schemas.microsoft.com/office/powerpoint/2010/main" Requires="p14">
       <p:transition p14:dur="300">
         <p:fade/>
       </p:transition>
     </mc:Choice>
-    <mc:Fallback xmlns="">
+    <mc:Fallback>
       <p:transition>
         <p:fade/>
       </p:transition>
@@ -30629,13 +30629,13 @@
   <p:clrMapOvr>
     <a:masterClrMapping/>
   </p:clrMapOvr>
-  <mc:AlternateContent xmlns:mc="http://schemas.openxmlformats.org/markup-compatibility/2006" xmlns:p14="http://schemas.microsoft.com/office/powerpoint/2010/main">
-    <mc:Choice Requires="p14">
+  <mc:AlternateContent xmlns:mc="http://schemas.openxmlformats.org/markup-compatibility/2006">
+    <mc:Choice xmlns:p14="http://schemas.microsoft.com/office/powerpoint/2010/main" Requires="p14">
       <p:transition p14:dur="300">
         <p:fade/>
       </p:transition>
     </mc:Choice>
-    <mc:Fallback xmlns="">
+    <mc:Fallback>
       <p:transition>
         <p:fade/>
       </p:transition>
@@ -30721,13 +30721,13 @@
   <p:clrMapOvr>
     <a:masterClrMapping/>
   </p:clrMapOvr>
-  <mc:AlternateContent xmlns:mc="http://schemas.openxmlformats.org/markup-compatibility/2006" xmlns:p14="http://schemas.microsoft.com/office/powerpoint/2010/main">
-    <mc:Choice Requires="p14">
+  <mc:AlternateContent xmlns:mc="http://schemas.openxmlformats.org/markup-compatibility/2006">
+    <mc:Choice xmlns:p14="http://schemas.microsoft.com/office/powerpoint/2010/main" Requires="p14">
       <p:transition p14:dur="300">
         <p:fade/>
       </p:transition>
     </mc:Choice>
-    <mc:Fallback xmlns="">
+    <mc:Fallback>
       <p:transition>
         <p:fade/>
       </p:transition>
@@ -30813,13 +30813,13 @@
   <p:clrMapOvr>
     <a:masterClrMapping/>
   </p:clrMapOvr>
-  <mc:AlternateContent xmlns:mc="http://schemas.openxmlformats.org/markup-compatibility/2006" xmlns:p14="http://schemas.microsoft.com/office/powerpoint/2010/main">
-    <mc:Choice Requires="p14">
+  <mc:AlternateContent xmlns:mc="http://schemas.openxmlformats.org/markup-compatibility/2006">
+    <mc:Choice xmlns:p14="http://schemas.microsoft.com/office/powerpoint/2010/main" Requires="p14">
       <p:transition p14:dur="300">
         <p:fade/>
       </p:transition>
     </mc:Choice>
-    <mc:Fallback xmlns="">
+    <mc:Fallback>
       <p:transition>
         <p:fade/>
       </p:transition>
@@ -30905,13 +30905,13 @@
   <p:clrMapOvr>
     <a:masterClrMapping/>
   </p:clrMapOvr>
-  <mc:AlternateContent xmlns:mc="http://schemas.openxmlformats.org/markup-compatibility/2006" xmlns:p14="http://schemas.microsoft.com/office/powerpoint/2010/main">
-    <mc:Choice Requires="p14">
+  <mc:AlternateContent xmlns:mc="http://schemas.openxmlformats.org/markup-compatibility/2006">
+    <mc:Choice xmlns:p14="http://schemas.microsoft.com/office/powerpoint/2010/main" Requires="p14">
       <p:transition p14:dur="300">
         <p:fade/>
       </p:transition>
     </mc:Choice>
-    <mc:Fallback xmlns="">
+    <mc:Fallback>
       <p:transition>
         <p:fade/>
       </p:transition>
@@ -30997,13 +30997,13 @@
   <p:clrMapOvr>
     <a:masterClrMapping/>
   </p:clrMapOvr>
-  <mc:AlternateContent xmlns:mc="http://schemas.openxmlformats.org/markup-compatibility/2006" xmlns:p14="http://schemas.microsoft.com/office/powerpoint/2010/main">
-    <mc:Choice Requires="p14">
+  <mc:AlternateContent xmlns:mc="http://schemas.openxmlformats.org/markup-compatibility/2006">
+    <mc:Choice xmlns:p14="http://schemas.microsoft.com/office/powerpoint/2010/main" Requires="p14">
       <p:transition p14:dur="300">
         <p:fade/>
       </p:transition>
     </mc:Choice>
-    <mc:Fallback xmlns="">
+    <mc:Fallback>
       <p:transition>
         <p:fade/>
       </p:transition>
@@ -31089,13 +31089,13 @@
   <p:clrMapOvr>
     <a:masterClrMapping/>
   </p:clrMapOvr>
-  <mc:AlternateContent xmlns:mc="http://schemas.openxmlformats.org/markup-compatibility/2006" xmlns:p14="http://schemas.microsoft.com/office/powerpoint/2010/main">
-    <mc:Choice Requires="p14">
+  <mc:AlternateContent xmlns:mc="http://schemas.openxmlformats.org/markup-compatibility/2006">
+    <mc:Choice xmlns:p14="http://schemas.microsoft.com/office/powerpoint/2010/main" Requires="p14">
       <p:transition p14:dur="300">
         <p:fade/>
       </p:transition>
     </mc:Choice>
-    <mc:Fallback xmlns="">
+    <mc:Fallback>
       <p:transition>
         <p:fade/>
       </p:transition>
@@ -31181,13 +31181,13 @@
   <p:clrMapOvr>
     <a:masterClrMapping/>
   </p:clrMapOvr>
-  <mc:AlternateContent xmlns:mc="http://schemas.openxmlformats.org/markup-compatibility/2006" xmlns:p14="http://schemas.microsoft.com/office/powerpoint/2010/main">
-    <mc:Choice Requires="p14">
+  <mc:AlternateContent xmlns:mc="http://schemas.openxmlformats.org/markup-compatibility/2006">
+    <mc:Choice xmlns:p14="http://schemas.microsoft.com/office/powerpoint/2010/main" Requires="p14">
       <p:transition p14:dur="300">
         <p:fade/>
       </p:transition>
     </mc:Choice>
-    <mc:Fallback xmlns="">
+    <mc:Fallback>
       <p:transition>
         <p:fade/>
       </p:transition>
@@ -31273,13 +31273,13 @@
   <p:clrMapOvr>
     <a:masterClrMapping/>
   </p:clrMapOvr>
-  <mc:AlternateContent xmlns:mc="http://schemas.openxmlformats.org/markup-compatibility/2006" xmlns:p14="http://schemas.microsoft.com/office/powerpoint/2010/main">
-    <mc:Choice Requires="p14">
+  <mc:AlternateContent xmlns:mc="http://schemas.openxmlformats.org/markup-compatibility/2006">
+    <mc:Choice xmlns:p14="http://schemas.microsoft.com/office/powerpoint/2010/main" Requires="p14">
       <p:transition p14:dur="300">
         <p:fade/>
       </p:transition>
     </mc:Choice>
-    <mc:Fallback xmlns="">
+    <mc:Fallback>
       <p:transition>
         <p:fade/>
       </p:transition>
@@ -31365,13 +31365,13 @@
   <p:clrMapOvr>
     <a:masterClrMapping/>
   </p:clrMapOvr>
-  <mc:AlternateContent xmlns:mc="http://schemas.openxmlformats.org/markup-compatibility/2006" xmlns:p14="http://schemas.microsoft.com/office/powerpoint/2010/main">
-    <mc:Choice Requires="p14">
+  <mc:AlternateContent xmlns:mc="http://schemas.openxmlformats.org/markup-compatibility/2006">
+    <mc:Choice xmlns:p14="http://schemas.microsoft.com/office/powerpoint/2010/main" Requires="p14">
       <p:transition p14:dur="300">
         <p:fade/>
       </p:transition>
     </mc:Choice>
-    <mc:Fallback xmlns="">
+    <mc:Fallback>
       <p:transition>
         <p:fade/>
       </p:transition>
@@ -31457,13 +31457,13 @@
   <p:clrMapOvr>
     <a:masterClrMapping/>
   </p:clrMapOvr>
-  <mc:AlternateContent xmlns:mc="http://schemas.openxmlformats.org/markup-compatibility/2006" xmlns:p14="http://schemas.microsoft.com/office/powerpoint/2010/main">
-    <mc:Choice Requires="p14">
+  <mc:AlternateContent xmlns:mc="http://schemas.openxmlformats.org/markup-compatibility/2006">
+    <mc:Choice xmlns:p14="http://schemas.microsoft.com/office/powerpoint/2010/main" Requires="p14">
       <p:transition p14:dur="300">
         <p:fade/>
       </p:transition>
     </mc:Choice>
-    <mc:Fallback xmlns="">
+    <mc:Fallback>
       <p:transition>
         <p:fade/>
       </p:transition>
@@ -31553,13 +31553,13 @@
   <p:clrMapOvr>
     <a:masterClrMapping/>
   </p:clrMapOvr>
-  <mc:AlternateContent xmlns:mc="http://schemas.openxmlformats.org/markup-compatibility/2006" xmlns:p14="http://schemas.microsoft.com/office/powerpoint/2010/main">
-    <mc:Choice Requires="p14">
+  <mc:AlternateContent xmlns:mc="http://schemas.openxmlformats.org/markup-compatibility/2006">
+    <mc:Choice xmlns:p14="http://schemas.microsoft.com/office/powerpoint/2010/main" Requires="p14">
       <p:transition p14:dur="300">
         <p:fade/>
       </p:transition>
     </mc:Choice>
-    <mc:Fallback xmlns="">
+    <mc:Fallback>
       <p:transition>
         <p:fade/>
       </p:transition>
@@ -31645,13 +31645,13 @@
   <p:clrMapOvr>
     <a:masterClrMapping/>
   </p:clrMapOvr>
-  <mc:AlternateContent xmlns:mc="http://schemas.openxmlformats.org/markup-compatibility/2006" xmlns:p14="http://schemas.microsoft.com/office/powerpoint/2010/main">
-    <mc:Choice Requires="p14">
+  <mc:AlternateContent xmlns:mc="http://schemas.openxmlformats.org/markup-compatibility/2006">
+    <mc:Choice xmlns:p14="http://schemas.microsoft.com/office/powerpoint/2010/main" Requires="p14">
       <p:transition p14:dur="300">
         <p:fade/>
       </p:transition>
     </mc:Choice>
-    <mc:Fallback xmlns="">
+    <mc:Fallback>
       <p:transition>
         <p:fade/>
       </p:transition>
@@ -31737,13 +31737,13 @@
   <p:clrMapOvr>
     <a:masterClrMapping/>
   </p:clrMapOvr>
-  <mc:AlternateContent xmlns:mc="http://schemas.openxmlformats.org/markup-compatibility/2006" xmlns:p14="http://schemas.microsoft.com/office/powerpoint/2010/main">
-    <mc:Choice Requires="p14">
+  <mc:AlternateContent xmlns:mc="http://schemas.openxmlformats.org/markup-compatibility/2006">
+    <mc:Choice xmlns:p14="http://schemas.microsoft.com/office/powerpoint/2010/main" Requires="p14">
       <p:transition p14:dur="300">
         <p:fade/>
       </p:transition>
     </mc:Choice>
-    <mc:Fallback xmlns="">
+    <mc:Fallback>
       <p:transition>
         <p:fade/>
       </p:transition>
@@ -31829,13 +31829,13 @@
   <p:clrMapOvr>
     <a:masterClrMapping/>
   </p:clrMapOvr>
-  <mc:AlternateContent xmlns:mc="http://schemas.openxmlformats.org/markup-compatibility/2006" xmlns:p14="http://schemas.microsoft.com/office/powerpoint/2010/main">
-    <mc:Choice Requires="p14">
+  <mc:AlternateContent xmlns:mc="http://schemas.openxmlformats.org/markup-compatibility/2006">
+    <mc:Choice xmlns:p14="http://schemas.microsoft.com/office/powerpoint/2010/main" Requires="p14">
       <p:transition p14:dur="300">
         <p:fade/>
       </p:transition>
     </mc:Choice>
-    <mc:Fallback xmlns="">
+    <mc:Fallback>
       <p:transition>
         <p:fade/>
       </p:transition>
@@ -31921,13 +31921,13 @@
   <p:clrMapOvr>
     <a:masterClrMapping/>
   </p:clrMapOvr>
-  <mc:AlternateContent xmlns:mc="http://schemas.openxmlformats.org/markup-compatibility/2006" xmlns:p14="http://schemas.microsoft.com/office/powerpoint/2010/main">
-    <mc:Choice Requires="p14">
+  <mc:AlternateContent xmlns:mc="http://schemas.openxmlformats.org/markup-compatibility/2006">
+    <mc:Choice xmlns:p14="http://schemas.microsoft.com/office/powerpoint/2010/main" Requires="p14">
       <p:transition p14:dur="300">
         <p:fade/>
       </p:transition>
     </mc:Choice>
-    <mc:Fallback xmlns="">
+    <mc:Fallback>
       <p:transition>
         <p:fade/>
       </p:transition>
@@ -32044,13 +32044,13 @@
   <p:clrMapOvr>
     <a:masterClrMapping/>
   </p:clrMapOvr>
-  <mc:AlternateContent xmlns:mc="http://schemas.openxmlformats.org/markup-compatibility/2006" xmlns:p14="http://schemas.microsoft.com/office/powerpoint/2010/main">
-    <mc:Choice Requires="p14">
+  <mc:AlternateContent xmlns:mc="http://schemas.openxmlformats.org/markup-compatibility/2006">
+    <mc:Choice xmlns:p14="http://schemas.microsoft.com/office/powerpoint/2010/main" Requires="p14">
       <p:transition p14:dur="300">
         <p:fade/>
       </p:transition>
     </mc:Choice>
-    <mc:Fallback xmlns="">
+    <mc:Fallback>
       <p:transition>
         <p:fade/>
       </p:transition>
@@ -32144,13 +32144,13 @@
   <p:clrMapOvr>
     <a:masterClrMapping/>
   </p:clrMapOvr>
-  <mc:AlternateContent xmlns:mc="http://schemas.openxmlformats.org/markup-compatibility/2006" xmlns:p14="http://schemas.microsoft.com/office/powerpoint/2010/main">
-    <mc:Choice Requires="p14">
+  <mc:AlternateContent xmlns:mc="http://schemas.openxmlformats.org/markup-compatibility/2006">
+    <mc:Choice xmlns:p14="http://schemas.microsoft.com/office/powerpoint/2010/main" Requires="p14">
       <p:transition p14:dur="300">
         <p:fade/>
       </p:transition>
     </mc:Choice>
-    <mc:Fallback xmlns="">
+    <mc:Fallback>
       <p:transition>
         <p:fade/>
       </p:transition>
@@ -32236,13 +32236,13 @@
   <p:clrMapOvr>
     <a:masterClrMapping/>
   </p:clrMapOvr>
-  <mc:AlternateContent xmlns:mc="http://schemas.openxmlformats.org/markup-compatibility/2006" xmlns:p14="http://schemas.microsoft.com/office/powerpoint/2010/main">
-    <mc:Choice Requires="p14">
+  <mc:AlternateContent xmlns:mc="http://schemas.openxmlformats.org/markup-compatibility/2006">
+    <mc:Choice xmlns:p14="http://schemas.microsoft.com/office/powerpoint/2010/main" Requires="p14">
       <p:transition p14:dur="300">
         <p:fade/>
       </p:transition>
     </mc:Choice>
-    <mc:Fallback xmlns="">
+    <mc:Fallback>
       <p:transition>
         <p:fade/>
       </p:transition>
@@ -32328,13 +32328,13 @@
   <p:clrMapOvr>
     <a:masterClrMapping/>
   </p:clrMapOvr>
-  <mc:AlternateContent xmlns:mc="http://schemas.openxmlformats.org/markup-compatibility/2006" xmlns:p14="http://schemas.microsoft.com/office/powerpoint/2010/main">
-    <mc:Choice Requires="p14">
+  <mc:AlternateContent xmlns:mc="http://schemas.openxmlformats.org/markup-compatibility/2006">
+    <mc:Choice xmlns:p14="http://schemas.microsoft.com/office/powerpoint/2010/main" Requires="p14">
       <p:transition p14:dur="300">
         <p:fade/>
       </p:transition>
     </mc:Choice>
-    <mc:Fallback xmlns="">
+    <mc:Fallback>
       <p:transition>
         <p:fade/>
       </p:transition>
@@ -32436,13 +32436,13 @@
   <p:clrMapOvr>
     <a:masterClrMapping/>
   </p:clrMapOvr>
-  <mc:AlternateContent xmlns:mc="http://schemas.openxmlformats.org/markup-compatibility/2006" xmlns:p14="http://schemas.microsoft.com/office/powerpoint/2010/main">
-    <mc:Choice Requires="p14">
+  <mc:AlternateContent xmlns:mc="http://schemas.openxmlformats.org/markup-compatibility/2006">
+    <mc:Choice xmlns:p14="http://schemas.microsoft.com/office/powerpoint/2010/main" Requires="p14">
       <p:transition p14:dur="300">
         <p:fade/>
       </p:transition>
     </mc:Choice>
-    <mc:Fallback xmlns="">
+    <mc:Fallback>
       <p:transition>
         <p:fade/>
       </p:transition>
@@ -32528,13 +32528,13 @@
   <p:clrMapOvr>
     <a:masterClrMapping/>
   </p:clrMapOvr>
-  <mc:AlternateContent xmlns:mc="http://schemas.openxmlformats.org/markup-compatibility/2006" xmlns:p14="http://schemas.microsoft.com/office/powerpoint/2010/main">
-    <mc:Choice Requires="p14">
+  <mc:AlternateContent xmlns:mc="http://schemas.openxmlformats.org/markup-compatibility/2006">
+    <mc:Choice xmlns:p14="http://schemas.microsoft.com/office/powerpoint/2010/main" Requires="p14">
       <p:transition p14:dur="300">
         <p:fade/>
       </p:transition>
     </mc:Choice>
-    <mc:Fallback xmlns="">
+    <mc:Fallback>
       <p:transition>
         <p:fade/>
       </p:transition>
@@ -32628,13 +32628,13 @@
   <p:clrMapOvr>
     <a:masterClrMapping/>
   </p:clrMapOvr>
-  <mc:AlternateContent xmlns:mc="http://schemas.openxmlformats.org/markup-compatibility/2006" xmlns:p14="http://schemas.microsoft.com/office/powerpoint/2010/main">
-    <mc:Choice Requires="p14">
+  <mc:AlternateContent xmlns:mc="http://schemas.openxmlformats.org/markup-compatibility/2006">
+    <mc:Choice xmlns:p14="http://schemas.microsoft.com/office/powerpoint/2010/main" Requires="p14">
       <p:transition p14:dur="300">
         <p:fade/>
       </p:transition>
     </mc:Choice>
-    <mc:Fallback xmlns="">
+    <mc:Fallback>
       <p:transition>
         <p:fade/>
       </p:transition>
@@ -32720,13 +32720,13 @@
   <p:clrMapOvr>
     <a:masterClrMapping/>
   </p:clrMapOvr>
-  <mc:AlternateContent xmlns:mc="http://schemas.openxmlformats.org/markup-compatibility/2006" xmlns:p14="http://schemas.microsoft.com/office/powerpoint/2010/main">
-    <mc:Choice Requires="p14">
+  <mc:AlternateContent xmlns:mc="http://schemas.openxmlformats.org/markup-compatibility/2006">
+    <mc:Choice xmlns:p14="http://schemas.microsoft.com/office/powerpoint/2010/main" Requires="p14">
       <p:transition p14:dur="300">
         <p:fade/>
       </p:transition>
     </mc:Choice>
-    <mc:Fallback xmlns="">
+    <mc:Fallback>
       <p:transition>
         <p:fade/>
       </p:transition>
@@ -32812,13 +32812,13 @@
   <p:clrMapOvr>
     <a:masterClrMapping/>
   </p:clrMapOvr>
-  <mc:AlternateContent xmlns:mc="http://schemas.openxmlformats.org/markup-compatibility/2006" xmlns:p14="http://schemas.microsoft.com/office/powerpoint/2010/main">
-    <mc:Choice Requires="p14">
+  <mc:AlternateContent xmlns:mc="http://schemas.openxmlformats.org/markup-compatibility/2006">
+    <mc:Choice xmlns:p14="http://schemas.microsoft.com/office/powerpoint/2010/main" Requires="p14">
       <p:transition p14:dur="300">
         <p:fade/>
       </p:transition>
     </mc:Choice>
-    <mc:Fallback xmlns="">
+    <mc:Fallback>
       <p:transition>
         <p:fade/>
       </p:transition>
@@ -32904,13 +32904,13 @@
   <p:clrMapOvr>
     <a:masterClrMapping/>
   </p:clrMapOvr>
-  <mc:AlternateContent xmlns:mc="http://schemas.openxmlformats.org/markup-compatibility/2006" xmlns:p14="http://schemas.microsoft.com/office/powerpoint/2010/main">
-    <mc:Choice Requires="p14">
+  <mc:AlternateContent xmlns:mc="http://schemas.openxmlformats.org/markup-compatibility/2006">
+    <mc:Choice xmlns:p14="http://schemas.microsoft.com/office/powerpoint/2010/main" Requires="p14">
       <p:transition p14:dur="300">
         <p:fade/>
       </p:transition>
     </mc:Choice>
-    <mc:Fallback xmlns="">
+    <mc:Fallback>
       <p:transition>
         <p:fade/>
       </p:transition>
@@ -32996,13 +32996,13 @@
   <p:clrMapOvr>
     <a:masterClrMapping/>
   </p:clrMapOvr>
-  <mc:AlternateContent xmlns:mc="http://schemas.openxmlformats.org/markup-compatibility/2006" xmlns:p14="http://schemas.microsoft.com/office/powerpoint/2010/main">
-    <mc:Choice Requires="p14">
+  <mc:AlternateContent xmlns:mc="http://schemas.openxmlformats.org/markup-compatibility/2006">
+    <mc:Choice xmlns:p14="http://schemas.microsoft.com/office/powerpoint/2010/main" Requires="p14">
       <p:transition p14:dur="300">
         <p:fade/>
       </p:transition>
     </mc:Choice>
-    <mc:Fallback xmlns="">
+    <mc:Fallback>
       <p:transition>
         <p:fade/>
       </p:transition>
@@ -33088,13 +33088,13 @@
   <p:clrMapOvr>
     <a:masterClrMapping/>
   </p:clrMapOvr>
-  <mc:AlternateContent xmlns:mc="http://schemas.openxmlformats.org/markup-compatibility/2006" xmlns:p14="http://schemas.microsoft.com/office/powerpoint/2010/main">
-    <mc:Choice Requires="p14">
+  <mc:AlternateContent xmlns:mc="http://schemas.openxmlformats.org/markup-compatibility/2006">
+    <mc:Choice xmlns:p14="http://schemas.microsoft.com/office/powerpoint/2010/main" Requires="p14">
       <p:transition p14:dur="300">
         <p:fade/>
       </p:transition>
     </mc:Choice>
-    <mc:Fallback xmlns="">
+    <mc:Fallback>
       <p:transition>
         <p:fade/>
       </p:transition>
@@ -33180,13 +33180,13 @@
   <p:clrMapOvr>
     <a:masterClrMapping/>
   </p:clrMapOvr>
-  <mc:AlternateContent xmlns:mc="http://schemas.openxmlformats.org/markup-compatibility/2006" xmlns:p14="http://schemas.microsoft.com/office/powerpoint/2010/main">
-    <mc:Choice Requires="p14">
+  <mc:AlternateContent xmlns:mc="http://schemas.openxmlformats.org/markup-compatibility/2006">
+    <mc:Choice xmlns:p14="http://schemas.microsoft.com/office/powerpoint/2010/main" Requires="p14">
       <p:transition p14:dur="300">
         <p:fade/>
       </p:transition>
     </mc:Choice>
-    <mc:Fallback xmlns="">
+    <mc:Fallback>
       <p:transition>
         <p:fade/>
       </p:transition>
@@ -33288,13 +33288,13 @@
   <p:clrMapOvr>
     <a:masterClrMapping/>
   </p:clrMapOvr>
-  <mc:AlternateContent xmlns:mc="http://schemas.openxmlformats.org/markup-compatibility/2006" xmlns:p14="http://schemas.microsoft.com/office/powerpoint/2010/main">
-    <mc:Choice Requires="p14">
+  <mc:AlternateContent xmlns:mc="http://schemas.openxmlformats.org/markup-compatibility/2006">
+    <mc:Choice xmlns:p14="http://schemas.microsoft.com/office/powerpoint/2010/main" Requires="p14">
       <p:transition p14:dur="300">
         <p:fade/>
       </p:transition>
     </mc:Choice>
-    <mc:Fallback xmlns="">
+    <mc:Fallback>
       <p:transition>
         <p:fade/>
       </p:transition>
@@ -33384,13 +33384,13 @@
   <p:clrMapOvr>
     <a:masterClrMapping/>
   </p:clrMapOvr>
-  <mc:AlternateContent xmlns:mc="http://schemas.openxmlformats.org/markup-compatibility/2006" xmlns:p14="http://schemas.microsoft.com/office/powerpoint/2010/main">
-    <mc:Choice Requires="p14">
+  <mc:AlternateContent xmlns:mc="http://schemas.openxmlformats.org/markup-compatibility/2006">
+    <mc:Choice xmlns:p14="http://schemas.microsoft.com/office/powerpoint/2010/main" Requires="p14">
       <p:transition p14:dur="300">
         <p:fade/>
       </p:transition>
     </mc:Choice>
-    <mc:Fallback xmlns="">
+    <mc:Fallback>
       <p:transition>
         <p:fade/>
       </p:transition>
@@ -33476,13 +33476,13 @@
   <p:clrMapOvr>
     <a:masterClrMapping/>
   </p:clrMapOvr>
-  <mc:AlternateContent xmlns:mc="http://schemas.openxmlformats.org/markup-compatibility/2006" xmlns:p14="http://schemas.microsoft.com/office/powerpoint/2010/main">
-    <mc:Choice Requires="p14">
+  <mc:AlternateContent xmlns:mc="http://schemas.openxmlformats.org/markup-compatibility/2006">
+    <mc:Choice xmlns:p14="http://schemas.microsoft.com/office/powerpoint/2010/main" Requires="p14">
       <p:transition p14:dur="300">
         <p:fade/>
       </p:transition>
     </mc:Choice>
-    <mc:Fallback xmlns="">
+    <mc:Fallback>
       <p:transition>
         <p:fade/>
       </p:transition>
@@ -33568,13 +33568,13 @@
   <p:clrMapOvr>
     <a:masterClrMapping/>
   </p:clrMapOvr>
-  <mc:AlternateContent xmlns:mc="http://schemas.openxmlformats.org/markup-compatibility/2006" xmlns:p14="http://schemas.microsoft.com/office/powerpoint/2010/main">
-    <mc:Choice Requires="p14">
+  <mc:AlternateContent xmlns:mc="http://schemas.openxmlformats.org/markup-compatibility/2006">
+    <mc:Choice xmlns:p14="http://schemas.microsoft.com/office/powerpoint/2010/main" Requires="p14">
       <p:transition p14:dur="300">
         <p:fade/>
       </p:transition>
     </mc:Choice>
-    <mc:Fallback xmlns="">
+    <mc:Fallback>
       <p:transition>
         <p:fade/>
       </p:transition>
@@ -33660,13 +33660,13 @@
   <p:clrMapOvr>
     <a:masterClrMapping/>
   </p:clrMapOvr>
-  <mc:AlternateContent xmlns:mc="http://schemas.openxmlformats.org/markup-compatibility/2006" xmlns:p14="http://schemas.microsoft.com/office/powerpoint/2010/main">
-    <mc:Choice Requires="p14">
+  <mc:AlternateContent xmlns:mc="http://schemas.openxmlformats.org/markup-compatibility/2006">
+    <mc:Choice xmlns:p14="http://schemas.microsoft.com/office/powerpoint/2010/main" Requires="p14">
       <p:transition p14:dur="300">
         <p:fade/>
       </p:transition>
     </mc:Choice>
-    <mc:Fallback xmlns="">
+    <mc:Fallback>
       <p:transition>
         <p:fade/>
       </p:transition>
@@ -33752,13 +33752,13 @@
   <p:clrMapOvr>
     <a:masterClrMapping/>
   </p:clrMapOvr>
-  <mc:AlternateContent xmlns:mc="http://schemas.openxmlformats.org/markup-compatibility/2006" xmlns:p14="http://schemas.microsoft.com/office/powerpoint/2010/main">
-    <mc:Choice Requires="p14">
+  <mc:AlternateContent xmlns:mc="http://schemas.openxmlformats.org/markup-compatibility/2006">
+    <mc:Choice xmlns:p14="http://schemas.microsoft.com/office/powerpoint/2010/main" Requires="p14">
       <p:transition p14:dur="300">
         <p:fade/>
       </p:transition>
     </mc:Choice>
-    <mc:Fallback xmlns="">
+    <mc:Fallback>
       <p:transition>
         <p:fade/>
       </p:transition>
@@ -33844,13 +33844,13 @@
   <p:clrMapOvr>
     <a:masterClrMapping/>
   </p:clrMapOvr>
-  <mc:AlternateContent xmlns:mc="http://schemas.openxmlformats.org/markup-compatibility/2006" xmlns:p14="http://schemas.microsoft.com/office/powerpoint/2010/main">
-    <mc:Choice Requires="p14">
+  <mc:AlternateContent xmlns:mc="http://schemas.openxmlformats.org/markup-compatibility/2006">
+    <mc:Choice xmlns:p14="http://schemas.microsoft.com/office/powerpoint/2010/main" Requires="p14">
       <p:transition p14:dur="300">
         <p:fade/>
       </p:transition>
     </mc:Choice>
-    <mc:Fallback xmlns="">
+    <mc:Fallback>
       <p:transition>
         <p:fade/>
       </p:transition>
@@ -33936,13 +33936,13 @@
   <p:clrMapOvr>
     <a:masterClrMapping/>
   </p:clrMapOvr>
-  <mc:AlternateContent xmlns:mc="http://schemas.openxmlformats.org/markup-compatibility/2006" xmlns:p14="http://schemas.microsoft.com/office/powerpoint/2010/main">
-    <mc:Choice Requires="p14">
+  <mc:AlternateContent xmlns:mc="http://schemas.openxmlformats.org/markup-compatibility/2006">
+    <mc:Choice xmlns:p14="http://schemas.microsoft.com/office/powerpoint/2010/main" Requires="p14">
       <p:transition p14:dur="300">
         <p:fade/>
       </p:transition>
     </mc:Choice>
-    <mc:Fallback xmlns="">
+    <mc:Fallback>
       <p:transition>
         <p:fade/>
       </p:transition>
@@ -34028,13 +34028,13 @@
   <p:clrMapOvr>
     <a:masterClrMapping/>
   </p:clrMapOvr>
-  <mc:AlternateContent xmlns:mc="http://schemas.openxmlformats.org/markup-compatibility/2006" xmlns:p14="http://schemas.microsoft.com/office/powerpoint/2010/main">
-    <mc:Choice Requires="p14">
+  <mc:AlternateContent xmlns:mc="http://schemas.openxmlformats.org/markup-compatibility/2006">
+    <mc:Choice xmlns:p14="http://schemas.microsoft.com/office/powerpoint/2010/main" Requires="p14">
       <p:transition p14:dur="300">
         <p:fade/>
       </p:transition>
     </mc:Choice>
-    <mc:Fallback xmlns="">
+    <mc:Fallback>
       <p:transition>
         <p:fade/>
       </p:transition>
@@ -34120,13 +34120,13 @@
   <p:clrMapOvr>
     <a:masterClrMapping/>
   </p:clrMapOvr>
-  <mc:AlternateContent xmlns:mc="http://schemas.openxmlformats.org/markup-compatibility/2006" xmlns:p14="http://schemas.microsoft.com/office/powerpoint/2010/main">
-    <mc:Choice Requires="p14">
+  <mc:AlternateContent xmlns:mc="http://schemas.openxmlformats.org/markup-compatibility/2006">
+    <mc:Choice xmlns:p14="http://schemas.microsoft.com/office/powerpoint/2010/main" Requires="p14">
       <p:transition p14:dur="300">
         <p:fade/>
       </p:transition>
     </mc:Choice>
-    <mc:Fallback xmlns="">
+    <mc:Fallback>
       <p:transition>
         <p:fade/>
       </p:transition>
@@ -34212,13 +34212,13 @@
   <p:clrMapOvr>
     <a:masterClrMapping/>
   </p:clrMapOvr>
-  <mc:AlternateContent xmlns:mc="http://schemas.openxmlformats.org/markup-compatibility/2006" xmlns:p14="http://schemas.microsoft.com/office/powerpoint/2010/main">
-    <mc:Choice Requires="p14">
+  <mc:AlternateContent xmlns:mc="http://schemas.openxmlformats.org/markup-compatibility/2006">
+    <mc:Choice xmlns:p14="http://schemas.microsoft.com/office/powerpoint/2010/main" Requires="p14">
       <p:transition p14:dur="300">
         <p:fade/>
       </p:transition>
     </mc:Choice>
-    <mc:Fallback xmlns="">
+    <mc:Fallback>
       <p:transition>
         <p:fade/>
       </p:transition>
@@ -34312,13 +34312,13 @@
   <p:clrMapOvr>
     <a:masterClrMapping/>
   </p:clrMapOvr>
-  <mc:AlternateContent xmlns:mc="http://schemas.openxmlformats.org/markup-compatibility/2006" xmlns:p14="http://schemas.microsoft.com/office/powerpoint/2010/main">
-    <mc:Choice Requires="p14">
+  <mc:AlternateContent xmlns:mc="http://schemas.openxmlformats.org/markup-compatibility/2006">
+    <mc:Choice xmlns:p14="http://schemas.microsoft.com/office/powerpoint/2010/main" Requires="p14">
       <p:transition p14:dur="300">
         <p:fade/>
       </p:transition>
     </mc:Choice>
-    <mc:Fallback xmlns="">
+    <mc:Fallback>
       <p:transition>
         <p:fade/>
       </p:transition>
@@ -34404,13 +34404,13 @@
   <p:clrMapOvr>
     <a:masterClrMapping/>
   </p:clrMapOvr>
-  <mc:AlternateContent xmlns:mc="http://schemas.openxmlformats.org/markup-compatibility/2006" xmlns:p14="http://schemas.microsoft.com/office/powerpoint/2010/main">
-    <mc:Choice Requires="p14">
+  <mc:AlternateContent xmlns:mc="http://schemas.openxmlformats.org/markup-compatibility/2006">
+    <mc:Choice xmlns:p14="http://schemas.microsoft.com/office/powerpoint/2010/main" Requires="p14">
       <p:transition p14:dur="300">
         <p:fade/>
       </p:transition>
     </mc:Choice>
-    <mc:Fallback xmlns="">
+    <mc:Fallback>
       <p:transition>
         <p:fade/>
       </p:transition>
@@ -34496,13 +34496,13 @@
   <p:clrMapOvr>
     <a:masterClrMapping/>
   </p:clrMapOvr>
-  <mc:AlternateContent xmlns:mc="http://schemas.openxmlformats.org/markup-compatibility/2006" xmlns:p14="http://schemas.microsoft.com/office/powerpoint/2010/main">
-    <mc:Choice Requires="p14">
+  <mc:AlternateContent xmlns:mc="http://schemas.openxmlformats.org/markup-compatibility/2006">
+    <mc:Choice xmlns:p14="http://schemas.microsoft.com/office/powerpoint/2010/main" Requires="p14">
       <p:transition p14:dur="300">
         <p:fade/>
       </p:transition>
     </mc:Choice>
-    <mc:Fallback xmlns="">
+    <mc:Fallback>
       <p:transition>
         <p:fade/>
       </p:transition>
@@ -34588,13 +34588,13 @@
   <p:clrMapOvr>
     <a:masterClrMapping/>
   </p:clrMapOvr>
-  <mc:AlternateContent xmlns:mc="http://schemas.openxmlformats.org/markup-compatibility/2006" xmlns:p14="http://schemas.microsoft.com/office/powerpoint/2010/main">
-    <mc:Choice Requires="p14">
+  <mc:AlternateContent xmlns:mc="http://schemas.openxmlformats.org/markup-compatibility/2006">
+    <mc:Choice xmlns:p14="http://schemas.microsoft.com/office/powerpoint/2010/main" Requires="p14">
       <p:transition p14:dur="300">
         <p:fade/>
       </p:transition>
     </mc:Choice>
-    <mc:Fallback xmlns="">
+    <mc:Fallback>
       <p:transition>
         <p:fade/>
       </p:transition>
@@ -34680,13 +34680,13 @@
   <p:clrMapOvr>
     <a:masterClrMapping/>
   </p:clrMapOvr>
-  <mc:AlternateContent xmlns:mc="http://schemas.openxmlformats.org/markup-compatibility/2006" xmlns:p14="http://schemas.microsoft.com/office/powerpoint/2010/main">
-    <mc:Choice Requires="p14">
+  <mc:AlternateContent xmlns:mc="http://schemas.openxmlformats.org/markup-compatibility/2006">
+    <mc:Choice xmlns:p14="http://schemas.microsoft.com/office/powerpoint/2010/main" Requires="p14">
       <p:transition p14:dur="300">
         <p:fade/>
       </p:transition>
     </mc:Choice>
-    <mc:Fallback xmlns="">
+    <mc:Fallback>
       <p:transition>
         <p:fade/>
       </p:transition>
@@ -34772,13 +34772,13 @@
   <p:clrMapOvr>
     <a:masterClrMapping/>
   </p:clrMapOvr>
-  <mc:AlternateContent xmlns:mc="http://schemas.openxmlformats.org/markup-compatibility/2006" xmlns:p14="http://schemas.microsoft.com/office/powerpoint/2010/main">
-    <mc:Choice Requires="p14">
+  <mc:AlternateContent xmlns:mc="http://schemas.openxmlformats.org/markup-compatibility/2006">
+    <mc:Choice xmlns:p14="http://schemas.microsoft.com/office/powerpoint/2010/main" Requires="p14">
       <p:transition p14:dur="300">
         <p:fade/>
       </p:transition>
     </mc:Choice>
-    <mc:Fallback xmlns="">
+    <mc:Fallback>
       <p:transition>
         <p:fade/>
       </p:transition>
@@ -34864,13 +34864,13 @@
   <p:clrMapOvr>
     <a:masterClrMapping/>
   </p:clrMapOvr>
-  <mc:AlternateContent xmlns:mc="http://schemas.openxmlformats.org/markup-compatibility/2006" xmlns:p14="http://schemas.microsoft.com/office/powerpoint/2010/main">
-    <mc:Choice Requires="p14">
+  <mc:AlternateContent xmlns:mc="http://schemas.openxmlformats.org/markup-compatibility/2006">
+    <mc:Choice xmlns:p14="http://schemas.microsoft.com/office/powerpoint/2010/main" Requires="p14">
       <p:transition p14:dur="300">
         <p:fade/>
       </p:transition>
     </mc:Choice>
-    <mc:Fallback xmlns="">
+    <mc:Fallback>
       <p:transition>
         <p:fade/>
       </p:transition>
@@ -34956,13 +34956,13 @@
   <p:clrMapOvr>
     <a:masterClrMapping/>
   </p:clrMapOvr>
-  <mc:AlternateContent xmlns:mc="http://schemas.openxmlformats.org/markup-compatibility/2006" xmlns:p14="http://schemas.microsoft.com/office/powerpoint/2010/main">
-    <mc:Choice Requires="p14">
+  <mc:AlternateContent xmlns:mc="http://schemas.openxmlformats.org/markup-compatibility/2006">
+    <mc:Choice xmlns:p14="http://schemas.microsoft.com/office/powerpoint/2010/main" Requires="p14">
       <p:transition p14:dur="300">
         <p:fade/>
       </p:transition>
     </mc:Choice>
-    <mc:Fallback xmlns="">
+    <mc:Fallback>
       <p:transition>
         <p:fade/>
       </p:transition>
@@ -35048,13 +35048,13 @@
   <p:clrMapOvr>
     <a:masterClrMapping/>
   </p:clrMapOvr>
-  <mc:AlternateContent xmlns:mc="http://schemas.openxmlformats.org/markup-compatibility/2006" xmlns:p14="http://schemas.microsoft.com/office/powerpoint/2010/main">
-    <mc:Choice Requires="p14">
+  <mc:AlternateContent xmlns:mc="http://schemas.openxmlformats.org/markup-compatibility/2006">
+    <mc:Choice xmlns:p14="http://schemas.microsoft.com/office/powerpoint/2010/main" Requires="p14">
       <p:transition p14:dur="300">
         <p:fade/>
       </p:transition>
     </mc:Choice>
-    <mc:Fallback xmlns="">
+    <mc:Fallback>
       <p:transition>
         <p:fade/>
       </p:transition>
@@ -35140,13 +35140,13 @@
   <p:clrMapOvr>
     <a:masterClrMapping/>
   </p:clrMapOvr>
-  <mc:AlternateContent xmlns:mc="http://schemas.openxmlformats.org/markup-compatibility/2006" xmlns:p14="http://schemas.microsoft.com/office/powerpoint/2010/main">
-    <mc:Choice Requires="p14">
+  <mc:AlternateContent xmlns:mc="http://schemas.openxmlformats.org/markup-compatibility/2006">
+    <mc:Choice xmlns:p14="http://schemas.microsoft.com/office/powerpoint/2010/main" Requires="p14">
       <p:transition p14:dur="300">
         <p:fade/>
       </p:transition>
     </mc:Choice>
-    <mc:Fallback xmlns="">
+    <mc:Fallback>
       <p:transition>
         <p:fade/>
       </p:transition>
@@ -35232,13 +35232,13 @@
   <p:clrMapOvr>
     <a:masterClrMapping/>
   </p:clrMapOvr>
-  <mc:AlternateContent xmlns:mc="http://schemas.openxmlformats.org/markup-compatibility/2006" xmlns:p14="http://schemas.microsoft.com/office/powerpoint/2010/main">
-    <mc:Choice Requires="p14">
+  <mc:AlternateContent xmlns:mc="http://schemas.openxmlformats.org/markup-compatibility/2006">
+    <mc:Choice xmlns:p14="http://schemas.microsoft.com/office/powerpoint/2010/main" Requires="p14">
       <p:transition p14:dur="300">
         <p:fade/>
       </p:transition>
     </mc:Choice>
-    <mc:Fallback xmlns="">
+    <mc:Fallback>
       <p:transition>
         <p:fade/>
       </p:transition>
@@ -35332,13 +35332,13 @@
   <p:clrMapOvr>
     <a:masterClrMapping/>
   </p:clrMapOvr>
-  <mc:AlternateContent xmlns:mc="http://schemas.openxmlformats.org/markup-compatibility/2006" xmlns:p14="http://schemas.microsoft.com/office/powerpoint/2010/main">
-    <mc:Choice Requires="p14">
+  <mc:AlternateContent xmlns:mc="http://schemas.openxmlformats.org/markup-compatibility/2006">
+    <mc:Choice xmlns:p14="http://schemas.microsoft.com/office/powerpoint/2010/main" Requires="p14">
       <p:transition p14:dur="300">
         <p:fade/>
       </p:transition>
     </mc:Choice>
-    <mc:Fallback xmlns="">
+    <mc:Fallback>
       <p:transition>
         <p:fade/>
       </p:transition>
@@ -35432,13 +35432,13 @@
   <p:clrMapOvr>
     <a:masterClrMapping/>
   </p:clrMapOvr>
-  <mc:AlternateContent xmlns:mc="http://schemas.openxmlformats.org/markup-compatibility/2006" xmlns:p14="http://schemas.microsoft.com/office/powerpoint/2010/main">
-    <mc:Choice Requires="p14">
+  <mc:AlternateContent xmlns:mc="http://schemas.openxmlformats.org/markup-compatibility/2006">
+    <mc:Choice xmlns:p14="http://schemas.microsoft.com/office/powerpoint/2010/main" Requires="p14">
       <p:transition p14:dur="300">
         <p:fade/>
       </p:transition>
     </mc:Choice>
-    <mc:Fallback xmlns="">
+    <mc:Fallback>
       <p:transition>
         <p:fade/>
       </p:transition>
@@ -35524,13 +35524,13 @@
   <p:clrMapOvr>
     <a:masterClrMapping/>
   </p:clrMapOvr>
-  <mc:AlternateContent xmlns:mc="http://schemas.openxmlformats.org/markup-compatibility/2006" xmlns:p14="http://schemas.microsoft.com/office/powerpoint/2010/main">
-    <mc:Choice Requires="p14">
+  <mc:AlternateContent xmlns:mc="http://schemas.openxmlformats.org/markup-compatibility/2006">
+    <mc:Choice xmlns:p14="http://schemas.microsoft.com/office/powerpoint/2010/main" Requires="p14">
       <p:transition p14:dur="300">
         <p:fade/>
       </p:transition>
     </mc:Choice>
-    <mc:Fallback xmlns="">
+    <mc:Fallback>
       <p:transition>
         <p:fade/>
       </p:transition>
@@ -35624,13 +35624,13 @@
   <p:clrMapOvr>
     <a:masterClrMapping/>
   </p:clrMapOvr>
-  <mc:AlternateContent xmlns:mc="http://schemas.openxmlformats.org/markup-compatibility/2006" xmlns:p14="http://schemas.microsoft.com/office/powerpoint/2010/main">
-    <mc:Choice Requires="p14">
+  <mc:AlternateContent xmlns:mc="http://schemas.openxmlformats.org/markup-compatibility/2006">
+    <mc:Choice xmlns:p14="http://schemas.microsoft.com/office/powerpoint/2010/main" Requires="p14">
       <p:transition p14:dur="300">
         <p:fade/>
       </p:transition>
     </mc:Choice>
-    <mc:Fallback xmlns="">
+    <mc:Fallback>
       <p:transition>
         <p:fade/>
       </p:transition>
@@ -35716,13 +35716,13 @@
   <p:clrMapOvr>
     <a:masterClrMapping/>
   </p:clrMapOvr>
-  <mc:AlternateContent xmlns:mc="http://schemas.openxmlformats.org/markup-compatibility/2006" xmlns:p14="http://schemas.microsoft.com/office/powerpoint/2010/main">
-    <mc:Choice Requires="p14">
+  <mc:AlternateContent xmlns:mc="http://schemas.openxmlformats.org/markup-compatibility/2006">
+    <mc:Choice xmlns:p14="http://schemas.microsoft.com/office/powerpoint/2010/main" Requires="p14">
       <p:transition p14:dur="300">
         <p:fade/>
       </p:transition>
     </mc:Choice>
-    <mc:Fallback xmlns="">
+    <mc:Fallback>
       <p:transition>
         <p:fade/>
       </p:transition>
@@ -35808,13 +35808,13 @@
   <p:clrMapOvr>
     <a:masterClrMapping/>
   </p:clrMapOvr>
-  <mc:AlternateContent xmlns:mc="http://schemas.openxmlformats.org/markup-compatibility/2006" xmlns:p14="http://schemas.microsoft.com/office/powerpoint/2010/main">
-    <mc:Choice Requires="p14">
+  <mc:AlternateContent xmlns:mc="http://schemas.openxmlformats.org/markup-compatibility/2006">
+    <mc:Choice xmlns:p14="http://schemas.microsoft.com/office/powerpoint/2010/main" Requires="p14">
       <p:transition p14:dur="300">
         <p:fade/>
       </p:transition>
     </mc:Choice>
-    <mc:Fallback xmlns="">
+    <mc:Fallback>
       <p:transition>
         <p:fade/>
       </p:transition>
@@ -35900,13 +35900,13 @@
   <p:clrMapOvr>
     <a:masterClrMapping/>
   </p:clrMapOvr>
-  <mc:AlternateContent xmlns:mc="http://schemas.openxmlformats.org/markup-compatibility/2006" xmlns:p14="http://schemas.microsoft.com/office/powerpoint/2010/main">
-    <mc:Choice Requires="p14">
+  <mc:AlternateContent xmlns:mc="http://schemas.openxmlformats.org/markup-compatibility/2006">
+    <mc:Choice xmlns:p14="http://schemas.microsoft.com/office/powerpoint/2010/main" Requires="p14">
       <p:transition p14:dur="300">
         <p:fade/>
       </p:transition>
     </mc:Choice>
-    <mc:Fallback xmlns="">
+    <mc:Fallback>
       <p:transition>
         <p:fade/>
       </p:transition>
@@ -35992,13 +35992,13 @@
   <p:clrMapOvr>
     <a:masterClrMapping/>
   </p:clrMapOvr>
-  <mc:AlternateContent xmlns:mc="http://schemas.openxmlformats.org/markup-compatibility/2006" xmlns:p14="http://schemas.microsoft.com/office/powerpoint/2010/main">
-    <mc:Choice Requires="p14">
+  <mc:AlternateContent xmlns:mc="http://schemas.openxmlformats.org/markup-compatibility/2006">
+    <mc:Choice xmlns:p14="http://schemas.microsoft.com/office/powerpoint/2010/main" Requires="p14">
       <p:transition p14:dur="300">
         <p:fade/>
       </p:transition>
     </mc:Choice>
-    <mc:Fallback xmlns="">
+    <mc:Fallback>
       <p:transition>
         <p:fade/>
       </p:transition>
@@ -36084,13 +36084,13 @@
   <p:clrMapOvr>
     <a:masterClrMapping/>
   </p:clrMapOvr>
-  <mc:AlternateContent xmlns:mc="http://schemas.openxmlformats.org/markup-compatibility/2006" xmlns:p14="http://schemas.microsoft.com/office/powerpoint/2010/main">
-    <mc:Choice Requires="p14">
+  <mc:AlternateContent xmlns:mc="http://schemas.openxmlformats.org/markup-compatibility/2006">
+    <mc:Choice xmlns:p14="http://schemas.microsoft.com/office/powerpoint/2010/main" Requires="p14">
       <p:transition p14:dur="300">
         <p:fade/>
       </p:transition>
     </mc:Choice>
-    <mc:Fallback xmlns="">
+    <mc:Fallback>
       <p:transition>
         <p:fade/>
       </p:transition>
@@ -36176,13 +36176,13 @@
   <p:clrMapOvr>
     <a:masterClrMapping/>
   </p:clrMapOvr>
-  <mc:AlternateContent xmlns:mc="http://schemas.openxmlformats.org/markup-compatibility/2006" xmlns:p14="http://schemas.microsoft.com/office/powerpoint/2010/main">
-    <mc:Choice Requires="p14">
+  <mc:AlternateContent xmlns:mc="http://schemas.openxmlformats.org/markup-compatibility/2006">
+    <mc:Choice xmlns:p14="http://schemas.microsoft.com/office/powerpoint/2010/main" Requires="p14">
       <p:transition p14:dur="300">
         <p:fade/>
       </p:transition>
     </mc:Choice>
-    <mc:Fallback xmlns="">
+    <mc:Fallback>
       <p:transition>
         <p:fade/>
       </p:transition>
@@ -36268,13 +36268,13 @@
   <p:clrMapOvr>
     <a:masterClrMapping/>
   </p:clrMapOvr>
-  <mc:AlternateContent xmlns:mc="http://schemas.openxmlformats.org/markup-compatibility/2006" xmlns:p14="http://schemas.microsoft.com/office/powerpoint/2010/main">
-    <mc:Choice Requires="p14">
+  <mc:AlternateContent xmlns:mc="http://schemas.openxmlformats.org/markup-compatibility/2006">
+    <mc:Choice xmlns:p14="http://schemas.microsoft.com/office/powerpoint/2010/main" Requires="p14">
       <p:transition p14:dur="300">
         <p:fade/>
       </p:transition>
     </mc:Choice>
-    <mc:Fallback xmlns="">
+    <mc:Fallback>
       <p:transition>
         <p:fade/>
       </p:transition>
@@ -36368,13 +36368,13 @@
   <p:clrMapOvr>
     <a:masterClrMapping/>
   </p:clrMapOvr>
-  <mc:AlternateContent xmlns:mc="http://schemas.openxmlformats.org/markup-compatibility/2006" xmlns:p14="http://schemas.microsoft.com/office/powerpoint/2010/main">
-    <mc:Choice Requires="p14">
+  <mc:AlternateContent xmlns:mc="http://schemas.openxmlformats.org/markup-compatibility/2006">
+    <mc:Choice xmlns:p14="http://schemas.microsoft.com/office/powerpoint/2010/main" Requires="p14">
       <p:transition p14:dur="300">
         <p:fade/>
       </p:transition>
     </mc:Choice>
-    <mc:Fallback xmlns="">
+    <mc:Fallback>
       <p:transition>
         <p:fade/>
       </p:transition>
@@ -36460,13 +36460,13 @@
   <p:clrMapOvr>
     <a:masterClrMapping/>
   </p:clrMapOvr>
-  <mc:AlternateContent xmlns:mc="http://schemas.openxmlformats.org/markup-compatibility/2006" xmlns:p14="http://schemas.microsoft.com/office/powerpoint/2010/main">
-    <mc:Choice Requires="p14">
+  <mc:AlternateContent xmlns:mc="http://schemas.openxmlformats.org/markup-compatibility/2006">
+    <mc:Choice xmlns:p14="http://schemas.microsoft.com/office/powerpoint/2010/main" Requires="p14">
       <p:transition p14:dur="300">
         <p:fade/>
       </p:transition>
     </mc:Choice>
-    <mc:Fallback xmlns="">
+    <mc:Fallback>
       <p:transition>
         <p:fade/>
       </p:transition>
@@ -36552,13 +36552,13 @@
   <p:clrMapOvr>
     <a:masterClrMapping/>
   </p:clrMapOvr>
-  <mc:AlternateContent xmlns:mc="http://schemas.openxmlformats.org/markup-compatibility/2006" xmlns:p14="http://schemas.microsoft.com/office/powerpoint/2010/main">
-    <mc:Choice Requires="p14">
+  <mc:AlternateContent xmlns:mc="http://schemas.openxmlformats.org/markup-compatibility/2006">
+    <mc:Choice xmlns:p14="http://schemas.microsoft.com/office/powerpoint/2010/main" Requires="p14">
       <p:transition p14:dur="300">
         <p:fade/>
       </p:transition>
     </mc:Choice>
-    <mc:Fallback xmlns="">
+    <mc:Fallback>
       <p:transition>
         <p:fade/>
       </p:transition>
@@ -36644,13 +36644,13 @@
   <p:clrMapOvr>
     <a:masterClrMapping/>
   </p:clrMapOvr>
-  <mc:AlternateContent xmlns:mc="http://schemas.openxmlformats.org/markup-compatibility/2006" xmlns:p14="http://schemas.microsoft.com/office/powerpoint/2010/main">
-    <mc:Choice Requires="p14">
+  <mc:AlternateContent xmlns:mc="http://schemas.openxmlformats.org/markup-compatibility/2006">
+    <mc:Choice xmlns:p14="http://schemas.microsoft.com/office/powerpoint/2010/main" Requires="p14">
       <p:transition p14:dur="300">
         <p:fade/>
       </p:transition>
     </mc:Choice>
-    <mc:Fallback xmlns="">
+    <mc:Fallback>
       <p:transition>
         <p:fade/>
       </p:transition>
@@ -36736,13 +36736,13 @@
   <p:clrMapOvr>
     <a:masterClrMapping/>
   </p:clrMapOvr>
-  <mc:AlternateContent xmlns:mc="http://schemas.openxmlformats.org/markup-compatibility/2006" xmlns:p14="http://schemas.microsoft.com/office/powerpoint/2010/main">
-    <mc:Choice Requires="p14">
+  <mc:AlternateContent xmlns:mc="http://schemas.openxmlformats.org/markup-compatibility/2006">
+    <mc:Choice xmlns:p14="http://schemas.microsoft.com/office/powerpoint/2010/main" Requires="p14">
       <p:transition p14:dur="300">
         <p:fade/>
       </p:transition>
     </mc:Choice>
-    <mc:Fallback xmlns="">
+    <mc:Fallback>
       <p:transition>
         <p:fade/>
       </p:transition>
@@ -36836,13 +36836,13 @@
   <p:clrMapOvr>
     <a:masterClrMapping/>
   </p:clrMapOvr>
-  <mc:AlternateContent xmlns:mc="http://schemas.openxmlformats.org/markup-compatibility/2006" xmlns:p14="http://schemas.microsoft.com/office/powerpoint/2010/main">
-    <mc:Choice Requires="p14">
+  <mc:AlternateContent xmlns:mc="http://schemas.openxmlformats.org/markup-compatibility/2006">
+    <mc:Choice xmlns:p14="http://schemas.microsoft.com/office/powerpoint/2010/main" Requires="p14">
       <p:transition p14:dur="300">
         <p:fade/>
       </p:transition>
     </mc:Choice>
-    <mc:Fallback xmlns="">
+    <mc:Fallback>
       <p:transition>
         <p:fade/>
       </p:transition>
@@ -36936,13 +36936,13 @@
   <p:clrMapOvr>
     <a:masterClrMapping/>
   </p:clrMapOvr>
-  <mc:AlternateContent xmlns:mc="http://schemas.openxmlformats.org/markup-compatibility/2006" xmlns:p14="http://schemas.microsoft.com/office/powerpoint/2010/main">
-    <mc:Choice Requires="p14">
+  <mc:AlternateContent xmlns:mc="http://schemas.openxmlformats.org/markup-compatibility/2006">
+    <mc:Choice xmlns:p14="http://schemas.microsoft.com/office/powerpoint/2010/main" Requires="p14">
       <p:transition p14:dur="300">
         <p:fade/>
       </p:transition>
     </mc:Choice>
-    <mc:Fallback xmlns="">
+    <mc:Fallback>
       <p:transition>
         <p:fade/>
       </p:transition>
@@ -37028,13 +37028,13 @@
   <p:clrMapOvr>
     <a:masterClrMapping/>
   </p:clrMapOvr>
-  <mc:AlternateContent xmlns:mc="http://schemas.openxmlformats.org/markup-compatibility/2006" xmlns:p14="http://schemas.microsoft.com/office/powerpoint/2010/main">
-    <mc:Choice Requires="p14">
+  <mc:AlternateContent xmlns:mc="http://schemas.openxmlformats.org/markup-compatibility/2006">
+    <mc:Choice xmlns:p14="http://schemas.microsoft.com/office/powerpoint/2010/main" Requires="p14">
       <p:transition p14:dur="300">
         <p:fade/>
       </p:transition>
     </mc:Choice>
-    <mc:Fallback xmlns="">
+    <mc:Fallback>
       <p:transition>
         <p:fade/>
       </p:transition>
@@ -37120,13 +37120,13 @@
   <p:clrMapOvr>
     <a:masterClrMapping/>
   </p:clrMapOvr>
-  <mc:AlternateContent xmlns:mc="http://schemas.openxmlformats.org/markup-compatibility/2006" xmlns:p14="http://schemas.microsoft.com/office/powerpoint/2010/main">
-    <mc:Choice Requires="p14">
+  <mc:AlternateContent xmlns:mc="http://schemas.openxmlformats.org/markup-compatibility/2006">
+    <mc:Choice xmlns:p14="http://schemas.microsoft.com/office/powerpoint/2010/main" Requires="p14">
       <p:transition p14:dur="300">
         <p:fade/>
       </p:transition>
     </mc:Choice>
-    <mc:Fallback xmlns="">
+    <mc:Fallback>
       <p:transition>
         <p:fade/>
       </p:transition>
@@ -37212,13 +37212,13 @@
   <p:clrMapOvr>
     <a:masterClrMapping/>
   </p:clrMapOvr>
-  <mc:AlternateContent xmlns:mc="http://schemas.openxmlformats.org/markup-compatibility/2006" xmlns:p14="http://schemas.microsoft.com/office/powerpoint/2010/main">
-    <mc:Choice Requires="p14">
+  <mc:AlternateContent xmlns:mc="http://schemas.openxmlformats.org/markup-compatibility/2006">
+    <mc:Choice xmlns:p14="http://schemas.microsoft.com/office/powerpoint/2010/main" Requires="p14">
       <p:transition p14:dur="300">
         <p:fade/>
       </p:transition>
     </mc:Choice>
-    <mc:Fallback xmlns="">
+    <mc:Fallback>
       <p:transition>
         <p:fade/>
       </p:transition>
@@ -37304,13 +37304,13 @@
   <p:clrMapOvr>
     <a:masterClrMapping/>
   </p:clrMapOvr>
-  <mc:AlternateContent xmlns:mc="http://schemas.openxmlformats.org/markup-compatibility/2006" xmlns:p14="http://schemas.microsoft.com/office/powerpoint/2010/main">
-    <mc:Choice Requires="p14">
+  <mc:AlternateContent xmlns:mc="http://schemas.openxmlformats.org/markup-compatibility/2006">
+    <mc:Choice xmlns:p14="http://schemas.microsoft.com/office/powerpoint/2010/main" Requires="p14">
       <p:transition p14:dur="300">
         <p:fade/>
       </p:transition>
     </mc:Choice>
-    <mc:Fallback xmlns="">
+    <mc:Fallback>
       <p:transition>
         <p:fade/>
       </p:transition>
@@ -37404,13 +37404,13 @@
   <p:clrMapOvr>
     <a:masterClrMapping/>
   </p:clrMapOvr>
-  <mc:AlternateContent xmlns:mc="http://schemas.openxmlformats.org/markup-compatibility/2006" xmlns:p14="http://schemas.microsoft.com/office/powerpoint/2010/main">
-    <mc:Choice Requires="p14">
+  <mc:AlternateContent xmlns:mc="http://schemas.openxmlformats.org/markup-compatibility/2006">
+    <mc:Choice xmlns:p14="http://schemas.microsoft.com/office/powerpoint/2010/main" Requires="p14">
       <p:transition p14:dur="300">
         <p:fade/>
       </p:transition>
     </mc:Choice>
-    <mc:Fallback xmlns="">
+    <mc:Fallback>
       <p:transition>
         <p:fade/>
       </p:transition>
@@ -37496,13 +37496,13 @@
   <p:clrMapOvr>
     <a:masterClrMapping/>
   </p:clrMapOvr>
-  <mc:AlternateContent xmlns:mc="http://schemas.openxmlformats.org/markup-compatibility/2006" xmlns:p14="http://schemas.microsoft.com/office/powerpoint/2010/main">
-    <mc:Choice Requires="p14">
+  <mc:AlternateContent xmlns:mc="http://schemas.openxmlformats.org/markup-compatibility/2006">
+    <mc:Choice xmlns:p14="http://schemas.microsoft.com/office/powerpoint/2010/main" Requires="p14">
       <p:transition p14:dur="300">
         <p:fade/>
       </p:transition>
     </mc:Choice>
-    <mc:Fallback xmlns="">
+    <mc:Fallback>
       <p:transition>
         <p:fade/>
       </p:transition>
@@ -37588,13 +37588,13 @@
   <p:clrMapOvr>
     <a:masterClrMapping/>
   </p:clrMapOvr>
-  <mc:AlternateContent xmlns:mc="http://schemas.openxmlformats.org/markup-compatibility/2006" xmlns:p14="http://schemas.microsoft.com/office/powerpoint/2010/main">
-    <mc:Choice Requires="p14">
+  <mc:AlternateContent xmlns:mc="http://schemas.openxmlformats.org/markup-compatibility/2006">
+    <mc:Choice xmlns:p14="http://schemas.microsoft.com/office/powerpoint/2010/main" Requires="p14">
       <p:transition p14:dur="300">
         <p:fade/>
       </p:transition>
     </mc:Choice>
-    <mc:Fallback xmlns="">
+    <mc:Fallback>
       <p:transition>
         <p:fade/>
       </p:transition>
@@ -37680,13 +37680,13 @@
   <p:clrMapOvr>
     <a:masterClrMapping/>
   </p:clrMapOvr>
-  <mc:AlternateContent xmlns:mc="http://schemas.openxmlformats.org/markup-compatibility/2006" xmlns:p14="http://schemas.microsoft.com/office/powerpoint/2010/main">
-    <mc:Choice Requires="p14">
+  <mc:AlternateContent xmlns:mc="http://schemas.openxmlformats.org/markup-compatibility/2006">
+    <mc:Choice xmlns:p14="http://schemas.microsoft.com/office/powerpoint/2010/main" Requires="p14">
       <p:transition p14:dur="300">
         <p:fade/>
       </p:transition>
     </mc:Choice>
-    <mc:Fallback xmlns="">
+    <mc:Fallback>
       <p:transition>
         <p:fade/>
       </p:transition>
@@ -37772,13 +37772,13 @@
   <p:clrMapOvr>
     <a:masterClrMapping/>
   </p:clrMapOvr>
-  <mc:AlternateContent xmlns:mc="http://schemas.openxmlformats.org/markup-compatibility/2006" xmlns:p14="http://schemas.microsoft.com/office/powerpoint/2010/main">
-    <mc:Choice Requires="p14">
+  <mc:AlternateContent xmlns:mc="http://schemas.openxmlformats.org/markup-compatibility/2006">
+    <mc:Choice xmlns:p14="http://schemas.microsoft.com/office/powerpoint/2010/main" Requires="p14">
       <p:transition p14:dur="300">
         <p:fade/>
       </p:transition>
     </mc:Choice>
-    <mc:Fallback xmlns="">
+    <mc:Fallback>
       <p:transition>
         <p:fade/>
       </p:transition>
@@ -37864,13 +37864,13 @@
   <p:clrMapOvr>
     <a:masterClrMapping/>
   </p:clrMapOvr>
-  <mc:AlternateContent xmlns:mc="http://schemas.openxmlformats.org/markup-compatibility/2006" xmlns:p14="http://schemas.microsoft.com/office/powerpoint/2010/main">
-    <mc:Choice Requires="p14">
+  <mc:AlternateContent xmlns:mc="http://schemas.openxmlformats.org/markup-compatibility/2006">
+    <mc:Choice xmlns:p14="http://schemas.microsoft.com/office/powerpoint/2010/main" Requires="p14">
       <p:transition p14:dur="300">
         <p:fade/>
       </p:transition>
     </mc:Choice>
-    <mc:Fallback xmlns="">
+    <mc:Fallback>
       <p:transition>
         <p:fade/>
       </p:transition>
@@ -37956,13 +37956,13 @@
   <p:clrMapOvr>
     <a:masterClrMapping/>
   </p:clrMapOvr>
-  <mc:AlternateContent xmlns:mc="http://schemas.openxmlformats.org/markup-compatibility/2006" xmlns:p14="http://schemas.microsoft.com/office/powerpoint/2010/main">
-    <mc:Choice Requires="p14">
+  <mc:AlternateContent xmlns:mc="http://schemas.openxmlformats.org/markup-compatibility/2006">
+    <mc:Choice xmlns:p14="http://schemas.microsoft.com/office/powerpoint/2010/main" Requires="p14">
       <p:transition p14:dur="300">
         <p:fade/>
       </p:transition>
     </mc:Choice>
-    <mc:Fallback xmlns="">
+    <mc:Fallback>
       <p:transition>
         <p:fade/>
       </p:transition>
@@ -38048,13 +38048,13 @@
   <p:clrMapOvr>
     <a:masterClrMapping/>
   </p:clrMapOvr>
-  <mc:AlternateContent xmlns:mc="http://schemas.openxmlformats.org/markup-compatibility/2006" xmlns:p14="http://schemas.microsoft.com/office/powerpoint/2010/main">
-    <mc:Choice Requires="p14">
+  <mc:AlternateContent xmlns:mc="http://schemas.openxmlformats.org/markup-compatibility/2006">
+    <mc:Choice xmlns:p14="http://schemas.microsoft.com/office/powerpoint/2010/main" Requires="p14">
       <p:transition p14:dur="300">
         <p:fade/>
       </p:transition>
     </mc:Choice>
-    <mc:Fallback xmlns="">
+    <mc:Fallback>
       <p:transition>
         <p:fade/>
       </p:transition>
@@ -38140,13 +38140,13 @@
   <p:clrMapOvr>
     <a:masterClrMapping/>
   </p:clrMapOvr>
-  <mc:AlternateContent xmlns:mc="http://schemas.openxmlformats.org/markup-compatibility/2006" xmlns:p14="http://schemas.microsoft.com/office/powerpoint/2010/main">
-    <mc:Choice Requires="p14">
+  <mc:AlternateContent xmlns:mc="http://schemas.openxmlformats.org/markup-compatibility/2006">
+    <mc:Choice xmlns:p14="http://schemas.microsoft.com/office/powerpoint/2010/main" Requires="p14">
       <p:transition p14:dur="300">
         <p:fade/>
       </p:transition>
     </mc:Choice>
-    <mc:Fallback xmlns="">
+    <mc:Fallback>
       <p:transition>
         <p:fade/>
       </p:transition>
@@ -38232,13 +38232,13 @@
   <p:clrMapOvr>
     <a:masterClrMapping/>
   </p:clrMapOvr>
-  <mc:AlternateContent xmlns:mc="http://schemas.openxmlformats.org/markup-compatibility/2006" xmlns:p14="http://schemas.microsoft.com/office/powerpoint/2010/main">
-    <mc:Choice Requires="p14">
+  <mc:AlternateContent xmlns:mc="http://schemas.openxmlformats.org/markup-compatibility/2006">
+    <mc:Choice xmlns:p14="http://schemas.microsoft.com/office/powerpoint/2010/main" Requires="p14">
       <p:transition p14:dur="300">
         <p:fade/>
       </p:transition>
     </mc:Choice>
-    <mc:Fallback xmlns="">
+    <mc:Fallback>
       <p:transition>
         <p:fade/>
       </p:transition>
@@ -38324,13 +38324,13 @@
   <p:clrMapOvr>
     <a:masterClrMapping/>
   </p:clrMapOvr>
-  <mc:AlternateContent xmlns:mc="http://schemas.openxmlformats.org/markup-compatibility/2006" xmlns:p14="http://schemas.microsoft.com/office/powerpoint/2010/main">
-    <mc:Choice Requires="p14">
+  <mc:AlternateContent xmlns:mc="http://schemas.openxmlformats.org/markup-compatibility/2006">
+    <mc:Choice xmlns:p14="http://schemas.microsoft.com/office/powerpoint/2010/main" Requires="p14">
       <p:transition p14:dur="300">
         <p:fade/>
       </p:transition>
     </mc:Choice>
-    <mc:Fallback xmlns="">
+    <mc:Fallback>
       <p:transition>
         <p:fade/>
       </p:transition>
